--- a/PPTX_SAMPLE/Session1_KraljicMatrix_Foundation.pptx
+++ b/PPTX_SAMPLE/Session1_KraljicMatrix_Foundation.pptx
@@ -15,7 +15,7 @@
     <p:sldId id="263" r:id="rId14"/>
     <p:sldId id="264" r:id="rId15"/>
   </p:sldIdLst>
-  <p:sldSz cx="12191695" cy="6858000" type="screen4x3"/>
+  <p:sldSz cx="9902952" cy="6858000" type="screen4x3"/>
   <p:notesSz cx="6858000" cy="9144000"/>
   <p:defaultTextStyle>
     <a:defPPr>
@@ -3089,6 +3089,14 @@
 <file path=ppt/slides/slide1.xml><?xml version="1.0" encoding="utf-8"?>
 <p:sld xmlns:a="http://schemas.openxmlformats.org/drawingml/2006/main" xmlns:p="http://schemas.openxmlformats.org/presentationml/2006/main" xmlns:r="http://schemas.openxmlformats.org/officeDocument/2006/relationships">
   <p:cSld>
+    <p:bg>
+      <p:bgPr>
+        <a:solidFill>
+          <a:srgbClr val="FFFFFF"/>
+        </a:solidFill>
+        <a:effectLst/>
+      </p:bgPr>
+    </p:bg>
     <p:spTree>
       <p:nvGrpSpPr>
         <p:cNvPr id="1" name=""/>
@@ -3098,100 +3106,14 @@
       <p:grpSpPr/>
       <p:sp>
         <p:nvSpPr>
-          <p:cNvPr id="2" name="Rectangle 1"/>
-          <p:cNvSpPr/>
-          <p:nvPr/>
-        </p:nvSpPr>
-        <p:spPr>
-          <a:xfrm>
-            <a:off x="0" y="0"/>
-            <a:ext cx="12191695" cy="3200400"/>
-          </a:xfrm>
-          <a:prstGeom prst="rect">
-            <a:avLst/>
-          </a:prstGeom>
-          <a:solidFill>
-            <a:srgbClr val="002060"/>
-          </a:solidFill>
-          <a:ln>
-            <a:noFill/>
-          </a:ln>
-        </p:spPr>
-        <p:style>
-          <a:lnRef idx="1">
-            <a:schemeClr val="accent1"/>
-          </a:lnRef>
-          <a:fillRef idx="3">
-            <a:schemeClr val="accent1"/>
-          </a:fillRef>
-          <a:effectRef idx="2">
-            <a:schemeClr val="accent1"/>
-          </a:effectRef>
-          <a:fontRef idx="minor">
-            <a:schemeClr val="lt1"/>
-          </a:fontRef>
-        </p:style>
-        <p:txBody>
-          <a:bodyPr rtlCol="0" anchor="ctr"/>
-          <a:lstStyle/>
-          <a:p>
-            <a:pPr algn="ctr"/>
-          </a:p>
-        </p:txBody>
-      </p:sp>
-      <p:sp>
-        <p:nvSpPr>
-          <p:cNvPr id="3" name="Rectangle 2"/>
-          <p:cNvSpPr/>
-          <p:nvPr/>
-        </p:nvSpPr>
-        <p:spPr>
-          <a:xfrm>
-            <a:off x="0" y="3200400"/>
-            <a:ext cx="12191695" cy="3657600"/>
-          </a:xfrm>
-          <a:prstGeom prst="rect">
-            <a:avLst/>
-          </a:prstGeom>
-          <a:solidFill>
-            <a:srgbClr val="F5F8FC"/>
-          </a:solidFill>
-          <a:ln>
-            <a:noFill/>
-          </a:ln>
-        </p:spPr>
-        <p:style>
-          <a:lnRef idx="1">
-            <a:schemeClr val="accent1"/>
-          </a:lnRef>
-          <a:fillRef idx="3">
-            <a:schemeClr val="accent1"/>
-          </a:fillRef>
-          <a:effectRef idx="2">
-            <a:schemeClr val="accent1"/>
-          </a:effectRef>
-          <a:fontRef idx="minor">
-            <a:schemeClr val="lt1"/>
-          </a:fontRef>
-        </p:style>
-        <p:txBody>
-          <a:bodyPr rtlCol="0" anchor="ctr"/>
-          <a:lstStyle/>
-          <a:p>
-            <a:pPr algn="ctr"/>
-          </a:p>
-        </p:txBody>
-      </p:sp>
-      <p:sp>
-        <p:nvSpPr>
-          <p:cNvPr id="4" name="TextBox 3"/>
+          <p:cNvPr id="2" name="TextBox 1"/>
           <p:cNvSpPr txBox="1"/>
           <p:nvPr/>
         </p:nvSpPr>
         <p:spPr>
           <a:xfrm>
-            <a:off x="914400" y="1828800"/>
-            <a:ext cx="10058400" cy="1097280"/>
+            <a:off x="411480" y="1371600"/>
+            <a:ext cx="6190488" cy="2286000"/>
           </a:xfrm>
           <a:prstGeom prst="rect">
             <a:avLst/>
@@ -3204,30 +3126,34 @@
           </a:bodyPr>
           <a:lstStyle/>
           <a:p>
-            <a:pPr algn="ctr">
-              <a:defRPr sz="4400" b="1">
+            <a:pPr>
+              <a:defRPr sz="4800" b="1">
                 <a:solidFill>
-                  <a:srgbClr val="FFFFFF"/>
+                  <a:srgbClr val="000000"/>
                 </a:solidFill>
-                <a:latin typeface="맑은 고딕"/>
-              </a:defRPr>
-            </a:pPr>
-            <a:r>
-              <a:t>전략적 재고운영 및 자재계획수립</a:t>
-            </a:r>
-          </a:p>
-        </p:txBody>
-      </p:sp>
-      <p:sp>
-        <p:nvSpPr>
-          <p:cNvPr id="5" name="TextBox 4"/>
+                <a:latin typeface="Arial"/>
+              </a:defRPr>
+            </a:pPr>
+            <a:r>
+              <a:t>전략적 재고운영 및</a:t>
+            </a:r>
+            <a:br/>
+            <a:r>
+              <a:t>자재계획수립</a:t>
+            </a:r>
+          </a:p>
+        </p:txBody>
+      </p:sp>
+      <p:sp>
+        <p:nvSpPr>
+          <p:cNvPr id="3" name="TextBox 2"/>
           <p:cNvSpPr txBox="1"/>
           <p:nvPr/>
         </p:nvSpPr>
         <p:spPr>
           <a:xfrm>
-            <a:off x="914400" y="3840480"/>
-            <a:ext cx="10058400" cy="731520"/>
+            <a:off x="411480" y="3794760"/>
+            <a:ext cx="4956048" cy="365760"/>
           </a:xfrm>
           <a:prstGeom prst="rect">
             <a:avLst/>
@@ -3240,71 +3166,49 @@
           </a:bodyPr>
           <a:lstStyle/>
           <a:p>
-            <a:pPr algn="ctr">
-              <a:defRPr sz="3200">
+            <a:pPr>
+              <a:defRPr sz="1800" b="1">
                 <a:solidFill>
-                  <a:srgbClr val="002060"/>
+                  <a:srgbClr val="000000"/>
                 </a:solidFill>
-                <a:latin typeface="맑은 고딕"/>
-              </a:defRPr>
-            </a:pPr>
-            <a:r>
-              <a:t>[1회차] Kraljic Matrix와 자재계획 방법론</a:t>
-            </a:r>
-          </a:p>
-        </p:txBody>
-      </p:sp>
-      <p:sp>
-        <p:nvSpPr>
-          <p:cNvPr id="6" name="Rounded Rectangle 5"/>
-          <p:cNvSpPr/>
+                <a:latin typeface="Arial"/>
+              </a:defRPr>
+            </a:pPr>
+            <a:r>
+              <a:t> - [1회차] Kraljic Matrix와 자재계획 방법론 -</a:t>
+            </a:r>
+          </a:p>
+        </p:txBody>
+      </p:sp>
+      <p:sp>
+        <p:nvSpPr>
+          <p:cNvPr id="4" name="TextBox 3"/>
+          <p:cNvSpPr txBox="1"/>
           <p:nvPr/>
         </p:nvSpPr>
         <p:spPr>
           <a:xfrm>
-            <a:off x="3657600" y="5029200"/>
-            <a:ext cx="4876495" cy="1097280"/>
-          </a:xfrm>
-          <a:prstGeom prst="roundRect">
+            <a:off x="411480" y="4343400"/>
+            <a:ext cx="6190488" cy="594360"/>
+          </a:xfrm>
+          <a:prstGeom prst="rect">
             <a:avLst/>
           </a:prstGeom>
-          <a:solidFill>
-            <a:srgbClr val="FFFFFF"/>
-          </a:solidFill>
-          <a:ln w="25400">
-            <a:solidFill>
-              <a:srgbClr val="0070C0"/>
-            </a:solidFill>
-          </a:ln>
-        </p:spPr>
-        <p:style>
-          <a:lnRef idx="1">
-            <a:schemeClr val="accent1"/>
-          </a:lnRef>
-          <a:fillRef idx="3">
-            <a:schemeClr val="accent1"/>
-          </a:fillRef>
-          <a:effectRef idx="2">
-            <a:schemeClr val="accent1"/>
-          </a:effectRef>
-          <a:fontRef idx="minor">
-            <a:schemeClr val="lt1"/>
-          </a:fontRef>
-        </p:style>
-        <p:txBody>
-          <a:bodyPr rtlCol="0" anchor="ctr"/>
-          <a:lstStyle/>
-          <a:p>
-            <a:pPr algn="ctr">
-              <a:defRPr sz="1800">
-                <a:solidFill>
-                  <a:srgbClr val="002060"/>
-                </a:solidFill>
-                <a:latin typeface="맑은 고딕"/>
-              </a:defRPr>
-            </a:pPr>
-            <a:r>
-              <a:t>난이도: 중급  |  소요시간: 45분</a:t>
+          <a:noFill/>
+        </p:spPr>
+        <p:txBody>
+          <a:bodyPr wrap="none">
+            <a:spAutoFit/>
+          </a:bodyPr>
+          <a:lstStyle/>
+          <a:p>
+            <a:pPr algn="l">
+              <a:defRPr b="1" sz="1600">
+                <a:latin typeface="Arial"/>
+              </a:defRPr>
+            </a:pPr>
+            <a:r>
+              <a:t>2025년 11월</a:t>
             </a:r>
           </a:p>
         </p:txBody>
@@ -3337,57 +3241,14 @@
       <p:grpSpPr/>
       <p:sp>
         <p:nvSpPr>
-          <p:cNvPr id="2" name="Rectangle 1"/>
-          <p:cNvSpPr/>
-          <p:nvPr/>
-        </p:nvSpPr>
-        <p:spPr>
-          <a:xfrm>
-            <a:off x="0" y="0"/>
-            <a:ext cx="12191695" cy="640080"/>
-          </a:xfrm>
-          <a:prstGeom prst="rect">
-            <a:avLst/>
-          </a:prstGeom>
-          <a:solidFill>
-            <a:srgbClr val="002060"/>
-          </a:solidFill>
-          <a:ln>
-            <a:noFill/>
-          </a:ln>
-        </p:spPr>
-        <p:style>
-          <a:lnRef idx="1">
-            <a:schemeClr val="accent1"/>
-          </a:lnRef>
-          <a:fillRef idx="3">
-            <a:schemeClr val="accent1"/>
-          </a:fillRef>
-          <a:effectRef idx="2">
-            <a:schemeClr val="accent1"/>
-          </a:effectRef>
-          <a:fontRef idx="minor">
-            <a:schemeClr val="lt1"/>
-          </a:fontRef>
-        </p:style>
-        <p:txBody>
-          <a:bodyPr rtlCol="0" anchor="ctr"/>
-          <a:lstStyle/>
-          <a:p>
-            <a:pPr algn="ctr"/>
-          </a:p>
-        </p:txBody>
-      </p:sp>
-      <p:sp>
-        <p:nvSpPr>
-          <p:cNvPr id="3" name="TextBox 2"/>
+          <p:cNvPr id="2" name="TextBox 1"/>
           <p:cNvSpPr txBox="1"/>
           <p:nvPr/>
         </p:nvSpPr>
         <p:spPr>
           <a:xfrm>
-            <a:off x="457200" y="137160"/>
-            <a:ext cx="10972800" cy="365760"/>
+            <a:off x="274320" y="292608"/>
+            <a:ext cx="5239512" cy="393192"/>
           </a:xfrm>
           <a:prstGeom prst="rect">
             <a:avLst/>
@@ -3400,301 +3261,118 @@
           </a:bodyPr>
           <a:lstStyle/>
           <a:p>
-            <a:pPr algn="l">
-              <a:defRPr sz="2400" b="1">
+            <a:pPr>
+              <a:defRPr sz="2000" b="1">
                 <a:solidFill>
-                  <a:srgbClr val="FFFFFF"/>
+                  <a:srgbClr val="000000"/>
                 </a:solidFill>
-                <a:latin typeface="맑은 고딕"/>
-              </a:defRPr>
-            </a:pPr>
-            <a:r>
-              <a:t>학습 목표 및 과정 구성</a:t>
-            </a:r>
-          </a:p>
-        </p:txBody>
-      </p:sp>
-      <p:sp>
-        <p:nvSpPr>
-          <p:cNvPr id="4" name="Rectangle 3"/>
-          <p:cNvSpPr/>
+              </a:defRPr>
+            </a:pPr>
+            <a:r>
+              <a:t>금일 Agenda</a:t>
+            </a:r>
+          </a:p>
+        </p:txBody>
+      </p:sp>
+      <p:sp>
+        <p:nvSpPr>
+          <p:cNvPr id="3" name="TextBox 2"/>
+          <p:cNvSpPr txBox="1"/>
           <p:nvPr/>
         </p:nvSpPr>
         <p:spPr>
           <a:xfrm>
-            <a:off x="0" y="6675120"/>
-            <a:ext cx="12191695" cy="182880"/>
+            <a:off x="649224" y="1051560"/>
+            <a:ext cx="6537960" cy="3922776"/>
           </a:xfrm>
           <a:prstGeom prst="rect">
             <a:avLst/>
           </a:prstGeom>
-          <a:solidFill>
-            <a:srgbClr val="0070C0"/>
-          </a:solidFill>
-          <a:ln>
-            <a:noFill/>
-          </a:ln>
-        </p:spPr>
-        <p:style>
-          <a:lnRef idx="1">
-            <a:schemeClr val="accent1"/>
-          </a:lnRef>
-          <a:fillRef idx="3">
-            <a:schemeClr val="accent1"/>
-          </a:fillRef>
-          <a:effectRef idx="2">
-            <a:schemeClr val="accent1"/>
-          </a:effectRef>
-          <a:fontRef idx="minor">
-            <a:schemeClr val="lt1"/>
-          </a:fontRef>
-        </p:style>
-        <p:txBody>
-          <a:bodyPr rtlCol="0" anchor="ctr"/>
-          <a:lstStyle/>
-          <a:p>
-            <a:pPr algn="ctr"/>
-          </a:p>
-        </p:txBody>
-      </p:sp>
-      <p:sp>
-        <p:nvSpPr>
-          <p:cNvPr id="5" name="Rounded Rectangle 4"/>
-          <p:cNvSpPr/>
-          <p:nvPr/>
-        </p:nvSpPr>
-        <p:spPr>
-          <a:xfrm>
-            <a:off x="731520" y="1097280"/>
-            <a:ext cx="5029200" cy="2286000"/>
-          </a:xfrm>
-          <a:prstGeom prst="roundRect">
-            <a:avLst/>
-          </a:prstGeom>
-          <a:solidFill>
-            <a:srgbClr val="E6F0FF"/>
-          </a:solidFill>
-          <a:ln w="38100">
-            <a:solidFill>
-              <a:srgbClr val="0070C0"/>
-            </a:solidFill>
-          </a:ln>
-        </p:spPr>
-        <p:style>
-          <a:lnRef idx="1">
-            <a:schemeClr val="accent1"/>
-          </a:lnRef>
-          <a:fillRef idx="3">
-            <a:schemeClr val="accent1"/>
-          </a:fillRef>
-          <a:effectRef idx="2">
-            <a:schemeClr val="accent1"/>
-          </a:effectRef>
-          <a:fontRef idx="minor">
-            <a:schemeClr val="lt1"/>
-          </a:fontRef>
-        </p:style>
-        <p:txBody>
-          <a:bodyPr rtlCol="0" anchor="ctr" lIns="274320" tIns="182880" wrap="square"/>
-          <a:lstStyle/>
-          <a:p>
-            <a:pPr algn="ctr">
-              <a:defRPr sz="2200" b="1">
-                <a:solidFill>
-                  <a:srgbClr val="002060"/>
-                </a:solidFill>
-                <a:latin typeface="맑은 고딕"/>
-              </a:defRPr>
-            </a:pPr>
-            <a:r>
-              <a:t>🎯 학습 목표</a:t>
-            </a:r>
-          </a:p>
+          <a:noFill/>
+        </p:spPr>
+        <p:txBody>
+          <a:bodyPr wrap="none">
+            <a:spAutoFit/>
+          </a:bodyPr>
+          <a:lstStyle/>
           <a:p>
             <a:pPr>
               <a:spcBef>
-                <a:spcPts val="600"/>
+                <a:spcPts val="1200"/>
               </a:spcBef>
-              <a:defRPr sz="1400">
-                <a:latin typeface="맑은 고딕"/>
-              </a:defRPr>
-            </a:pPr>
-            <a:r>
-              <a:t>• JIT에서 JIC로의 패러다임 전환 이해</a:t>
+              <a:defRPr sz="2000" b="1">
+                <a:solidFill>
+                  <a:srgbClr val="000000"/>
+                </a:solidFill>
+                <a:latin typeface="맑은 고딕"/>
+              </a:defRPr>
+            </a:pPr>
+            <a:r>
+              <a:t>패러다임의 전환: JIT에서 JIC로</a:t>
             </a:r>
           </a:p>
           <a:p>
             <a:pPr>
               <a:spcBef>
-                <a:spcPts val="600"/>
+                <a:spcPts val="1200"/>
               </a:spcBef>
-              <a:defRPr sz="1400">
-                <a:latin typeface="맑은 고딕"/>
-              </a:defRPr>
-            </a:pPr>
-            <a:r>
-              <a:t>• 전략적 재고운영의 핵심 개념 습득</a:t>
+              <a:defRPr sz="2000" b="1">
+                <a:solidFill>
+                  <a:srgbClr val="000000"/>
+                </a:solidFill>
+                <a:latin typeface="맑은 고딕"/>
+              </a:defRPr>
+            </a:pPr>
+            <a:r>
+              <a:t>Kraljic Matrix 프레임워크</a:t>
             </a:r>
           </a:p>
           <a:p>
             <a:pPr>
               <a:spcBef>
-                <a:spcPts val="600"/>
+                <a:spcPts val="1200"/>
               </a:spcBef>
-              <a:defRPr sz="1400">
-                <a:latin typeface="맑은 고딕"/>
-              </a:defRPr>
-            </a:pPr>
-            <a:r>
-              <a:t>• Kraljic Matrix 자재 분류 역량 확보</a:t>
+              <a:defRPr sz="2000" b="1">
+                <a:solidFill>
+                  <a:srgbClr val="000000"/>
+                </a:solidFill>
+                <a:latin typeface="맑은 고딕"/>
+              </a:defRPr>
+            </a:pPr>
+            <a:r>
+              <a:t>4대 자재군 특성 및 관리 철학</a:t>
             </a:r>
           </a:p>
           <a:p>
             <a:pPr>
               <a:spcBef>
-                <a:spcPts val="600"/>
+                <a:spcPts val="1200"/>
               </a:spcBef>
-              <a:defRPr sz="1400">
-                <a:latin typeface="맑은 고딕"/>
-              </a:defRPr>
-            </a:pPr>
-            <a:r>
-              <a:t>• 자재군별 관리 철학 이해</a:t>
-            </a:r>
-          </a:p>
-        </p:txBody>
-      </p:sp>
-      <p:sp>
-        <p:nvSpPr>
-          <p:cNvPr id="6" name="Rounded Rectangle 5"/>
-          <p:cNvSpPr/>
-          <p:nvPr/>
-        </p:nvSpPr>
-        <p:spPr>
-          <a:xfrm>
-            <a:off x="6400800" y="1097280"/>
-            <a:ext cx="5029200" cy="5029200"/>
-          </a:xfrm>
-          <a:prstGeom prst="roundRect">
-            <a:avLst/>
-          </a:prstGeom>
-          <a:solidFill>
-            <a:srgbClr val="FFFAF0"/>
-          </a:solidFill>
-          <a:ln w="38100">
-            <a:solidFill>
-              <a:srgbClr val="E67E22"/>
-            </a:solidFill>
-          </a:ln>
-        </p:spPr>
-        <p:style>
-          <a:lnRef idx="1">
-            <a:schemeClr val="accent1"/>
-          </a:lnRef>
-          <a:fillRef idx="3">
-            <a:schemeClr val="accent1"/>
-          </a:fillRef>
-          <a:effectRef idx="2">
-            <a:schemeClr val="accent1"/>
-          </a:effectRef>
-          <a:fontRef idx="minor">
-            <a:schemeClr val="lt1"/>
-          </a:fontRef>
-        </p:style>
-        <p:txBody>
-          <a:bodyPr rtlCol="0" anchor="ctr" lIns="274320" tIns="182880" wrap="square"/>
-          <a:lstStyle/>
-          <a:p>
-            <a:pPr algn="ctr">
-              <a:defRPr sz="2200" b="1">
+              <a:defRPr sz="2000" b="1">
                 <a:solidFill>
-                  <a:srgbClr val="002060"/>
+                  <a:srgbClr val="000000"/>
                 </a:solidFill>
                 <a:latin typeface="맑은 고딕"/>
               </a:defRPr>
             </a:pPr>
             <a:r>
-              <a:t>📋 과정 구성</a:t>
+              <a:t>자재계획 방법론 맵</a:t>
             </a:r>
           </a:p>
           <a:p>
             <a:pPr>
               <a:spcBef>
-                <a:spcPts val="1000"/>
+                <a:spcPts val="1200"/>
               </a:spcBef>
-              <a:defRPr sz="1600" b="1">
+              <a:defRPr sz="2000" b="1">
                 <a:solidFill>
-                  <a:srgbClr val="E67E22"/>
+                  <a:srgbClr val="000000"/>
                 </a:solidFill>
                 <a:latin typeface="맑은 고딕"/>
               </a:defRPr>
             </a:pPr>
             <a:r>
-              <a:t>1. 패러다임의 전환: JIT → JIC</a:t>
-            </a:r>
-          </a:p>
-          <a:p>
-            <a:pPr>
-              <a:spcBef>
-                <a:spcPts val="1000"/>
-              </a:spcBef>
-              <a:defRPr sz="1600" b="1">
-                <a:solidFill>
-                  <a:srgbClr val="E67E22"/>
-                </a:solidFill>
-                <a:latin typeface="맑은 고딕"/>
-              </a:defRPr>
-            </a:pPr>
-            <a:r>
-              <a:t>2. Kraljic Matrix 프레임워크</a:t>
-            </a:r>
-          </a:p>
-          <a:p>
-            <a:pPr>
-              <a:spcBef>
-                <a:spcPts val="1000"/>
-              </a:spcBef>
-              <a:defRPr sz="1600" b="1">
-                <a:solidFill>
-                  <a:srgbClr val="E67E22"/>
-                </a:solidFill>
-                <a:latin typeface="맑은 고딕"/>
-              </a:defRPr>
-            </a:pPr>
-            <a:r>
-              <a:t>3. 4대 자재군 특성 및 관리 철학</a:t>
-            </a:r>
-          </a:p>
-          <a:p>
-            <a:pPr>
-              <a:spcBef>
-                <a:spcPts val="1000"/>
-              </a:spcBef>
-              <a:defRPr sz="1600" b="1">
-                <a:solidFill>
-                  <a:srgbClr val="E67E22"/>
-                </a:solidFill>
-                <a:latin typeface="맑은 고딕"/>
-              </a:defRPr>
-            </a:pPr>
-            <a:r>
-              <a:t>4. 자재계획 방법론 맵</a:t>
-            </a:r>
-          </a:p>
-          <a:p>
-            <a:pPr>
-              <a:spcBef>
-                <a:spcPts val="1000"/>
-              </a:spcBef>
-              <a:defRPr sz="1600" b="1">
-                <a:solidFill>
-                  <a:srgbClr val="E67E22"/>
-                </a:solidFill>
-                <a:latin typeface="맑은 고딕"/>
-              </a:defRPr>
-            </a:pPr>
-            <a:r>
-              <a:t>5. 통합 KPI 프레임워크</a:t>
+              <a:t>통합 KPI 프레임워크</a:t>
             </a:r>
           </a:p>
         </p:txBody>
@@ -3710,6 +3388,14 @@
 <file path=ppt/slides/slide3.xml><?xml version="1.0" encoding="utf-8"?>
 <p:sld xmlns:a="http://schemas.openxmlformats.org/drawingml/2006/main" xmlns:p="http://schemas.openxmlformats.org/presentationml/2006/main" xmlns:r="http://schemas.openxmlformats.org/officeDocument/2006/relationships">
   <p:cSld>
+    <p:bg>
+      <p:bgPr>
+        <a:solidFill>
+          <a:srgbClr val="FFFFFF"/>
+        </a:solidFill>
+        <a:effectLst/>
+      </p:bgPr>
+    </p:bg>
     <p:spTree>
       <p:nvGrpSpPr>
         <p:cNvPr id="1" name=""/>
@@ -3719,23 +3405,91 @@
       <p:grpSpPr/>
       <p:sp>
         <p:nvSpPr>
-          <p:cNvPr id="2" name="Rectangle 1"/>
+          <p:cNvPr id="2" name="TextBox 1"/>
+          <p:cNvSpPr txBox="1"/>
+          <p:nvPr/>
+        </p:nvSpPr>
+        <p:spPr>
+          <a:xfrm>
+            <a:off x="274320" y="283464"/>
+            <a:ext cx="6912864" cy="393192"/>
+          </a:xfrm>
+          <a:prstGeom prst="rect">
+            <a:avLst/>
+          </a:prstGeom>
+          <a:noFill/>
+        </p:spPr>
+        <p:txBody>
+          <a:bodyPr wrap="none">
+            <a:spAutoFit/>
+          </a:bodyPr>
+          <a:lstStyle/>
+          <a:p>
+            <a:pPr>
+              <a:defRPr sz="2000" b="1">
+                <a:latin typeface="맑은 고딕"/>
+              </a:defRPr>
+            </a:pPr>
+            <a:r>
+              <a:t>패러다임의 전환: JIT에서 JIC로</a:t>
+            </a:r>
+          </a:p>
+        </p:txBody>
+      </p:sp>
+      <p:sp>
+        <p:nvSpPr>
+          <p:cNvPr id="3" name="TextBox 2"/>
+          <p:cNvSpPr txBox="1"/>
+          <p:nvPr/>
+        </p:nvSpPr>
+        <p:spPr>
+          <a:xfrm>
+            <a:off x="274320" y="923544"/>
+            <a:ext cx="9436608" cy="576072"/>
+          </a:xfrm>
+          <a:prstGeom prst="rect">
+            <a:avLst/>
+          </a:prstGeom>
+          <a:noFill/>
+        </p:spPr>
+        <p:txBody>
+          <a:bodyPr wrap="none">
+            <a:spAutoFit/>
+          </a:bodyPr>
+          <a:lstStyle/>
+          <a:p>
+            <a:pPr>
+              <a:defRPr sz="1600" b="1">
+                <a:latin typeface="맑은 고딕"/>
+              </a:defRPr>
+            </a:pPr>
+            <a:r>
+              <a:t>2020년 코로나19 팬데믹 이후, 글로벌 기업들이 JIT(Just-In-Time)에서 JIC(Just-In-Case)로 재고 전략을 전환하고 있습니다.</a:t>
+            </a:r>
+          </a:p>
+        </p:txBody>
+      </p:sp>
+      <p:sp>
+        <p:nvSpPr>
+          <p:cNvPr id="4" name="Rectangle 3"/>
           <p:cNvSpPr/>
           <p:nvPr/>
         </p:nvSpPr>
         <p:spPr>
           <a:xfrm>
-            <a:off x="0" y="0"/>
-            <a:ext cx="12191695" cy="6858000"/>
+            <a:off x="457200" y="1828800"/>
+            <a:ext cx="2926080" cy="502920"/>
           </a:xfrm>
           <a:prstGeom prst="rect">
             <a:avLst/>
           </a:prstGeom>
           <a:solidFill>
-            <a:srgbClr val="002060"/>
+            <a:srgbClr val="D9D9D9"/>
           </a:solidFill>
-          <a:ln>
-            <a:noFill/>
+          <a:ln w="6350">
+            <a:solidFill>
+              <a:srgbClr val="969696"/>
+            </a:solidFill>
           </a:ln>
         </p:spPr>
         <p:style>
@@ -3753,32 +3507,41 @@
           </a:fontRef>
         </p:style>
         <p:txBody>
-          <a:bodyPr rtlCol="0" anchor="ctr"/>
-          <a:lstStyle/>
-          <a:p>
-            <a:pPr algn="ctr"/>
-          </a:p>
-        </p:txBody>
-      </p:sp>
-      <p:sp>
-        <p:nvSpPr>
-          <p:cNvPr id="3" name="Rectangle 2"/>
+          <a:bodyPr rtlCol="0" anchor="t" wrap="square"/>
+          <a:lstStyle/>
+          <a:p>
+            <a:pPr algn="ctr">
+              <a:defRPr sz="1300" b="1">
+                <a:latin typeface="맑은 고딕"/>
+              </a:defRPr>
+            </a:pPr>
+            <a:r>
+              <a:t>구분</a:t>
+            </a:r>
+          </a:p>
+        </p:txBody>
+      </p:sp>
+      <p:sp>
+        <p:nvSpPr>
+          <p:cNvPr id="5" name="Rectangle 4"/>
           <p:cNvSpPr/>
           <p:nvPr/>
         </p:nvSpPr>
         <p:spPr>
           <a:xfrm>
-            <a:off x="0" y="2743200"/>
-            <a:ext cx="274320" cy="1371600"/>
+            <a:off x="3474720" y="1828800"/>
+            <a:ext cx="2926080" cy="502920"/>
           </a:xfrm>
           <a:prstGeom prst="rect">
             <a:avLst/>
           </a:prstGeom>
           <a:solidFill>
-            <a:srgbClr val="00B0F0"/>
+            <a:srgbClr val="D9D9D9"/>
           </a:solidFill>
-          <a:ln>
-            <a:noFill/>
+          <a:ln w="6350">
+            <a:solidFill>
+              <a:srgbClr val="969696"/>
+            </a:solidFill>
           </a:ln>
         </p:spPr>
         <p:style>
@@ -3796,81 +3559,818 @@
           </a:fontRef>
         </p:style>
         <p:txBody>
-          <a:bodyPr rtlCol="0" anchor="ctr"/>
-          <a:lstStyle/>
-          <a:p>
-            <a:pPr algn="ctr"/>
-          </a:p>
-        </p:txBody>
-      </p:sp>
-      <p:sp>
-        <p:nvSpPr>
-          <p:cNvPr id="4" name="TextBox 3"/>
-          <p:cNvSpPr txBox="1"/>
+          <a:bodyPr rtlCol="0" anchor="t" wrap="square"/>
+          <a:lstStyle/>
+          <a:p>
+            <a:pPr algn="ctr">
+              <a:defRPr sz="1300" b="1">
+                <a:latin typeface="맑은 고딕"/>
+              </a:defRPr>
+            </a:pPr>
+            <a:r>
+              <a:t>JIT (과거)</a:t>
+            </a:r>
+          </a:p>
+        </p:txBody>
+      </p:sp>
+      <p:sp>
+        <p:nvSpPr>
+          <p:cNvPr id="6" name="Rectangle 5"/>
+          <p:cNvSpPr/>
           <p:nvPr/>
         </p:nvSpPr>
         <p:spPr>
           <a:xfrm>
-            <a:off x="1828800" y="2286000"/>
-            <a:ext cx="8229600" cy="914400"/>
+            <a:off x="6492240" y="1828800"/>
+            <a:ext cx="2926080" cy="502920"/>
+          </a:xfrm>
+          <a:prstGeom prst="rect">
+            <a:avLst/>
+          </a:prstGeom>
+          <a:solidFill>
+            <a:srgbClr val="D9D9D9"/>
+          </a:solidFill>
+          <a:ln w="6350">
+            <a:solidFill>
+              <a:srgbClr val="969696"/>
+            </a:solidFill>
+          </a:ln>
+        </p:spPr>
+        <p:style>
+          <a:lnRef idx="1">
+            <a:schemeClr val="accent1"/>
+          </a:lnRef>
+          <a:fillRef idx="3">
+            <a:schemeClr val="accent1"/>
+          </a:fillRef>
+          <a:effectRef idx="2">
+            <a:schemeClr val="accent1"/>
+          </a:effectRef>
+          <a:fontRef idx="minor">
+            <a:schemeClr val="lt1"/>
+          </a:fontRef>
+        </p:style>
+        <p:txBody>
+          <a:bodyPr rtlCol="0" anchor="t" wrap="square"/>
+          <a:lstStyle/>
+          <a:p>
+            <a:pPr algn="ctr">
+              <a:defRPr sz="1300" b="1">
+                <a:latin typeface="맑은 고딕"/>
+              </a:defRPr>
+            </a:pPr>
+            <a:r>
+              <a:t>JIC (현재/미래)</a:t>
+            </a:r>
+          </a:p>
+        </p:txBody>
+      </p:sp>
+      <p:sp>
+        <p:nvSpPr>
+          <p:cNvPr id="7" name="Rectangle 6"/>
+          <p:cNvSpPr/>
+          <p:nvPr/>
+        </p:nvSpPr>
+        <p:spPr>
+          <a:xfrm>
+            <a:off x="457200" y="2377440"/>
+            <a:ext cx="2926080" cy="502920"/>
           </a:xfrm>
           <a:prstGeom prst="rect">
             <a:avLst/>
           </a:prstGeom>
           <a:noFill/>
-        </p:spPr>
-        <p:txBody>
-          <a:bodyPr wrap="none">
-            <a:spAutoFit/>
-          </a:bodyPr>
-          <a:lstStyle/>
-          <a:p>
-            <a:pPr>
-              <a:defRPr sz="5400" b="1">
-                <a:solidFill>
-                  <a:srgbClr val="FFFFFF"/>
-                </a:solidFill>
-                <a:latin typeface="맑은 고딕"/>
-              </a:defRPr>
-            </a:pPr>
-            <a:r>
-              <a:t>1. 패러다임의 전환</a:t>
-            </a:r>
-          </a:p>
-        </p:txBody>
-      </p:sp>
-      <p:sp>
-        <p:nvSpPr>
-          <p:cNvPr id="5" name="TextBox 4"/>
-          <p:cNvSpPr txBox="1"/>
+          <a:ln w="6350">
+            <a:solidFill>
+              <a:srgbClr val="969696"/>
+            </a:solidFill>
+          </a:ln>
+        </p:spPr>
+        <p:style>
+          <a:lnRef idx="1">
+            <a:schemeClr val="accent1"/>
+          </a:lnRef>
+          <a:fillRef idx="3">
+            <a:schemeClr val="accent1"/>
+          </a:fillRef>
+          <a:effectRef idx="2">
+            <a:schemeClr val="accent1"/>
+          </a:effectRef>
+          <a:fontRef idx="minor">
+            <a:schemeClr val="lt1"/>
+          </a:fontRef>
+        </p:style>
+        <p:txBody>
+          <a:bodyPr rtlCol="0" anchor="t" wrap="square"/>
+          <a:lstStyle/>
+          <a:p>
+            <a:pPr algn="l">
+              <a:defRPr sz="1200" b="0">
+                <a:latin typeface="맑은 고딕"/>
+              </a:defRPr>
+            </a:pPr>
+            <a:r>
+              <a:t>재고 철학</a:t>
+            </a:r>
+          </a:p>
+        </p:txBody>
+      </p:sp>
+      <p:sp>
+        <p:nvSpPr>
+          <p:cNvPr id="8" name="Rectangle 7"/>
+          <p:cNvSpPr/>
           <p:nvPr/>
         </p:nvSpPr>
         <p:spPr>
           <a:xfrm>
-            <a:off x="1828800" y="3474720"/>
-            <a:ext cx="8229600" cy="914400"/>
+            <a:off x="3474720" y="2377440"/>
+            <a:ext cx="2926080" cy="502920"/>
           </a:xfrm>
           <a:prstGeom prst="rect">
             <a:avLst/>
           </a:prstGeom>
           <a:noFill/>
-        </p:spPr>
-        <p:txBody>
-          <a:bodyPr wrap="none">
-            <a:spAutoFit/>
-          </a:bodyPr>
-          <a:lstStyle/>
-          <a:p>
-            <a:pPr>
-              <a:defRPr sz="3200">
-                <a:solidFill>
-                  <a:srgbClr val="00B0F0"/>
-                </a:solidFill>
-                <a:latin typeface="맑은 고딕"/>
-              </a:defRPr>
-            </a:pPr>
-            <a:r>
-              <a:t>JIT에서 JIC로</a:t>
+          <a:ln w="6350">
+            <a:solidFill>
+              <a:srgbClr val="969696"/>
+            </a:solidFill>
+          </a:ln>
+        </p:spPr>
+        <p:style>
+          <a:lnRef idx="1">
+            <a:schemeClr val="accent1"/>
+          </a:lnRef>
+          <a:fillRef idx="3">
+            <a:schemeClr val="accent1"/>
+          </a:fillRef>
+          <a:effectRef idx="2">
+            <a:schemeClr val="accent1"/>
+          </a:effectRef>
+          <a:fontRef idx="minor">
+            <a:schemeClr val="lt1"/>
+          </a:fontRef>
+        </p:style>
+        <p:txBody>
+          <a:bodyPr rtlCol="0" anchor="t" wrap="square"/>
+          <a:lstStyle/>
+          <a:p>
+            <a:pPr algn="l">
+              <a:defRPr sz="1200" b="0">
+                <a:latin typeface="맑은 고딕"/>
+              </a:defRPr>
+            </a:pPr>
+            <a:r>
+              <a:t>재고 = 낭비</a:t>
+            </a:r>
+          </a:p>
+        </p:txBody>
+      </p:sp>
+      <p:sp>
+        <p:nvSpPr>
+          <p:cNvPr id="9" name="Rectangle 8"/>
+          <p:cNvSpPr/>
+          <p:nvPr/>
+        </p:nvSpPr>
+        <p:spPr>
+          <a:xfrm>
+            <a:off x="6492240" y="2377440"/>
+            <a:ext cx="2926080" cy="502920"/>
+          </a:xfrm>
+          <a:prstGeom prst="rect">
+            <a:avLst/>
+          </a:prstGeom>
+          <a:noFill/>
+          <a:ln w="6350">
+            <a:solidFill>
+              <a:srgbClr val="969696"/>
+            </a:solidFill>
+          </a:ln>
+        </p:spPr>
+        <p:style>
+          <a:lnRef idx="1">
+            <a:schemeClr val="accent1"/>
+          </a:lnRef>
+          <a:fillRef idx="3">
+            <a:schemeClr val="accent1"/>
+          </a:fillRef>
+          <a:effectRef idx="2">
+            <a:schemeClr val="accent1"/>
+          </a:effectRef>
+          <a:fontRef idx="minor">
+            <a:schemeClr val="lt1"/>
+          </a:fontRef>
+        </p:style>
+        <p:txBody>
+          <a:bodyPr rtlCol="0" anchor="t" wrap="square"/>
+          <a:lstStyle/>
+          <a:p>
+            <a:pPr algn="l">
+              <a:defRPr sz="1200" b="0">
+                <a:latin typeface="맑은 고딕"/>
+              </a:defRPr>
+            </a:pPr>
+            <a:r>
+              <a:t>재고 = 전략적 자산</a:t>
+            </a:r>
+          </a:p>
+        </p:txBody>
+      </p:sp>
+      <p:sp>
+        <p:nvSpPr>
+          <p:cNvPr id="10" name="Rectangle 9"/>
+          <p:cNvSpPr/>
+          <p:nvPr/>
+        </p:nvSpPr>
+        <p:spPr>
+          <a:xfrm>
+            <a:off x="457200" y="2926080"/>
+            <a:ext cx="2926080" cy="502920"/>
+          </a:xfrm>
+          <a:prstGeom prst="rect">
+            <a:avLst/>
+          </a:prstGeom>
+          <a:noFill/>
+          <a:ln w="6350">
+            <a:solidFill>
+              <a:srgbClr val="969696"/>
+            </a:solidFill>
+          </a:ln>
+        </p:spPr>
+        <p:style>
+          <a:lnRef idx="1">
+            <a:schemeClr val="accent1"/>
+          </a:lnRef>
+          <a:fillRef idx="3">
+            <a:schemeClr val="accent1"/>
+          </a:fillRef>
+          <a:effectRef idx="2">
+            <a:schemeClr val="accent1"/>
+          </a:effectRef>
+          <a:fontRef idx="minor">
+            <a:schemeClr val="lt1"/>
+          </a:fontRef>
+        </p:style>
+        <p:txBody>
+          <a:bodyPr rtlCol="0" anchor="t" wrap="square"/>
+          <a:lstStyle/>
+          <a:p>
+            <a:pPr algn="l">
+              <a:defRPr sz="1200" b="0">
+                <a:latin typeface="맑은 고딕"/>
+              </a:defRPr>
+            </a:pPr>
+            <a:r>
+              <a:t>목표</a:t>
+            </a:r>
+          </a:p>
+        </p:txBody>
+      </p:sp>
+      <p:sp>
+        <p:nvSpPr>
+          <p:cNvPr id="11" name="Rectangle 10"/>
+          <p:cNvSpPr/>
+          <p:nvPr/>
+        </p:nvSpPr>
+        <p:spPr>
+          <a:xfrm>
+            <a:off x="3474720" y="2926080"/>
+            <a:ext cx="2926080" cy="502920"/>
+          </a:xfrm>
+          <a:prstGeom prst="rect">
+            <a:avLst/>
+          </a:prstGeom>
+          <a:noFill/>
+          <a:ln w="6350">
+            <a:solidFill>
+              <a:srgbClr val="969696"/>
+            </a:solidFill>
+          </a:ln>
+        </p:spPr>
+        <p:style>
+          <a:lnRef idx="1">
+            <a:schemeClr val="accent1"/>
+          </a:lnRef>
+          <a:fillRef idx="3">
+            <a:schemeClr val="accent1"/>
+          </a:fillRef>
+          <a:effectRef idx="2">
+            <a:schemeClr val="accent1"/>
+          </a:effectRef>
+          <a:fontRef idx="minor">
+            <a:schemeClr val="lt1"/>
+          </a:fontRef>
+        </p:style>
+        <p:txBody>
+          <a:bodyPr rtlCol="0" anchor="t" wrap="square"/>
+          <a:lstStyle/>
+          <a:p>
+            <a:pPr algn="l">
+              <a:defRPr sz="1200" b="0">
+                <a:latin typeface="맑은 고딕"/>
+              </a:defRPr>
+            </a:pPr>
+            <a:r>
+              <a:t>재고 최소화 (Zero)</a:t>
+            </a:r>
+          </a:p>
+        </p:txBody>
+      </p:sp>
+      <p:sp>
+        <p:nvSpPr>
+          <p:cNvPr id="12" name="Rectangle 11"/>
+          <p:cNvSpPr/>
+          <p:nvPr/>
+        </p:nvSpPr>
+        <p:spPr>
+          <a:xfrm>
+            <a:off x="6492240" y="2926080"/>
+            <a:ext cx="2926080" cy="502920"/>
+          </a:xfrm>
+          <a:prstGeom prst="rect">
+            <a:avLst/>
+          </a:prstGeom>
+          <a:noFill/>
+          <a:ln w="6350">
+            <a:solidFill>
+              <a:srgbClr val="969696"/>
+            </a:solidFill>
+          </a:ln>
+        </p:spPr>
+        <p:style>
+          <a:lnRef idx="1">
+            <a:schemeClr val="accent1"/>
+          </a:lnRef>
+          <a:fillRef idx="3">
+            <a:schemeClr val="accent1"/>
+          </a:fillRef>
+          <a:effectRef idx="2">
+            <a:schemeClr val="accent1"/>
+          </a:effectRef>
+          <a:fontRef idx="minor">
+            <a:schemeClr val="lt1"/>
+          </a:fontRef>
+        </p:style>
+        <p:txBody>
+          <a:bodyPr rtlCol="0" anchor="t" wrap="square"/>
+          <a:lstStyle/>
+          <a:p>
+            <a:pPr algn="l">
+              <a:defRPr sz="1200" b="0">
+                <a:latin typeface="맑은 고딕"/>
+              </a:defRPr>
+            </a:pPr>
+            <a:r>
+              <a:t>최적 재고 (Optimal)</a:t>
+            </a:r>
+          </a:p>
+        </p:txBody>
+      </p:sp>
+      <p:sp>
+        <p:nvSpPr>
+          <p:cNvPr id="13" name="Rectangle 12"/>
+          <p:cNvSpPr/>
+          <p:nvPr/>
+        </p:nvSpPr>
+        <p:spPr>
+          <a:xfrm>
+            <a:off x="457200" y="3474720"/>
+            <a:ext cx="2926080" cy="502920"/>
+          </a:xfrm>
+          <a:prstGeom prst="rect">
+            <a:avLst/>
+          </a:prstGeom>
+          <a:noFill/>
+          <a:ln w="6350">
+            <a:solidFill>
+              <a:srgbClr val="969696"/>
+            </a:solidFill>
+          </a:ln>
+        </p:spPr>
+        <p:style>
+          <a:lnRef idx="1">
+            <a:schemeClr val="accent1"/>
+          </a:lnRef>
+          <a:fillRef idx="3">
+            <a:schemeClr val="accent1"/>
+          </a:fillRef>
+          <a:effectRef idx="2">
+            <a:schemeClr val="accent1"/>
+          </a:effectRef>
+          <a:fontRef idx="minor">
+            <a:schemeClr val="lt1"/>
+          </a:fontRef>
+        </p:style>
+        <p:txBody>
+          <a:bodyPr rtlCol="0" anchor="t" wrap="square"/>
+          <a:lstStyle/>
+          <a:p>
+            <a:pPr algn="l">
+              <a:defRPr sz="1200" b="0">
+                <a:latin typeface="맑은 고딕"/>
+              </a:defRPr>
+            </a:pPr>
+            <a:r>
+              <a:t>우선순위</a:t>
+            </a:r>
+          </a:p>
+        </p:txBody>
+      </p:sp>
+      <p:sp>
+        <p:nvSpPr>
+          <p:cNvPr id="14" name="Rectangle 13"/>
+          <p:cNvSpPr/>
+          <p:nvPr/>
+        </p:nvSpPr>
+        <p:spPr>
+          <a:xfrm>
+            <a:off x="3474720" y="3474720"/>
+            <a:ext cx="2926080" cy="502920"/>
+          </a:xfrm>
+          <a:prstGeom prst="rect">
+            <a:avLst/>
+          </a:prstGeom>
+          <a:noFill/>
+          <a:ln w="6350">
+            <a:solidFill>
+              <a:srgbClr val="969696"/>
+            </a:solidFill>
+          </a:ln>
+        </p:spPr>
+        <p:style>
+          <a:lnRef idx="1">
+            <a:schemeClr val="accent1"/>
+          </a:lnRef>
+          <a:fillRef idx="3">
+            <a:schemeClr val="accent1"/>
+          </a:fillRef>
+          <a:effectRef idx="2">
+            <a:schemeClr val="accent1"/>
+          </a:effectRef>
+          <a:fontRef idx="minor">
+            <a:schemeClr val="lt1"/>
+          </a:fontRef>
+        </p:style>
+        <p:txBody>
+          <a:bodyPr rtlCol="0" anchor="t" wrap="square"/>
+          <a:lstStyle/>
+          <a:p>
+            <a:pPr algn="l">
+              <a:defRPr sz="1200" b="0">
+                <a:latin typeface="맑은 고딕"/>
+              </a:defRPr>
+            </a:pPr>
+            <a:r>
+              <a:t>효율성 (Efficiency)</a:t>
+            </a:r>
+          </a:p>
+        </p:txBody>
+      </p:sp>
+      <p:sp>
+        <p:nvSpPr>
+          <p:cNvPr id="15" name="Rectangle 14"/>
+          <p:cNvSpPr/>
+          <p:nvPr/>
+        </p:nvSpPr>
+        <p:spPr>
+          <a:xfrm>
+            <a:off x="6492240" y="3474720"/>
+            <a:ext cx="2926080" cy="502920"/>
+          </a:xfrm>
+          <a:prstGeom prst="rect">
+            <a:avLst/>
+          </a:prstGeom>
+          <a:noFill/>
+          <a:ln w="6350">
+            <a:solidFill>
+              <a:srgbClr val="969696"/>
+            </a:solidFill>
+          </a:ln>
+        </p:spPr>
+        <p:style>
+          <a:lnRef idx="1">
+            <a:schemeClr val="accent1"/>
+          </a:lnRef>
+          <a:fillRef idx="3">
+            <a:schemeClr val="accent1"/>
+          </a:fillRef>
+          <a:effectRef idx="2">
+            <a:schemeClr val="accent1"/>
+          </a:effectRef>
+          <a:fontRef idx="minor">
+            <a:schemeClr val="lt1"/>
+          </a:fontRef>
+        </p:style>
+        <p:txBody>
+          <a:bodyPr rtlCol="0" anchor="t" wrap="square"/>
+          <a:lstStyle/>
+          <a:p>
+            <a:pPr algn="l">
+              <a:defRPr sz="1200" b="0">
+                <a:latin typeface="맑은 고딕"/>
+              </a:defRPr>
+            </a:pPr>
+            <a:r>
+              <a:t>회복력 (Resilience)</a:t>
+            </a:r>
+          </a:p>
+        </p:txBody>
+      </p:sp>
+      <p:sp>
+        <p:nvSpPr>
+          <p:cNvPr id="16" name="Rectangle 15"/>
+          <p:cNvSpPr/>
+          <p:nvPr/>
+        </p:nvSpPr>
+        <p:spPr>
+          <a:xfrm>
+            <a:off x="457200" y="4023360"/>
+            <a:ext cx="2926080" cy="502920"/>
+          </a:xfrm>
+          <a:prstGeom prst="rect">
+            <a:avLst/>
+          </a:prstGeom>
+          <a:noFill/>
+          <a:ln w="6350">
+            <a:solidFill>
+              <a:srgbClr val="969696"/>
+            </a:solidFill>
+          </a:ln>
+        </p:spPr>
+        <p:style>
+          <a:lnRef idx="1">
+            <a:schemeClr val="accent1"/>
+          </a:lnRef>
+          <a:fillRef idx="3">
+            <a:schemeClr val="accent1"/>
+          </a:fillRef>
+          <a:effectRef idx="2">
+            <a:schemeClr val="accent1"/>
+          </a:effectRef>
+          <a:fontRef idx="minor">
+            <a:schemeClr val="lt1"/>
+          </a:fontRef>
+        </p:style>
+        <p:txBody>
+          <a:bodyPr rtlCol="0" anchor="t" wrap="square"/>
+          <a:lstStyle/>
+          <a:p>
+            <a:pPr algn="l">
+              <a:defRPr sz="1200" b="0">
+                <a:latin typeface="맑은 고딕"/>
+              </a:defRPr>
+            </a:pPr>
+            <a:r>
+              <a:t>리스크 관점</a:t>
+            </a:r>
+          </a:p>
+        </p:txBody>
+      </p:sp>
+      <p:sp>
+        <p:nvSpPr>
+          <p:cNvPr id="17" name="Rectangle 16"/>
+          <p:cNvSpPr/>
+          <p:nvPr/>
+        </p:nvSpPr>
+        <p:spPr>
+          <a:xfrm>
+            <a:off x="3474720" y="4023360"/>
+            <a:ext cx="2926080" cy="502920"/>
+          </a:xfrm>
+          <a:prstGeom prst="rect">
+            <a:avLst/>
+          </a:prstGeom>
+          <a:noFill/>
+          <a:ln w="6350">
+            <a:solidFill>
+              <a:srgbClr val="969696"/>
+            </a:solidFill>
+          </a:ln>
+        </p:spPr>
+        <p:style>
+          <a:lnRef idx="1">
+            <a:schemeClr val="accent1"/>
+          </a:lnRef>
+          <a:fillRef idx="3">
+            <a:schemeClr val="accent1"/>
+          </a:fillRef>
+          <a:effectRef idx="2">
+            <a:schemeClr val="accent1"/>
+          </a:effectRef>
+          <a:fontRef idx="minor">
+            <a:schemeClr val="lt1"/>
+          </a:fontRef>
+        </p:style>
+        <p:txBody>
+          <a:bodyPr rtlCol="0" anchor="t" wrap="square"/>
+          <a:lstStyle/>
+          <a:p>
+            <a:pPr algn="l">
+              <a:defRPr sz="1200" b="0">
+                <a:latin typeface="맑은 고딕"/>
+              </a:defRPr>
+            </a:pPr>
+            <a:r>
+              <a:t>리스크 무시</a:t>
+            </a:r>
+          </a:p>
+        </p:txBody>
+      </p:sp>
+      <p:sp>
+        <p:nvSpPr>
+          <p:cNvPr id="18" name="Rectangle 17"/>
+          <p:cNvSpPr/>
+          <p:nvPr/>
+        </p:nvSpPr>
+        <p:spPr>
+          <a:xfrm>
+            <a:off x="6492240" y="4023360"/>
+            <a:ext cx="2926080" cy="502920"/>
+          </a:xfrm>
+          <a:prstGeom prst="rect">
+            <a:avLst/>
+          </a:prstGeom>
+          <a:noFill/>
+          <a:ln w="6350">
+            <a:solidFill>
+              <a:srgbClr val="969696"/>
+            </a:solidFill>
+          </a:ln>
+        </p:spPr>
+        <p:style>
+          <a:lnRef idx="1">
+            <a:schemeClr val="accent1"/>
+          </a:lnRef>
+          <a:fillRef idx="3">
+            <a:schemeClr val="accent1"/>
+          </a:fillRef>
+          <a:effectRef idx="2">
+            <a:schemeClr val="accent1"/>
+          </a:effectRef>
+          <a:fontRef idx="minor">
+            <a:schemeClr val="lt1"/>
+          </a:fontRef>
+        </p:style>
+        <p:txBody>
+          <a:bodyPr rtlCol="0" anchor="t" wrap="square"/>
+          <a:lstStyle/>
+          <a:p>
+            <a:pPr algn="l">
+              <a:defRPr sz="1200" b="0">
+                <a:latin typeface="맑은 고딕"/>
+              </a:defRPr>
+            </a:pPr>
+            <a:r>
+              <a:t>리스크 관리</a:t>
+            </a:r>
+          </a:p>
+        </p:txBody>
+      </p:sp>
+      <p:sp>
+        <p:nvSpPr>
+          <p:cNvPr id="19" name="Rectangle 18"/>
+          <p:cNvSpPr/>
+          <p:nvPr/>
+        </p:nvSpPr>
+        <p:spPr>
+          <a:xfrm>
+            <a:off x="457200" y="4572000"/>
+            <a:ext cx="2926080" cy="502920"/>
+          </a:xfrm>
+          <a:prstGeom prst="rect">
+            <a:avLst/>
+          </a:prstGeom>
+          <a:noFill/>
+          <a:ln w="6350">
+            <a:solidFill>
+              <a:srgbClr val="969696"/>
+            </a:solidFill>
+          </a:ln>
+        </p:spPr>
+        <p:style>
+          <a:lnRef idx="1">
+            <a:schemeClr val="accent1"/>
+          </a:lnRef>
+          <a:fillRef idx="3">
+            <a:schemeClr val="accent1"/>
+          </a:fillRef>
+          <a:effectRef idx="2">
+            <a:schemeClr val="accent1"/>
+          </a:effectRef>
+          <a:fontRef idx="minor">
+            <a:schemeClr val="lt1"/>
+          </a:fontRef>
+        </p:style>
+        <p:txBody>
+          <a:bodyPr rtlCol="0" anchor="t" wrap="square"/>
+          <a:lstStyle/>
+          <a:p>
+            <a:pPr algn="l">
+              <a:defRPr sz="1200" b="0">
+                <a:latin typeface="맑은 고딕"/>
+              </a:defRPr>
+            </a:pPr>
+            <a:r>
+              <a:t>안전재고</a:t>
+            </a:r>
+          </a:p>
+        </p:txBody>
+      </p:sp>
+      <p:sp>
+        <p:nvSpPr>
+          <p:cNvPr id="20" name="Rectangle 19"/>
+          <p:cNvSpPr/>
+          <p:nvPr/>
+        </p:nvSpPr>
+        <p:spPr>
+          <a:xfrm>
+            <a:off x="3474720" y="4572000"/>
+            <a:ext cx="2926080" cy="502920"/>
+          </a:xfrm>
+          <a:prstGeom prst="rect">
+            <a:avLst/>
+          </a:prstGeom>
+          <a:noFill/>
+          <a:ln w="6350">
+            <a:solidFill>
+              <a:srgbClr val="969696"/>
+            </a:solidFill>
+          </a:ln>
+        </p:spPr>
+        <p:style>
+          <a:lnRef idx="1">
+            <a:schemeClr val="accent1"/>
+          </a:lnRef>
+          <a:fillRef idx="3">
+            <a:schemeClr val="accent1"/>
+          </a:fillRef>
+          <a:effectRef idx="2">
+            <a:schemeClr val="accent1"/>
+          </a:effectRef>
+          <a:fontRef idx="minor">
+            <a:schemeClr val="lt1"/>
+          </a:fontRef>
+        </p:style>
+        <p:txBody>
+          <a:bodyPr rtlCol="0" anchor="t" wrap="square"/>
+          <a:lstStyle/>
+          <a:p>
+            <a:pPr algn="l">
+              <a:defRPr sz="1200" b="0">
+                <a:latin typeface="맑은 고딕"/>
+              </a:defRPr>
+            </a:pPr>
+            <a:r>
+              <a:t>최소 (1-2주)</a:t>
+            </a:r>
+          </a:p>
+        </p:txBody>
+      </p:sp>
+      <p:sp>
+        <p:nvSpPr>
+          <p:cNvPr id="21" name="Rectangle 20"/>
+          <p:cNvSpPr/>
+          <p:nvPr/>
+        </p:nvSpPr>
+        <p:spPr>
+          <a:xfrm>
+            <a:off x="6492240" y="4572000"/>
+            <a:ext cx="2926080" cy="502920"/>
+          </a:xfrm>
+          <a:prstGeom prst="rect">
+            <a:avLst/>
+          </a:prstGeom>
+          <a:noFill/>
+          <a:ln w="6350">
+            <a:solidFill>
+              <a:srgbClr val="969696"/>
+            </a:solidFill>
+          </a:ln>
+        </p:spPr>
+        <p:style>
+          <a:lnRef idx="1">
+            <a:schemeClr val="accent1"/>
+          </a:lnRef>
+          <a:fillRef idx="3">
+            <a:schemeClr val="accent1"/>
+          </a:fillRef>
+          <a:effectRef idx="2">
+            <a:schemeClr val="accent1"/>
+          </a:effectRef>
+          <a:fontRef idx="minor">
+            <a:schemeClr val="lt1"/>
+          </a:fontRef>
+        </p:style>
+        <p:txBody>
+          <a:bodyPr rtlCol="0" anchor="t" wrap="square"/>
+          <a:lstStyle/>
+          <a:p>
+            <a:pPr algn="l">
+              <a:defRPr sz="1200" b="0">
+                <a:latin typeface="맑은 고딕"/>
+              </a:defRPr>
+            </a:pPr>
+            <a:r>
+              <a:t>차별화 (1주-6개월)</a:t>
             </a:r>
           </a:p>
         </p:txBody>
@@ -3903,57 +4403,14 @@
       <p:grpSpPr/>
       <p:sp>
         <p:nvSpPr>
-          <p:cNvPr id="2" name="Rectangle 1"/>
-          <p:cNvSpPr/>
-          <p:nvPr/>
-        </p:nvSpPr>
-        <p:spPr>
-          <a:xfrm>
-            <a:off x="0" y="0"/>
-            <a:ext cx="12191695" cy="640080"/>
-          </a:xfrm>
-          <a:prstGeom prst="rect">
-            <a:avLst/>
-          </a:prstGeom>
-          <a:solidFill>
-            <a:srgbClr val="002060"/>
-          </a:solidFill>
-          <a:ln>
-            <a:noFill/>
-          </a:ln>
-        </p:spPr>
-        <p:style>
-          <a:lnRef idx="1">
-            <a:schemeClr val="accent1"/>
-          </a:lnRef>
-          <a:fillRef idx="3">
-            <a:schemeClr val="accent1"/>
-          </a:fillRef>
-          <a:effectRef idx="2">
-            <a:schemeClr val="accent1"/>
-          </a:effectRef>
-          <a:fontRef idx="minor">
-            <a:schemeClr val="lt1"/>
-          </a:fontRef>
-        </p:style>
-        <p:txBody>
-          <a:bodyPr rtlCol="0" anchor="ctr"/>
-          <a:lstStyle/>
-          <a:p>
-            <a:pPr algn="ctr"/>
-          </a:p>
-        </p:txBody>
-      </p:sp>
-      <p:sp>
-        <p:nvSpPr>
-          <p:cNvPr id="3" name="TextBox 2"/>
+          <p:cNvPr id="2" name="TextBox 1"/>
           <p:cNvSpPr txBox="1"/>
           <p:nvPr/>
         </p:nvSpPr>
         <p:spPr>
           <a:xfrm>
-            <a:off x="457200" y="137160"/>
-            <a:ext cx="10972800" cy="365760"/>
+            <a:off x="274320" y="283464"/>
+            <a:ext cx="6912864" cy="393192"/>
           </a:xfrm>
           <a:prstGeom prst="rect">
             <a:avLst/>
@@ -3966,11 +4423,8 @@
           </a:bodyPr>
           <a:lstStyle/>
           <a:p>
-            <a:pPr algn="l">
-              <a:defRPr sz="2400" b="1">
-                <a:solidFill>
-                  <a:srgbClr val="FFFFFF"/>
-                </a:solidFill>
+            <a:pPr>
+              <a:defRPr sz="2000" b="1">
                 <a:latin typeface="맑은 고딕"/>
               </a:defRPr>
             </a:pPr>
@@ -3982,472 +4436,245 @@
       </p:sp>
       <p:sp>
         <p:nvSpPr>
-          <p:cNvPr id="4" name="Rectangle 3"/>
-          <p:cNvSpPr/>
+          <p:cNvPr id="3" name="TextBox 2"/>
+          <p:cNvSpPr txBox="1"/>
           <p:nvPr/>
         </p:nvSpPr>
         <p:spPr>
           <a:xfrm>
-            <a:off x="0" y="6675120"/>
-            <a:ext cx="12191695" cy="182880"/>
+            <a:off x="274320" y="923544"/>
+            <a:ext cx="9436608" cy="576072"/>
           </a:xfrm>
           <a:prstGeom prst="rect">
             <a:avLst/>
           </a:prstGeom>
-          <a:solidFill>
-            <a:srgbClr val="0070C0"/>
-          </a:solidFill>
-          <a:ln>
-            <a:noFill/>
-          </a:ln>
-        </p:spPr>
-        <p:style>
-          <a:lnRef idx="1">
-            <a:schemeClr val="accent1"/>
-          </a:lnRef>
-          <a:fillRef idx="3">
-            <a:schemeClr val="accent1"/>
-          </a:fillRef>
-          <a:effectRef idx="2">
-            <a:schemeClr val="accent1"/>
-          </a:effectRef>
-          <a:fontRef idx="minor">
-            <a:schemeClr val="lt1"/>
-          </a:fontRef>
-        </p:style>
-        <p:txBody>
-          <a:bodyPr rtlCol="0" anchor="ctr"/>
-          <a:lstStyle/>
-          <a:p>
-            <a:pPr algn="ctr"/>
-          </a:p>
-        </p:txBody>
-      </p:sp>
-      <p:sp>
-        <p:nvSpPr>
-          <p:cNvPr id="5" name="Rounded Rectangle 4"/>
-          <p:cNvSpPr/>
+          <a:noFill/>
+        </p:spPr>
+        <p:txBody>
+          <a:bodyPr wrap="none">
+            <a:spAutoFit/>
+          </a:bodyPr>
+          <a:lstStyle/>
+          <a:p>
+            <a:pPr>
+              <a:defRPr sz="1600" b="1">
+                <a:latin typeface="맑은 고딕"/>
+              </a:defRPr>
+            </a:pPr>
+            <a:r>
+              <a:t>차량용 반도체 부족으로 자동차 생산 1,000만 대 감소, 산업 전체 손실 $210억 (약 25조 원)</a:t>
+            </a:r>
+          </a:p>
+        </p:txBody>
+      </p:sp>
+      <p:sp>
+        <p:nvSpPr>
+          <p:cNvPr id="4" name="TextBox 3"/>
+          <p:cNvSpPr txBox="1"/>
           <p:nvPr/>
         </p:nvSpPr>
         <p:spPr>
           <a:xfrm>
-            <a:off x="731520" y="1097280"/>
-            <a:ext cx="5303520" cy="2286000"/>
-          </a:xfrm>
-          <a:prstGeom prst="roundRect">
+            <a:off x="649224" y="1828800"/>
+            <a:ext cx="8686800" cy="4114800"/>
+          </a:xfrm>
+          <a:prstGeom prst="rect">
             <a:avLst/>
           </a:prstGeom>
-          <a:solidFill>
-            <a:srgbClr val="FFEBEB"/>
-          </a:solidFill>
-          <a:ln w="38100">
-            <a:solidFill>
-              <a:srgbClr val="E74C3C"/>
-            </a:solidFill>
-          </a:ln>
-        </p:spPr>
-        <p:style>
-          <a:lnRef idx="1">
-            <a:schemeClr val="accent1"/>
-          </a:lnRef>
-          <a:fillRef idx="3">
-            <a:schemeClr val="accent1"/>
-          </a:fillRef>
-          <a:effectRef idx="2">
-            <a:schemeClr val="accent1"/>
-          </a:effectRef>
-          <a:fontRef idx="minor">
-            <a:schemeClr val="lt1"/>
-          </a:fontRef>
-        </p:style>
-        <p:txBody>
-          <a:bodyPr rtlCol="0" anchor="ctr" lIns="274320" tIns="182880"/>
-          <a:lstStyle/>
-          <a:p>
-            <a:pPr algn="ctr">
-              <a:defRPr sz="2400" b="1">
-                <a:solidFill>
-                  <a:srgbClr val="C00000"/>
-                </a:solidFill>
-                <a:latin typeface="맑은 고딕"/>
-              </a:defRPr>
-            </a:pPr>
-            <a:r>
-              <a:t>⚠️ JIT의 붕괴</a:t>
-            </a:r>
-          </a:p>
+          <a:noFill/>
+        </p:spPr>
+        <p:txBody>
+          <a:bodyPr wrap="none">
+            <a:spAutoFit/>
+          </a:bodyPr>
+          <a:lstStyle/>
           <a:p>
             <a:pPr>
               <a:spcBef>
-                <a:spcPts val="800"/>
+                <a:spcPts val="0"/>
               </a:spcBef>
-              <a:defRPr sz="1400">
-                <a:latin typeface="맑은 고딕"/>
-              </a:defRPr>
-            </a:pPr>
-            <a:r>
-              <a:t>• 자동차 생산 1,000만 대 감소</a:t>
+              <a:defRPr sz="1600" b="1">
+                <a:latin typeface="맑은 고딕"/>
+              </a:defRPr>
+            </a:pPr>
+            <a:r>
+              <a:t>피해 사례</a:t>
             </a:r>
           </a:p>
           <a:p>
             <a:pPr>
-              <a:spcBef>
-                <a:spcPts val="800"/>
-              </a:spcBef>
-              <a:defRPr sz="1400">
-                <a:latin typeface="맑은 고딕"/>
-              </a:defRPr>
-            </a:pPr>
-            <a:r>
-              <a:t>• 산업 전체 손실 $210억</a:t>
-            </a:r>
-          </a:p>
-          <a:p>
-            <a:pPr>
-              <a:spcBef>
-                <a:spcPts val="800"/>
-              </a:spcBef>
-              <a:defRPr sz="1400">
-                <a:latin typeface="맑은 고딕"/>
-              </a:defRPr>
-            </a:pPr>
-            <a:r>
-              <a:t>• GM, 포드, 폭스바겐 생산 중단</a:t>
-            </a:r>
-          </a:p>
-          <a:p>
-            <a:pPr>
-              <a:spcBef>
-                <a:spcPts val="800"/>
-              </a:spcBef>
-              <a:defRPr sz="1400">
-                <a:latin typeface="맑은 고딕"/>
-              </a:defRPr>
-            </a:pPr>
-            <a:r>
-              <a:t>• 안전재고 Zero → 공급 충격 즉시 노출</a:t>
-            </a:r>
-          </a:p>
-        </p:txBody>
-      </p:sp>
-      <p:sp>
-        <p:nvSpPr>
-          <p:cNvPr id="6" name="Rounded Rectangle 5"/>
-          <p:cNvSpPr/>
-          <p:nvPr/>
-        </p:nvSpPr>
-        <p:spPr>
-          <a:xfrm>
-            <a:off x="6217920" y="1097280"/>
-            <a:ext cx="5303520" cy="2286000"/>
-          </a:xfrm>
-          <a:prstGeom prst="roundRect">
-            <a:avLst/>
-          </a:prstGeom>
-          <a:solidFill>
-            <a:srgbClr val="EBFFF5"/>
-          </a:solidFill>
-          <a:ln w="38100">
-            <a:solidFill>
-              <a:srgbClr val="2ECC71"/>
-            </a:solidFill>
-          </a:ln>
-        </p:spPr>
-        <p:style>
-          <a:lnRef idx="1">
-            <a:schemeClr val="accent1"/>
-          </a:lnRef>
-          <a:fillRef idx="3">
-            <a:schemeClr val="accent1"/>
-          </a:fillRef>
-          <a:effectRef idx="2">
-            <a:schemeClr val="accent1"/>
-          </a:effectRef>
-          <a:fontRef idx="minor">
-            <a:schemeClr val="lt1"/>
-          </a:fontRef>
-        </p:style>
-        <p:txBody>
-          <a:bodyPr rtlCol="0" anchor="ctr" lIns="274320" tIns="182880"/>
-          <a:lstStyle/>
-          <a:p>
-            <a:pPr algn="ctr">
-              <a:defRPr sz="2400" b="1">
-                <a:solidFill>
-                  <a:srgbClr val="008000"/>
-                </a:solidFill>
-                <a:latin typeface="맑은 고딕"/>
-              </a:defRPr>
-            </a:pPr>
-            <a:r>
-              <a:t>💡 핵심 교훈</a:t>
-            </a:r>
-          </a:p>
-          <a:p>
-            <a:pPr>
-              <a:spcBef>
-                <a:spcPts val="800"/>
-              </a:spcBef>
-              <a:defRPr sz="1400">
-                <a:latin typeface="맑은 고딕"/>
-              </a:defRPr>
-            </a:pPr>
-            <a:r>
-              <a:t>✓ JIT = Efficient but Fragile</a:t>
-            </a:r>
-          </a:p>
-          <a:p>
-            <a:pPr>
-              <a:spcBef>
-                <a:spcPts val="800"/>
-              </a:spcBef>
-              <a:defRPr sz="1400">
-                <a:latin typeface="맑은 고딕"/>
-              </a:defRPr>
-            </a:pPr>
-            <a:r>
-              <a:t>✓ 재고 Zero = 리스크 Maximum</a:t>
-            </a:r>
-          </a:p>
-          <a:p>
-            <a:pPr>
-              <a:spcBef>
-                <a:spcPts val="800"/>
-              </a:spcBef>
-              <a:defRPr sz="1400">
-                <a:latin typeface="맑은 고딕"/>
-              </a:defRPr>
-            </a:pPr>
-            <a:r>
-              <a:t>✓ 차별화된 재고 전략 필요</a:t>
-            </a:r>
-          </a:p>
-          <a:p>
-            <a:pPr>
-              <a:spcBef>
-                <a:spcPts val="800"/>
-              </a:spcBef>
-              <a:defRPr sz="1400">
-                <a:latin typeface="맑은 고딕"/>
-              </a:defRPr>
-            </a:pPr>
-            <a:r>
-              <a:t>✓ 병목자재 안전재고 확대 필수</a:t>
-            </a:r>
-          </a:p>
-        </p:txBody>
-      </p:sp>
-      <p:sp>
-        <p:nvSpPr>
-          <p:cNvPr id="7" name="Rounded Rectangle 6"/>
-          <p:cNvSpPr/>
-          <p:nvPr/>
-        </p:nvSpPr>
-        <p:spPr>
-          <a:xfrm>
-            <a:off x="731520" y="3840480"/>
-            <a:ext cx="3200400" cy="1828800"/>
-          </a:xfrm>
-          <a:prstGeom prst="roundRect">
-            <a:avLst/>
-          </a:prstGeom>
-          <a:solidFill>
-            <a:srgbClr val="002060"/>
-          </a:solidFill>
-          <a:ln>
-            <a:noFill/>
-          </a:ln>
-        </p:spPr>
-        <p:style>
-          <a:lnRef idx="1">
-            <a:schemeClr val="accent1"/>
-          </a:lnRef>
-          <a:fillRef idx="3">
-            <a:schemeClr val="accent1"/>
-          </a:fillRef>
-          <a:effectRef idx="2">
-            <a:schemeClr val="accent1"/>
-          </a:effectRef>
-          <a:fontRef idx="minor">
-            <a:schemeClr val="lt1"/>
-          </a:fontRef>
-        </p:style>
-        <p:txBody>
-          <a:bodyPr rtlCol="0" anchor="ctr"/>
-          <a:lstStyle/>
-          <a:p>
-            <a:pPr algn="ctr">
-              <a:defRPr sz="4200" b="1">
-                <a:solidFill>
-                  <a:srgbClr val="00B0F0"/>
-                </a:solidFill>
-                <a:latin typeface="맑은 고딕"/>
-              </a:defRPr>
-            </a:pPr>
-            <a:r>
-              <a:t>1-2주</a:t>
-            </a:r>
-          </a:p>
-          <a:p>
-            <a:pPr algn="ctr">
               <a:spcBef>
                 <a:spcPts val="600"/>
               </a:spcBef>
-              <a:defRPr sz="1400">
-                <a:solidFill>
-                  <a:srgbClr val="FFFFFF"/>
-                </a:solidFill>
-                <a:latin typeface="맑은 고딕"/>
-              </a:defRPr>
-            </a:pPr>
-            <a:r>
-              <a:t>Before</a:t>
-            </a:r>
-            <a:br/>
-            <a:r>
-              <a:t>JIT 안전재고</a:t>
-            </a:r>
-          </a:p>
-        </p:txBody>
-      </p:sp>
-      <p:sp>
-        <p:nvSpPr>
-          <p:cNvPr id="8" name="Rounded Rectangle 7"/>
-          <p:cNvSpPr/>
-          <p:nvPr/>
-        </p:nvSpPr>
-        <p:spPr>
-          <a:xfrm>
-            <a:off x="4389120" y="3840480"/>
-            <a:ext cx="3200400" cy="1828800"/>
-          </a:xfrm>
-          <a:prstGeom prst="roundRect">
-            <a:avLst/>
-          </a:prstGeom>
-          <a:solidFill>
-            <a:srgbClr val="002060"/>
-          </a:solidFill>
-          <a:ln>
-            <a:noFill/>
-          </a:ln>
-        </p:spPr>
-        <p:style>
-          <a:lnRef idx="1">
-            <a:schemeClr val="accent1"/>
-          </a:lnRef>
-          <a:fillRef idx="3">
-            <a:schemeClr val="accent1"/>
-          </a:fillRef>
-          <a:effectRef idx="2">
-            <a:schemeClr val="accent1"/>
-          </a:effectRef>
-          <a:fontRef idx="minor">
-            <a:schemeClr val="lt1"/>
-          </a:fontRef>
-        </p:style>
-        <p:txBody>
-          <a:bodyPr rtlCol="0" anchor="ctr"/>
-          <a:lstStyle/>
-          <a:p>
-            <a:pPr algn="ctr">
-              <a:defRPr sz="4200" b="1">
-                <a:solidFill>
-                  <a:srgbClr val="00B0F0"/>
-                </a:solidFill>
-                <a:latin typeface="맑은 고딕"/>
-              </a:defRPr>
-            </a:pPr>
-            <a:r>
-              <a:t>6개월</a:t>
-            </a:r>
-          </a:p>
-          <a:p>
-            <a:pPr algn="ctr">
+              <a:defRPr sz="1400" b="0">
+                <a:latin typeface="맑은 고딕"/>
+              </a:defRPr>
+            </a:pPr>
+            <a:r>
+              <a:t>  • GM, 포드, 폭스바겐 등 수개월간 생산 중단</a:t>
+            </a:r>
+          </a:p>
+          <a:p>
+            <a:pPr>
               <a:spcBef>
                 <a:spcPts val="600"/>
               </a:spcBef>
-              <a:defRPr sz="1400">
-                <a:solidFill>
-                  <a:srgbClr val="FFFFFF"/>
-                </a:solidFill>
-                <a:latin typeface="맑은 고딕"/>
-              </a:defRPr>
-            </a:pPr>
-            <a:r>
-              <a:t>After</a:t>
-            </a:r>
-            <a:br/>
-            <a:r>
-              <a:t>JIC 안전재고</a:t>
-            </a:r>
-          </a:p>
-        </p:txBody>
-      </p:sp>
-      <p:sp>
-        <p:nvSpPr>
-          <p:cNvPr id="9" name="Rounded Rectangle 8"/>
-          <p:cNvSpPr/>
-          <p:nvPr/>
-        </p:nvSpPr>
-        <p:spPr>
-          <a:xfrm>
-            <a:off x="8046720" y="3840480"/>
-            <a:ext cx="3200400" cy="1828800"/>
-          </a:xfrm>
-          <a:prstGeom prst="roundRect">
-            <a:avLst/>
-          </a:prstGeom>
-          <a:solidFill>
-            <a:srgbClr val="002060"/>
-          </a:solidFill>
-          <a:ln>
-            <a:noFill/>
-          </a:ln>
-        </p:spPr>
-        <p:style>
-          <a:lnRef idx="1">
-            <a:schemeClr val="accent1"/>
-          </a:lnRef>
-          <a:fillRef idx="3">
-            <a:schemeClr val="accent1"/>
-          </a:fillRef>
-          <a:effectRef idx="2">
-            <a:schemeClr val="accent1"/>
-          </a:effectRef>
-          <a:fontRef idx="minor">
-            <a:schemeClr val="lt1"/>
-          </a:fontRef>
-        </p:style>
-        <p:txBody>
-          <a:bodyPr rtlCol="0" anchor="ctr"/>
-          <a:lstStyle/>
-          <a:p>
-            <a:pPr algn="ctr">
-              <a:defRPr sz="4200" b="1">
-                <a:solidFill>
-                  <a:srgbClr val="00B0F0"/>
-                </a:solidFill>
-                <a:latin typeface="맑은 고딕"/>
-              </a:defRPr>
-            </a:pPr>
-            <a:r>
-              <a:t>15배</a:t>
-            </a:r>
-          </a:p>
-          <a:p>
-            <a:pPr algn="ctr">
+              <a:defRPr sz="1400" b="0">
+                <a:latin typeface="맑은 고딕"/>
+              </a:defRPr>
+            </a:pPr>
+            <a:r>
+              <a:t>  • 2021년 한 해 동안 전 세계 자동차 생산량 약 1,000만 대 감소</a:t>
+            </a:r>
+          </a:p>
+          <a:p>
+            <a:pPr>
               <a:spcBef>
                 <a:spcPts val="600"/>
               </a:spcBef>
-              <a:defRPr sz="1400">
-                <a:solidFill>
-                  <a:srgbClr val="FFFFFF"/>
-                </a:solidFill>
-                <a:latin typeface="맑은 고딕"/>
-              </a:defRPr>
-            </a:pPr>
-            <a:r>
-              <a:t>재고 증가율</a:t>
+              <a:defRPr sz="1400" b="0">
+                <a:latin typeface="맑은 고딕"/>
+              </a:defRPr>
+            </a:pPr>
+            <a:r>
+              <a:t>  • 안전재고 Zero → 공급 충격에 즉시 노출</a:t>
+            </a:r>
+          </a:p>
+          <a:p>
+            <a:pPr>
+              <a:spcBef>
+                <a:spcPts val="600"/>
+              </a:spcBef>
+              <a:defRPr sz="1400" b="0">
+                <a:latin typeface="맑은 고딕"/>
+              </a:defRPr>
+            </a:pPr>
+          </a:p>
+          <a:p>
+            <a:pPr>
+              <a:spcBef>
+                <a:spcPts val="600"/>
+              </a:spcBef>
+              <a:defRPr sz="1600" b="1">
+                <a:latin typeface="맑은 고딕"/>
+              </a:defRPr>
+            </a:pPr>
+            <a:r>
+              <a:t>JIT가 실패한 이유</a:t>
+            </a:r>
+          </a:p>
+          <a:p>
+            <a:pPr>
+              <a:spcBef>
+                <a:spcPts val="600"/>
+              </a:spcBef>
+              <a:defRPr sz="1400" b="0">
+                <a:latin typeface="맑은 고딕"/>
+              </a:defRPr>
+            </a:pPr>
+            <a:r>
+              <a:t>  • 팬데믹으로 글로벌 공급망 동시 중단</a:t>
+            </a:r>
+          </a:p>
+          <a:p>
+            <a:pPr>
+              <a:spcBef>
+                <a:spcPts val="600"/>
+              </a:spcBef>
+              <a:defRPr sz="1400" b="0">
+                <a:latin typeface="맑은 고딕"/>
+              </a:defRPr>
+            </a:pPr>
+            <a:r>
+              <a:t>  • 리드타임 2-4주 → 3-6개월로 증가</a:t>
+            </a:r>
+          </a:p>
+          <a:p>
+            <a:pPr>
+              <a:spcBef>
+                <a:spcPts val="600"/>
+              </a:spcBef>
+              <a:defRPr sz="1400" b="0">
+                <a:latin typeface="맑은 고딕"/>
+              </a:defRPr>
+            </a:pPr>
+            <a:r>
+              <a:t>  • 컨테이너 운임 10배 폭등</a:t>
+            </a:r>
+          </a:p>
+          <a:p>
+            <a:pPr>
+              <a:spcBef>
+                <a:spcPts val="600"/>
+              </a:spcBef>
+              <a:defRPr sz="1400" b="0">
+                <a:latin typeface="맑은 고딕"/>
+              </a:defRPr>
+            </a:pPr>
+          </a:p>
+          <a:p>
+            <a:pPr>
+              <a:spcBef>
+                <a:spcPts val="600"/>
+              </a:spcBef>
+              <a:defRPr sz="1600" b="1">
+                <a:latin typeface="맑은 고딕"/>
+              </a:defRPr>
+            </a:pPr>
+            <a:r>
+              <a:t>기업들의 대응</a:t>
+            </a:r>
+          </a:p>
+          <a:p>
+            <a:pPr>
+              <a:spcBef>
+                <a:spcPts val="600"/>
+              </a:spcBef>
+              <a:defRPr sz="1400" b="0">
+                <a:latin typeface="맑은 고딕"/>
+              </a:defRPr>
+            </a:pPr>
+            <a:r>
+              <a:t>  • Apple: 핵심 부품 안전재고 2주 → 6-8주로 확대</a:t>
+            </a:r>
+          </a:p>
+          <a:p>
+            <a:pPr>
+              <a:spcBef>
+                <a:spcPts val="600"/>
+              </a:spcBef>
+              <a:defRPr sz="1400" b="0">
+                <a:latin typeface="맑은 고딕"/>
+              </a:defRPr>
+            </a:pPr>
+            <a:r>
+              <a:t>  • Intel: 핵심 원자재 안전재고 4주 → 12주로 확대</a:t>
+            </a:r>
+          </a:p>
+          <a:p>
+            <a:pPr>
+              <a:spcBef>
+                <a:spcPts val="600"/>
+              </a:spcBef>
+              <a:defRPr sz="1400" b="0">
+                <a:latin typeface="맑은 고딕"/>
+              </a:defRPr>
+            </a:pPr>
+            <a:r>
+              <a:t>  • Toyota: 반도체 안전재고 4-6개월치 확보</a:t>
+            </a:r>
+          </a:p>
+          <a:p>
+            <a:pPr>
+              <a:spcBef>
+                <a:spcPts val="600"/>
+              </a:spcBef>
+              <a:defRPr sz="1400" b="0">
+                <a:latin typeface="맑은 고딕"/>
+              </a:defRPr>
+            </a:pPr>
+            <a:r>
+              <a:t>  • GM: 전략적 재고에 $70억 투자</a:t>
             </a:r>
           </a:p>
         </p:txBody>
@@ -4480,57 +4707,14 @@
       <p:grpSpPr/>
       <p:sp>
         <p:nvSpPr>
-          <p:cNvPr id="2" name="Rectangle 1"/>
-          <p:cNvSpPr/>
-          <p:nvPr/>
-        </p:nvSpPr>
-        <p:spPr>
-          <a:xfrm>
-            <a:off x="0" y="0"/>
-            <a:ext cx="12191695" cy="640080"/>
-          </a:xfrm>
-          <a:prstGeom prst="rect">
-            <a:avLst/>
-          </a:prstGeom>
-          <a:solidFill>
-            <a:srgbClr val="002060"/>
-          </a:solidFill>
-          <a:ln>
-            <a:noFill/>
-          </a:ln>
-        </p:spPr>
-        <p:style>
-          <a:lnRef idx="1">
-            <a:schemeClr val="accent1"/>
-          </a:lnRef>
-          <a:fillRef idx="3">
-            <a:schemeClr val="accent1"/>
-          </a:fillRef>
-          <a:effectRef idx="2">
-            <a:schemeClr val="accent1"/>
-          </a:effectRef>
-          <a:fontRef idx="minor">
-            <a:schemeClr val="lt1"/>
-          </a:fontRef>
-        </p:style>
-        <p:txBody>
-          <a:bodyPr rtlCol="0" anchor="ctr"/>
-          <a:lstStyle/>
-          <a:p>
-            <a:pPr algn="ctr"/>
-          </a:p>
-        </p:txBody>
-      </p:sp>
-      <p:sp>
-        <p:nvSpPr>
-          <p:cNvPr id="3" name="TextBox 2"/>
+          <p:cNvPr id="2" name="TextBox 1"/>
           <p:cNvSpPr txBox="1"/>
           <p:nvPr/>
         </p:nvSpPr>
         <p:spPr>
           <a:xfrm>
-            <a:off x="457200" y="137160"/>
-            <a:ext cx="10972800" cy="365760"/>
+            <a:off x="274320" y="283464"/>
+            <a:ext cx="6912864" cy="393192"/>
           </a:xfrm>
           <a:prstGeom prst="rect">
             <a:avLst/>
@@ -4543,1154 +4727,197 @@
           </a:bodyPr>
           <a:lstStyle/>
           <a:p>
-            <a:pPr algn="l">
-              <a:defRPr sz="2400" b="1">
-                <a:solidFill>
-                  <a:srgbClr val="FFFFFF"/>
-                </a:solidFill>
-                <a:latin typeface="맑은 고딕"/>
-              </a:defRPr>
-            </a:pPr>
-            <a:r>
-              <a:t>패러다임의 전환: JIT vs JIC</a:t>
-            </a:r>
-          </a:p>
-        </p:txBody>
-      </p:sp>
-      <p:sp>
-        <p:nvSpPr>
-          <p:cNvPr id="4" name="Rectangle 3"/>
-          <p:cNvSpPr/>
+            <a:pPr>
+              <a:defRPr sz="2000" b="1">
+                <a:latin typeface="맑은 고딕"/>
+              </a:defRPr>
+            </a:pPr>
+            <a:r>
+              <a:t>Kraljic Matrix: 자재 포트폴리오 전략의 핵심</a:t>
+            </a:r>
+          </a:p>
+        </p:txBody>
+      </p:sp>
+      <p:sp>
+        <p:nvSpPr>
+          <p:cNvPr id="3" name="TextBox 2"/>
+          <p:cNvSpPr txBox="1"/>
           <p:nvPr/>
         </p:nvSpPr>
         <p:spPr>
           <a:xfrm>
-            <a:off x="0" y="6675120"/>
-            <a:ext cx="12191695" cy="182880"/>
+            <a:off x="274320" y="923544"/>
+            <a:ext cx="9436608" cy="914400"/>
           </a:xfrm>
           <a:prstGeom prst="rect">
             <a:avLst/>
           </a:prstGeom>
-          <a:solidFill>
-            <a:srgbClr val="0070C0"/>
-          </a:solidFill>
-          <a:ln>
-            <a:noFill/>
-          </a:ln>
-        </p:spPr>
-        <p:style>
-          <a:lnRef idx="1">
-            <a:schemeClr val="accent1"/>
-          </a:lnRef>
-          <a:fillRef idx="3">
-            <a:schemeClr val="accent1"/>
-          </a:fillRef>
-          <a:effectRef idx="2">
-            <a:schemeClr val="accent1"/>
-          </a:effectRef>
-          <a:fontRef idx="minor">
-            <a:schemeClr val="lt1"/>
-          </a:fontRef>
-        </p:style>
-        <p:txBody>
-          <a:bodyPr rtlCol="0" anchor="ctr"/>
-          <a:lstStyle/>
-          <a:p>
-            <a:pPr algn="ctr"/>
-          </a:p>
-        </p:txBody>
-      </p:sp>
-      <p:sp>
-        <p:nvSpPr>
-          <p:cNvPr id="5" name="Rectangle 4"/>
-          <p:cNvSpPr/>
+          <a:noFill/>
+        </p:spPr>
+        <p:txBody>
+          <a:bodyPr wrap="none">
+            <a:spAutoFit/>
+          </a:bodyPr>
+          <a:lstStyle/>
+          <a:p>
+            <a:pPr>
+              <a:defRPr sz="1600" b="1">
+                <a:latin typeface="맑은 고딕"/>
+              </a:defRPr>
+            </a:pPr>
+            <a:r>
+              <a:t>1983년 Peter Kraljic이 Harvard Business Review에 발표한 프레임워크로,</a:t>
+            </a:r>
+            <a:br/>
+            <a:r>
+              <a:t>자재를 공급 리스크와 구매 임팩트 2개 축으로 분류하여 차별화된 전략을 수립합니다.</a:t>
+            </a:r>
+          </a:p>
+        </p:txBody>
+      </p:sp>
+      <p:sp>
+        <p:nvSpPr>
+          <p:cNvPr id="4" name="TextBox 3"/>
+          <p:cNvSpPr txBox="1"/>
           <p:nvPr/>
         </p:nvSpPr>
         <p:spPr>
           <a:xfrm>
-            <a:off x="731520" y="1097280"/>
-            <a:ext cx="3657600" cy="457200"/>
+            <a:off x="649224" y="2286000"/>
+            <a:ext cx="8686800" cy="3657600"/>
           </a:xfrm>
           <a:prstGeom prst="rect">
             <a:avLst/>
           </a:prstGeom>
-          <a:solidFill>
-            <a:srgbClr val="002060"/>
-          </a:solidFill>
-          <a:ln>
-            <a:noFill/>
-          </a:ln>
-        </p:spPr>
-        <p:style>
-          <a:lnRef idx="1">
-            <a:schemeClr val="accent1"/>
-          </a:lnRef>
-          <a:fillRef idx="3">
-            <a:schemeClr val="accent1"/>
-          </a:fillRef>
-          <a:effectRef idx="2">
-            <a:schemeClr val="accent1"/>
-          </a:effectRef>
-          <a:fontRef idx="minor">
-            <a:schemeClr val="lt1"/>
-          </a:fontRef>
-        </p:style>
-        <p:txBody>
-          <a:bodyPr rtlCol="0" anchor="ctr"/>
-          <a:lstStyle/>
-          <a:p>
-            <a:pPr algn="ctr">
+          <a:noFill/>
+        </p:spPr>
+        <p:txBody>
+          <a:bodyPr wrap="none">
+            <a:spAutoFit/>
+          </a:bodyPr>
+          <a:lstStyle/>
+          <a:p>
+            <a:pPr>
+              <a:spcBef>
+                <a:spcPts val="0"/>
+              </a:spcBef>
               <a:defRPr sz="1800" b="1">
-                <a:solidFill>
-                  <a:srgbClr val="FFFFFF"/>
-                </a:solidFill>
-                <a:latin typeface="맑은 고딕"/>
-              </a:defRPr>
-            </a:pPr>
-            <a:r>
-              <a:t>구분</a:t>
-            </a:r>
-          </a:p>
-        </p:txBody>
-      </p:sp>
-      <p:sp>
-        <p:nvSpPr>
-          <p:cNvPr id="6" name="Rectangle 5"/>
-          <p:cNvSpPr/>
-          <p:nvPr/>
-        </p:nvSpPr>
-        <p:spPr>
-          <a:xfrm>
-            <a:off x="4572000" y="1097280"/>
-            <a:ext cx="3657600" cy="457200"/>
-          </a:xfrm>
-          <a:prstGeom prst="rect">
-            <a:avLst/>
-          </a:prstGeom>
-          <a:solidFill>
-            <a:srgbClr val="E74C3C"/>
-          </a:solidFill>
-          <a:ln>
-            <a:noFill/>
-          </a:ln>
-        </p:spPr>
-        <p:style>
-          <a:lnRef idx="1">
-            <a:schemeClr val="accent1"/>
-          </a:lnRef>
-          <a:fillRef idx="3">
-            <a:schemeClr val="accent1"/>
-          </a:fillRef>
-          <a:effectRef idx="2">
-            <a:schemeClr val="accent1"/>
-          </a:effectRef>
-          <a:fontRef idx="minor">
-            <a:schemeClr val="lt1"/>
-          </a:fontRef>
-        </p:style>
-        <p:txBody>
-          <a:bodyPr rtlCol="0" anchor="ctr"/>
-          <a:lstStyle/>
-          <a:p>
-            <a:pPr algn="ctr">
+                <a:latin typeface="맑은 고딕"/>
+              </a:defRPr>
+            </a:pPr>
+            <a:r>
+              <a:t>핵심 통찰</a:t>
+            </a:r>
+          </a:p>
+          <a:p>
+            <a:pPr>
+              <a:spcBef>
+                <a:spcPts val="800"/>
+              </a:spcBef>
+              <a:defRPr sz="1600" b="1">
+                <a:latin typeface="맑은 고딕"/>
+              </a:defRPr>
+            </a:pPr>
+            <a:r>
+              <a:t>"Not all materials are created equal"</a:t>
+            </a:r>
+          </a:p>
+          <a:p>
+            <a:pPr>
+              <a:spcBef>
+                <a:spcPts val="800"/>
+              </a:spcBef>
+              <a:defRPr sz="1400" b="0">
+                <a:latin typeface="맑은 고딕"/>
+              </a:defRPr>
+            </a:pPr>
+            <a:r>
+              <a:t>모든 자재가 동등하게 만들어지지 않았다. 자재의 특성에 따라 차별화된 전략이 필요하다.</a:t>
+            </a:r>
+          </a:p>
+          <a:p>
+            <a:pPr>
+              <a:spcBef>
+                <a:spcPts val="800"/>
+              </a:spcBef>
+              <a:defRPr sz="1400" b="0">
+                <a:latin typeface="맑은 고딕"/>
+              </a:defRPr>
+            </a:pPr>
+          </a:p>
+          <a:p>
+            <a:pPr>
+              <a:spcBef>
+                <a:spcPts val="800"/>
+              </a:spcBef>
               <a:defRPr sz="1800" b="1">
-                <a:solidFill>
-                  <a:srgbClr val="FFFFFF"/>
-                </a:solidFill>
-                <a:latin typeface="맑은 고딕"/>
-              </a:defRPr>
-            </a:pPr>
-            <a:r>
-              <a:t>JIT (과거)</a:t>
-            </a:r>
-          </a:p>
-        </p:txBody>
-      </p:sp>
-      <p:sp>
-        <p:nvSpPr>
-          <p:cNvPr id="7" name="Rectangle 6"/>
-          <p:cNvSpPr/>
-          <p:nvPr/>
-        </p:nvSpPr>
-        <p:spPr>
-          <a:xfrm>
-            <a:off x="8412480" y="1097280"/>
-            <a:ext cx="3657600" cy="457200"/>
-          </a:xfrm>
-          <a:prstGeom prst="rect">
-            <a:avLst/>
-          </a:prstGeom>
-          <a:solidFill>
-            <a:srgbClr val="2ECC71"/>
-          </a:solidFill>
-          <a:ln>
-            <a:noFill/>
-          </a:ln>
-        </p:spPr>
-        <p:style>
-          <a:lnRef idx="1">
-            <a:schemeClr val="accent1"/>
-          </a:lnRef>
-          <a:fillRef idx="3">
-            <a:schemeClr val="accent1"/>
-          </a:fillRef>
-          <a:effectRef idx="2">
-            <a:schemeClr val="accent1"/>
-          </a:effectRef>
-          <a:fontRef idx="minor">
-            <a:schemeClr val="lt1"/>
-          </a:fontRef>
-        </p:style>
-        <p:txBody>
-          <a:bodyPr rtlCol="0" anchor="ctr"/>
-          <a:lstStyle/>
-          <a:p>
-            <a:pPr algn="ctr">
-              <a:defRPr sz="1800" b="1">
-                <a:solidFill>
-                  <a:srgbClr val="FFFFFF"/>
-                </a:solidFill>
-                <a:latin typeface="맑은 고딕"/>
-              </a:defRPr>
-            </a:pPr>
-            <a:r>
-              <a:t>JIC (현재/미래)</a:t>
-            </a:r>
-          </a:p>
-        </p:txBody>
-      </p:sp>
-      <p:sp>
-        <p:nvSpPr>
-          <p:cNvPr id="8" name="Rectangle 7"/>
-          <p:cNvSpPr/>
-          <p:nvPr/>
-        </p:nvSpPr>
-        <p:spPr>
-          <a:xfrm>
-            <a:off x="731520" y="1645920"/>
-            <a:ext cx="3657600" cy="548640"/>
-          </a:xfrm>
-          <a:prstGeom prst="rect">
-            <a:avLst/>
-          </a:prstGeom>
-          <a:solidFill>
-            <a:srgbClr val="F0F0F0"/>
-          </a:solidFill>
-          <a:ln>
-            <a:solidFill>
-              <a:srgbClr val="C8C8C8"/>
-            </a:solidFill>
-          </a:ln>
-        </p:spPr>
-        <p:style>
-          <a:lnRef idx="1">
-            <a:schemeClr val="accent1"/>
-          </a:lnRef>
-          <a:fillRef idx="3">
-            <a:schemeClr val="accent1"/>
-          </a:fillRef>
-          <a:effectRef idx="2">
-            <a:schemeClr val="accent1"/>
-          </a:effectRef>
-          <a:fontRef idx="minor">
-            <a:schemeClr val="lt1"/>
-          </a:fontRef>
-        </p:style>
-        <p:txBody>
-          <a:bodyPr rtlCol="0" anchor="ctr" lIns="182880"/>
-          <a:lstStyle/>
-          <a:p>
-            <a:pPr algn="ctr">
-              <a:defRPr sz="1300" b="1">
-                <a:latin typeface="맑은 고딕"/>
-              </a:defRPr>
-            </a:pPr>
-            <a:r>
-              <a:t>재고 철학</a:t>
-            </a:r>
-          </a:p>
-        </p:txBody>
-      </p:sp>
-      <p:sp>
-        <p:nvSpPr>
-          <p:cNvPr id="9" name="Rectangle 8"/>
-          <p:cNvSpPr/>
-          <p:nvPr/>
-        </p:nvSpPr>
-        <p:spPr>
-          <a:xfrm>
-            <a:off x="4572000" y="1645920"/>
-            <a:ext cx="3657600" cy="548640"/>
-          </a:xfrm>
-          <a:prstGeom prst="rect">
-            <a:avLst/>
-          </a:prstGeom>
-          <a:solidFill>
-            <a:srgbClr val="FFF0F0"/>
-          </a:solidFill>
-          <a:ln>
-            <a:solidFill>
-              <a:srgbClr val="C8C8C8"/>
-            </a:solidFill>
-          </a:ln>
-        </p:spPr>
-        <p:style>
-          <a:lnRef idx="1">
-            <a:schemeClr val="accent1"/>
-          </a:lnRef>
-          <a:fillRef idx="3">
-            <a:schemeClr val="accent1"/>
-          </a:fillRef>
-          <a:effectRef idx="2">
-            <a:schemeClr val="accent1"/>
-          </a:effectRef>
-          <a:fontRef idx="minor">
-            <a:schemeClr val="lt1"/>
-          </a:fontRef>
-        </p:style>
-        <p:txBody>
-          <a:bodyPr rtlCol="0" anchor="ctr" lIns="182880"/>
-          <a:lstStyle/>
-          <a:p>
-            <a:pPr algn="ctr">
-              <a:defRPr sz="1200">
-                <a:latin typeface="맑은 고딕"/>
-              </a:defRPr>
-            </a:pPr>
-            <a:r>
-              <a:t>재고 = 낭비</a:t>
-            </a:r>
-          </a:p>
-        </p:txBody>
-      </p:sp>
-      <p:sp>
-        <p:nvSpPr>
-          <p:cNvPr id="10" name="Rectangle 9"/>
-          <p:cNvSpPr/>
-          <p:nvPr/>
-        </p:nvSpPr>
-        <p:spPr>
-          <a:xfrm>
-            <a:off x="8412480" y="1645920"/>
-            <a:ext cx="3657600" cy="548640"/>
-          </a:xfrm>
-          <a:prstGeom prst="rect">
-            <a:avLst/>
-          </a:prstGeom>
-          <a:solidFill>
-            <a:srgbClr val="F0FFF0"/>
-          </a:solidFill>
-          <a:ln>
-            <a:solidFill>
-              <a:srgbClr val="C8C8C8"/>
-            </a:solidFill>
-          </a:ln>
-        </p:spPr>
-        <p:style>
-          <a:lnRef idx="1">
-            <a:schemeClr val="accent1"/>
-          </a:lnRef>
-          <a:fillRef idx="3">
-            <a:schemeClr val="accent1"/>
-          </a:fillRef>
-          <a:effectRef idx="2">
-            <a:schemeClr val="accent1"/>
-          </a:effectRef>
-          <a:fontRef idx="minor">
-            <a:schemeClr val="lt1"/>
-          </a:fontRef>
-        </p:style>
-        <p:txBody>
-          <a:bodyPr rtlCol="0" anchor="ctr" lIns="182880"/>
-          <a:lstStyle/>
-          <a:p>
-            <a:pPr algn="ctr">
-              <a:defRPr sz="1200">
-                <a:latin typeface="맑은 고딕"/>
-              </a:defRPr>
-            </a:pPr>
-            <a:r>
-              <a:t>재고 = 전략적 자산</a:t>
-            </a:r>
-          </a:p>
-        </p:txBody>
-      </p:sp>
-      <p:sp>
-        <p:nvSpPr>
-          <p:cNvPr id="11" name="Rectangle 10"/>
-          <p:cNvSpPr/>
-          <p:nvPr/>
-        </p:nvSpPr>
-        <p:spPr>
-          <a:xfrm>
-            <a:off x="731520" y="2331720"/>
-            <a:ext cx="3657600" cy="548640"/>
-          </a:xfrm>
-          <a:prstGeom prst="rect">
-            <a:avLst/>
-          </a:prstGeom>
-          <a:solidFill>
-            <a:srgbClr val="F0F0F0"/>
-          </a:solidFill>
-          <a:ln>
-            <a:solidFill>
-              <a:srgbClr val="C8C8C8"/>
-            </a:solidFill>
-          </a:ln>
-        </p:spPr>
-        <p:style>
-          <a:lnRef idx="1">
-            <a:schemeClr val="accent1"/>
-          </a:lnRef>
-          <a:fillRef idx="3">
-            <a:schemeClr val="accent1"/>
-          </a:fillRef>
-          <a:effectRef idx="2">
-            <a:schemeClr val="accent1"/>
-          </a:effectRef>
-          <a:fontRef idx="minor">
-            <a:schemeClr val="lt1"/>
-          </a:fontRef>
-        </p:style>
-        <p:txBody>
-          <a:bodyPr rtlCol="0" anchor="ctr" lIns="182880"/>
-          <a:lstStyle/>
-          <a:p>
-            <a:pPr algn="ctr">
-              <a:defRPr sz="1300" b="1">
-                <a:latin typeface="맑은 고딕"/>
-              </a:defRPr>
-            </a:pPr>
-            <a:r>
-              <a:t>목표</a:t>
-            </a:r>
-          </a:p>
-        </p:txBody>
-      </p:sp>
-      <p:sp>
-        <p:nvSpPr>
-          <p:cNvPr id="12" name="Rectangle 11"/>
-          <p:cNvSpPr/>
-          <p:nvPr/>
-        </p:nvSpPr>
-        <p:spPr>
-          <a:xfrm>
-            <a:off x="4572000" y="2331720"/>
-            <a:ext cx="3657600" cy="548640"/>
-          </a:xfrm>
-          <a:prstGeom prst="rect">
-            <a:avLst/>
-          </a:prstGeom>
-          <a:solidFill>
-            <a:srgbClr val="FFF0F0"/>
-          </a:solidFill>
-          <a:ln>
-            <a:solidFill>
-              <a:srgbClr val="C8C8C8"/>
-            </a:solidFill>
-          </a:ln>
-        </p:spPr>
-        <p:style>
-          <a:lnRef idx="1">
-            <a:schemeClr val="accent1"/>
-          </a:lnRef>
-          <a:fillRef idx="3">
-            <a:schemeClr val="accent1"/>
-          </a:fillRef>
-          <a:effectRef idx="2">
-            <a:schemeClr val="accent1"/>
-          </a:effectRef>
-          <a:fontRef idx="minor">
-            <a:schemeClr val="lt1"/>
-          </a:fontRef>
-        </p:style>
-        <p:txBody>
-          <a:bodyPr rtlCol="0" anchor="ctr" lIns="182880"/>
-          <a:lstStyle/>
-          <a:p>
-            <a:pPr algn="ctr">
-              <a:defRPr sz="1200">
-                <a:latin typeface="맑은 고딕"/>
-              </a:defRPr>
-            </a:pPr>
-            <a:r>
-              <a:t>재고 최소화 (Zero)</a:t>
-            </a:r>
-          </a:p>
-        </p:txBody>
-      </p:sp>
-      <p:sp>
-        <p:nvSpPr>
-          <p:cNvPr id="13" name="Rectangle 12"/>
-          <p:cNvSpPr/>
-          <p:nvPr/>
-        </p:nvSpPr>
-        <p:spPr>
-          <a:xfrm>
-            <a:off x="8412480" y="2331720"/>
-            <a:ext cx="3657600" cy="548640"/>
-          </a:xfrm>
-          <a:prstGeom prst="rect">
-            <a:avLst/>
-          </a:prstGeom>
-          <a:solidFill>
-            <a:srgbClr val="F0FFF0"/>
-          </a:solidFill>
-          <a:ln>
-            <a:solidFill>
-              <a:srgbClr val="C8C8C8"/>
-            </a:solidFill>
-          </a:ln>
-        </p:spPr>
-        <p:style>
-          <a:lnRef idx="1">
-            <a:schemeClr val="accent1"/>
-          </a:lnRef>
-          <a:fillRef idx="3">
-            <a:schemeClr val="accent1"/>
-          </a:fillRef>
-          <a:effectRef idx="2">
-            <a:schemeClr val="accent1"/>
-          </a:effectRef>
-          <a:fontRef idx="minor">
-            <a:schemeClr val="lt1"/>
-          </a:fontRef>
-        </p:style>
-        <p:txBody>
-          <a:bodyPr rtlCol="0" anchor="ctr" lIns="182880"/>
-          <a:lstStyle/>
-          <a:p>
-            <a:pPr algn="ctr">
-              <a:defRPr sz="1200">
-                <a:latin typeface="맑은 고딕"/>
-              </a:defRPr>
-            </a:pPr>
-            <a:r>
-              <a:t>최적 재고 (Optimal)</a:t>
-            </a:r>
-          </a:p>
-        </p:txBody>
-      </p:sp>
-      <p:sp>
-        <p:nvSpPr>
-          <p:cNvPr id="14" name="Rectangle 13"/>
-          <p:cNvSpPr/>
-          <p:nvPr/>
-        </p:nvSpPr>
-        <p:spPr>
-          <a:xfrm>
-            <a:off x="731520" y="3017520"/>
-            <a:ext cx="3657600" cy="548640"/>
-          </a:xfrm>
-          <a:prstGeom prst="rect">
-            <a:avLst/>
-          </a:prstGeom>
-          <a:solidFill>
-            <a:srgbClr val="F0F0F0"/>
-          </a:solidFill>
-          <a:ln>
-            <a:solidFill>
-              <a:srgbClr val="C8C8C8"/>
-            </a:solidFill>
-          </a:ln>
-        </p:spPr>
-        <p:style>
-          <a:lnRef idx="1">
-            <a:schemeClr val="accent1"/>
-          </a:lnRef>
-          <a:fillRef idx="3">
-            <a:schemeClr val="accent1"/>
-          </a:fillRef>
-          <a:effectRef idx="2">
-            <a:schemeClr val="accent1"/>
-          </a:effectRef>
-          <a:fontRef idx="minor">
-            <a:schemeClr val="lt1"/>
-          </a:fontRef>
-        </p:style>
-        <p:txBody>
-          <a:bodyPr rtlCol="0" anchor="ctr" lIns="182880"/>
-          <a:lstStyle/>
-          <a:p>
-            <a:pPr algn="ctr">
-              <a:defRPr sz="1300" b="1">
-                <a:latin typeface="맑은 고딕"/>
-              </a:defRPr>
-            </a:pPr>
-            <a:r>
-              <a:t>우선순위</a:t>
-            </a:r>
-          </a:p>
-        </p:txBody>
-      </p:sp>
-      <p:sp>
-        <p:nvSpPr>
-          <p:cNvPr id="15" name="Rectangle 14"/>
-          <p:cNvSpPr/>
-          <p:nvPr/>
-        </p:nvSpPr>
-        <p:spPr>
-          <a:xfrm>
-            <a:off x="4572000" y="3017520"/>
-            <a:ext cx="3657600" cy="548640"/>
-          </a:xfrm>
-          <a:prstGeom prst="rect">
-            <a:avLst/>
-          </a:prstGeom>
-          <a:solidFill>
-            <a:srgbClr val="FFF0F0"/>
-          </a:solidFill>
-          <a:ln>
-            <a:solidFill>
-              <a:srgbClr val="C8C8C8"/>
-            </a:solidFill>
-          </a:ln>
-        </p:spPr>
-        <p:style>
-          <a:lnRef idx="1">
-            <a:schemeClr val="accent1"/>
-          </a:lnRef>
-          <a:fillRef idx="3">
-            <a:schemeClr val="accent1"/>
-          </a:fillRef>
-          <a:effectRef idx="2">
-            <a:schemeClr val="accent1"/>
-          </a:effectRef>
-          <a:fontRef idx="minor">
-            <a:schemeClr val="lt1"/>
-          </a:fontRef>
-        </p:style>
-        <p:txBody>
-          <a:bodyPr rtlCol="0" anchor="ctr" lIns="182880"/>
-          <a:lstStyle/>
-          <a:p>
-            <a:pPr algn="ctr">
-              <a:defRPr sz="1200">
-                <a:latin typeface="맑은 고딕"/>
-              </a:defRPr>
-            </a:pPr>
-            <a:r>
-              <a:t>효율성 (Efficiency)</a:t>
-            </a:r>
-          </a:p>
-        </p:txBody>
-      </p:sp>
-      <p:sp>
-        <p:nvSpPr>
-          <p:cNvPr id="16" name="Rectangle 15"/>
-          <p:cNvSpPr/>
-          <p:nvPr/>
-        </p:nvSpPr>
-        <p:spPr>
-          <a:xfrm>
-            <a:off x="8412480" y="3017520"/>
-            <a:ext cx="3657600" cy="548640"/>
-          </a:xfrm>
-          <a:prstGeom prst="rect">
-            <a:avLst/>
-          </a:prstGeom>
-          <a:solidFill>
-            <a:srgbClr val="F0FFF0"/>
-          </a:solidFill>
-          <a:ln>
-            <a:solidFill>
-              <a:srgbClr val="C8C8C8"/>
-            </a:solidFill>
-          </a:ln>
-        </p:spPr>
-        <p:style>
-          <a:lnRef idx="1">
-            <a:schemeClr val="accent1"/>
-          </a:lnRef>
-          <a:fillRef idx="3">
-            <a:schemeClr val="accent1"/>
-          </a:fillRef>
-          <a:effectRef idx="2">
-            <a:schemeClr val="accent1"/>
-          </a:effectRef>
-          <a:fontRef idx="minor">
-            <a:schemeClr val="lt1"/>
-          </a:fontRef>
-        </p:style>
-        <p:txBody>
-          <a:bodyPr rtlCol="0" anchor="ctr" lIns="182880"/>
-          <a:lstStyle/>
-          <a:p>
-            <a:pPr algn="ctr">
-              <a:defRPr sz="1200">
-                <a:latin typeface="맑은 고딕"/>
-              </a:defRPr>
-            </a:pPr>
-            <a:r>
-              <a:t>회복력 (Resilience)</a:t>
-            </a:r>
-          </a:p>
-        </p:txBody>
-      </p:sp>
-      <p:sp>
-        <p:nvSpPr>
-          <p:cNvPr id="17" name="Rectangle 16"/>
-          <p:cNvSpPr/>
-          <p:nvPr/>
-        </p:nvSpPr>
-        <p:spPr>
-          <a:xfrm>
-            <a:off x="731520" y="3703320"/>
-            <a:ext cx="3657600" cy="548640"/>
-          </a:xfrm>
-          <a:prstGeom prst="rect">
-            <a:avLst/>
-          </a:prstGeom>
-          <a:solidFill>
-            <a:srgbClr val="F0F0F0"/>
-          </a:solidFill>
-          <a:ln>
-            <a:solidFill>
-              <a:srgbClr val="C8C8C8"/>
-            </a:solidFill>
-          </a:ln>
-        </p:spPr>
-        <p:style>
-          <a:lnRef idx="1">
-            <a:schemeClr val="accent1"/>
-          </a:lnRef>
-          <a:fillRef idx="3">
-            <a:schemeClr val="accent1"/>
-          </a:fillRef>
-          <a:effectRef idx="2">
-            <a:schemeClr val="accent1"/>
-          </a:effectRef>
-          <a:fontRef idx="minor">
-            <a:schemeClr val="lt1"/>
-          </a:fontRef>
-        </p:style>
-        <p:txBody>
-          <a:bodyPr rtlCol="0" anchor="ctr" lIns="182880"/>
-          <a:lstStyle/>
-          <a:p>
-            <a:pPr algn="ctr">
-              <a:defRPr sz="1300" b="1">
-                <a:latin typeface="맑은 고딕"/>
-              </a:defRPr>
-            </a:pPr>
-            <a:r>
-              <a:t>리스크 관점</a:t>
-            </a:r>
-          </a:p>
-        </p:txBody>
-      </p:sp>
-      <p:sp>
-        <p:nvSpPr>
-          <p:cNvPr id="18" name="Rectangle 17"/>
-          <p:cNvSpPr/>
-          <p:nvPr/>
-        </p:nvSpPr>
-        <p:spPr>
-          <a:xfrm>
-            <a:off x="4572000" y="3703320"/>
-            <a:ext cx="3657600" cy="548640"/>
-          </a:xfrm>
-          <a:prstGeom prst="rect">
-            <a:avLst/>
-          </a:prstGeom>
-          <a:solidFill>
-            <a:srgbClr val="FFF0F0"/>
-          </a:solidFill>
-          <a:ln>
-            <a:solidFill>
-              <a:srgbClr val="C8C8C8"/>
-            </a:solidFill>
-          </a:ln>
-        </p:spPr>
-        <p:style>
-          <a:lnRef idx="1">
-            <a:schemeClr val="accent1"/>
-          </a:lnRef>
-          <a:fillRef idx="3">
-            <a:schemeClr val="accent1"/>
-          </a:fillRef>
-          <a:effectRef idx="2">
-            <a:schemeClr val="accent1"/>
-          </a:effectRef>
-          <a:fontRef idx="minor">
-            <a:schemeClr val="lt1"/>
-          </a:fontRef>
-        </p:style>
-        <p:txBody>
-          <a:bodyPr rtlCol="0" anchor="ctr" lIns="182880"/>
-          <a:lstStyle/>
-          <a:p>
-            <a:pPr algn="ctr">
-              <a:defRPr sz="1200">
-                <a:latin typeface="맑은 고딕"/>
-              </a:defRPr>
-            </a:pPr>
-            <a:r>
-              <a:t>리스크 무시</a:t>
-            </a:r>
-          </a:p>
-        </p:txBody>
-      </p:sp>
-      <p:sp>
-        <p:nvSpPr>
-          <p:cNvPr id="19" name="Rectangle 18"/>
-          <p:cNvSpPr/>
-          <p:nvPr/>
-        </p:nvSpPr>
-        <p:spPr>
-          <a:xfrm>
-            <a:off x="8412480" y="3703320"/>
-            <a:ext cx="3657600" cy="548640"/>
-          </a:xfrm>
-          <a:prstGeom prst="rect">
-            <a:avLst/>
-          </a:prstGeom>
-          <a:solidFill>
-            <a:srgbClr val="F0FFF0"/>
-          </a:solidFill>
-          <a:ln>
-            <a:solidFill>
-              <a:srgbClr val="C8C8C8"/>
-            </a:solidFill>
-          </a:ln>
-        </p:spPr>
-        <p:style>
-          <a:lnRef idx="1">
-            <a:schemeClr val="accent1"/>
-          </a:lnRef>
-          <a:fillRef idx="3">
-            <a:schemeClr val="accent1"/>
-          </a:fillRef>
-          <a:effectRef idx="2">
-            <a:schemeClr val="accent1"/>
-          </a:effectRef>
-          <a:fontRef idx="minor">
-            <a:schemeClr val="lt1"/>
-          </a:fontRef>
-        </p:style>
-        <p:txBody>
-          <a:bodyPr rtlCol="0" anchor="ctr" lIns="182880"/>
-          <a:lstStyle/>
-          <a:p>
-            <a:pPr algn="ctr">
-              <a:defRPr sz="1200">
-                <a:latin typeface="맑은 고딕"/>
-              </a:defRPr>
-            </a:pPr>
-            <a:r>
-              <a:t>리스크 관리</a:t>
-            </a:r>
-          </a:p>
-        </p:txBody>
-      </p:sp>
-      <p:sp>
-        <p:nvSpPr>
-          <p:cNvPr id="20" name="Rectangle 19"/>
-          <p:cNvSpPr/>
-          <p:nvPr/>
-        </p:nvSpPr>
-        <p:spPr>
-          <a:xfrm>
-            <a:off x="731520" y="4389120"/>
-            <a:ext cx="3657600" cy="548640"/>
-          </a:xfrm>
-          <a:prstGeom prst="rect">
-            <a:avLst/>
-          </a:prstGeom>
-          <a:solidFill>
-            <a:srgbClr val="F0F0F0"/>
-          </a:solidFill>
-          <a:ln>
-            <a:solidFill>
-              <a:srgbClr val="C8C8C8"/>
-            </a:solidFill>
-          </a:ln>
-        </p:spPr>
-        <p:style>
-          <a:lnRef idx="1">
-            <a:schemeClr val="accent1"/>
-          </a:lnRef>
-          <a:fillRef idx="3">
-            <a:schemeClr val="accent1"/>
-          </a:fillRef>
-          <a:effectRef idx="2">
-            <a:schemeClr val="accent1"/>
-          </a:effectRef>
-          <a:fontRef idx="minor">
-            <a:schemeClr val="lt1"/>
-          </a:fontRef>
-        </p:style>
-        <p:txBody>
-          <a:bodyPr rtlCol="0" anchor="ctr" lIns="182880"/>
-          <a:lstStyle/>
-          <a:p>
-            <a:pPr algn="ctr">
-              <a:defRPr sz="1300" b="1">
-                <a:latin typeface="맑은 고딕"/>
-              </a:defRPr>
-            </a:pPr>
-            <a:r>
-              <a:t>공급망 구조</a:t>
-            </a:r>
-          </a:p>
-        </p:txBody>
-      </p:sp>
-      <p:sp>
-        <p:nvSpPr>
-          <p:cNvPr id="21" name="Rectangle 20"/>
-          <p:cNvSpPr/>
-          <p:nvPr/>
-        </p:nvSpPr>
-        <p:spPr>
-          <a:xfrm>
-            <a:off x="4572000" y="4389120"/>
-            <a:ext cx="3657600" cy="548640"/>
-          </a:xfrm>
-          <a:prstGeom prst="rect">
-            <a:avLst/>
-          </a:prstGeom>
-          <a:solidFill>
-            <a:srgbClr val="FFF0F0"/>
-          </a:solidFill>
-          <a:ln>
-            <a:solidFill>
-              <a:srgbClr val="C8C8C8"/>
-            </a:solidFill>
-          </a:ln>
-        </p:spPr>
-        <p:style>
-          <a:lnRef idx="1">
-            <a:schemeClr val="accent1"/>
-          </a:lnRef>
-          <a:fillRef idx="3">
-            <a:schemeClr val="accent1"/>
-          </a:fillRef>
-          <a:effectRef idx="2">
-            <a:schemeClr val="accent1"/>
-          </a:effectRef>
-          <a:fontRef idx="minor">
-            <a:schemeClr val="lt1"/>
-          </a:fontRef>
-        </p:style>
-        <p:txBody>
-          <a:bodyPr rtlCol="0" anchor="ctr" lIns="182880"/>
-          <a:lstStyle/>
-          <a:p>
-            <a:pPr algn="ctr">
-              <a:defRPr sz="1200">
-                <a:latin typeface="맑은 고딕"/>
-              </a:defRPr>
-            </a:pPr>
-            <a:r>
-              <a:t>글로벌 최적화</a:t>
-            </a:r>
-          </a:p>
-        </p:txBody>
-      </p:sp>
-      <p:sp>
-        <p:nvSpPr>
-          <p:cNvPr id="22" name="Rectangle 21"/>
-          <p:cNvSpPr/>
-          <p:nvPr/>
-        </p:nvSpPr>
-        <p:spPr>
-          <a:xfrm>
-            <a:off x="8412480" y="4389120"/>
-            <a:ext cx="3657600" cy="548640"/>
-          </a:xfrm>
-          <a:prstGeom prst="rect">
-            <a:avLst/>
-          </a:prstGeom>
-          <a:solidFill>
-            <a:srgbClr val="F0FFF0"/>
-          </a:solidFill>
-          <a:ln>
-            <a:solidFill>
-              <a:srgbClr val="C8C8C8"/>
-            </a:solidFill>
-          </a:ln>
-        </p:spPr>
-        <p:style>
-          <a:lnRef idx="1">
-            <a:schemeClr val="accent1"/>
-          </a:lnRef>
-          <a:fillRef idx="3">
-            <a:schemeClr val="accent1"/>
-          </a:fillRef>
-          <a:effectRef idx="2">
-            <a:schemeClr val="accent1"/>
-          </a:effectRef>
-          <a:fontRef idx="minor">
-            <a:schemeClr val="lt1"/>
-          </a:fontRef>
-        </p:style>
-        <p:txBody>
-          <a:bodyPr rtlCol="0" anchor="ctr" lIns="182880"/>
-          <a:lstStyle/>
-          <a:p>
-            <a:pPr algn="ctr">
-              <a:defRPr sz="1200">
-                <a:latin typeface="맑은 고딕"/>
-              </a:defRPr>
-            </a:pPr>
-            <a:r>
-              <a:t>지역 분산</a:t>
-            </a:r>
-          </a:p>
-        </p:txBody>
-      </p:sp>
-      <p:sp>
-        <p:nvSpPr>
-          <p:cNvPr id="23" name="Rectangle 22"/>
-          <p:cNvSpPr/>
-          <p:nvPr/>
-        </p:nvSpPr>
-        <p:spPr>
-          <a:xfrm>
-            <a:off x="731520" y="5074920"/>
-            <a:ext cx="3657600" cy="548640"/>
-          </a:xfrm>
-          <a:prstGeom prst="rect">
-            <a:avLst/>
-          </a:prstGeom>
-          <a:solidFill>
-            <a:srgbClr val="F0F0F0"/>
-          </a:solidFill>
-          <a:ln>
-            <a:solidFill>
-              <a:srgbClr val="C8C8C8"/>
-            </a:solidFill>
-          </a:ln>
-        </p:spPr>
-        <p:style>
-          <a:lnRef idx="1">
-            <a:schemeClr val="accent1"/>
-          </a:lnRef>
-          <a:fillRef idx="3">
-            <a:schemeClr val="accent1"/>
-          </a:fillRef>
-          <a:effectRef idx="2">
-            <a:schemeClr val="accent1"/>
-          </a:effectRef>
-          <a:fontRef idx="minor">
-            <a:schemeClr val="lt1"/>
-          </a:fontRef>
-        </p:style>
-        <p:txBody>
-          <a:bodyPr rtlCol="0" anchor="ctr" lIns="182880"/>
-          <a:lstStyle/>
-          <a:p>
-            <a:pPr algn="ctr">
-              <a:defRPr sz="1300" b="1">
-                <a:latin typeface="맑은 고딕"/>
-              </a:defRPr>
-            </a:pPr>
-            <a:r>
-              <a:t>안전재고</a:t>
-            </a:r>
-          </a:p>
-        </p:txBody>
-      </p:sp>
-      <p:sp>
-        <p:nvSpPr>
-          <p:cNvPr id="24" name="Rectangle 23"/>
-          <p:cNvSpPr/>
-          <p:nvPr/>
-        </p:nvSpPr>
-        <p:spPr>
-          <a:xfrm>
-            <a:off x="4572000" y="5074920"/>
-            <a:ext cx="3657600" cy="548640"/>
-          </a:xfrm>
-          <a:prstGeom prst="rect">
-            <a:avLst/>
-          </a:prstGeom>
-          <a:solidFill>
-            <a:srgbClr val="FFF0F0"/>
-          </a:solidFill>
-          <a:ln>
-            <a:solidFill>
-              <a:srgbClr val="C8C8C8"/>
-            </a:solidFill>
-          </a:ln>
-        </p:spPr>
-        <p:style>
-          <a:lnRef idx="1">
-            <a:schemeClr val="accent1"/>
-          </a:lnRef>
-          <a:fillRef idx="3">
-            <a:schemeClr val="accent1"/>
-          </a:fillRef>
-          <a:effectRef idx="2">
-            <a:schemeClr val="accent1"/>
-          </a:effectRef>
-          <a:fontRef idx="minor">
-            <a:schemeClr val="lt1"/>
-          </a:fontRef>
-        </p:style>
-        <p:txBody>
-          <a:bodyPr rtlCol="0" anchor="ctr" lIns="182880"/>
-          <a:lstStyle/>
-          <a:p>
-            <a:pPr algn="ctr">
-              <a:defRPr sz="1200">
-                <a:latin typeface="맑은 고딕"/>
-              </a:defRPr>
-            </a:pPr>
-            <a:r>
-              <a:t>최소 (1-2주)</a:t>
-            </a:r>
-          </a:p>
-        </p:txBody>
-      </p:sp>
-      <p:sp>
-        <p:nvSpPr>
-          <p:cNvPr id="25" name="Rectangle 24"/>
-          <p:cNvSpPr/>
-          <p:nvPr/>
-        </p:nvSpPr>
-        <p:spPr>
-          <a:xfrm>
-            <a:off x="8412480" y="5074920"/>
-            <a:ext cx="3657600" cy="548640"/>
-          </a:xfrm>
-          <a:prstGeom prst="rect">
-            <a:avLst/>
-          </a:prstGeom>
-          <a:solidFill>
-            <a:srgbClr val="F0FFF0"/>
-          </a:solidFill>
-          <a:ln>
-            <a:solidFill>
-              <a:srgbClr val="C8C8C8"/>
-            </a:solidFill>
-          </a:ln>
-        </p:spPr>
-        <p:style>
-          <a:lnRef idx="1">
-            <a:schemeClr val="accent1"/>
-          </a:lnRef>
-          <a:fillRef idx="3">
-            <a:schemeClr val="accent1"/>
-          </a:fillRef>
-          <a:effectRef idx="2">
-            <a:schemeClr val="accent1"/>
-          </a:effectRef>
-          <a:fontRef idx="minor">
-            <a:schemeClr val="lt1"/>
-          </a:fontRef>
-        </p:style>
-        <p:txBody>
-          <a:bodyPr rtlCol="0" anchor="ctr" lIns="182880"/>
-          <a:lstStyle/>
-          <a:p>
-            <a:pPr algn="ctr">
-              <a:defRPr sz="1200">
-                <a:latin typeface="맑은 고딕"/>
-              </a:defRPr>
-            </a:pPr>
-            <a:r>
-              <a:t>차별화 (1주-6개월)</a:t>
+                <a:latin typeface="맑은 고딕"/>
+              </a:defRPr>
+            </a:pPr>
+            <a:r>
+              <a:t>2개 축</a:t>
+            </a:r>
+          </a:p>
+          <a:p>
+            <a:pPr>
+              <a:spcBef>
+                <a:spcPts val="800"/>
+              </a:spcBef>
+              <a:defRPr sz="1400" b="1">
+                <a:latin typeface="맑은 고딕"/>
+              </a:defRPr>
+            </a:pPr>
+            <a:r>
+              <a:t>  • Y축: 공급 리스크 (Supply Risk)</a:t>
+            </a:r>
+          </a:p>
+          <a:p>
+            <a:pPr>
+              <a:spcBef>
+                <a:spcPts val="800"/>
+              </a:spcBef>
+              <a:defRPr sz="1400" b="0">
+                <a:latin typeface="맑은 고딕"/>
+              </a:defRPr>
+            </a:pPr>
+            <a:r>
+              <a:t>     - 공급업체 수, 대체 가능성, 시장 구조, 지리적 집중도, 리드타임</a:t>
+            </a:r>
+          </a:p>
+          <a:p>
+            <a:pPr>
+              <a:spcBef>
+                <a:spcPts val="800"/>
+              </a:spcBef>
+              <a:defRPr sz="1400" b="0">
+                <a:latin typeface="맑은 고딕"/>
+              </a:defRPr>
+            </a:pPr>
+          </a:p>
+          <a:p>
+            <a:pPr>
+              <a:spcBef>
+                <a:spcPts val="800"/>
+              </a:spcBef>
+              <a:defRPr sz="1400" b="1">
+                <a:latin typeface="맑은 고딕"/>
+              </a:defRPr>
+            </a:pPr>
+            <a:r>
+              <a:t>  • X축: 구매 임팩트 (Profit Impact)</a:t>
+            </a:r>
+          </a:p>
+          <a:p>
+            <a:pPr>
+              <a:spcBef>
+                <a:spcPts val="800"/>
+              </a:spcBef>
+              <a:defRPr sz="1400" b="0">
+                <a:latin typeface="맑은 고딕"/>
+              </a:defRPr>
+            </a:pPr>
+            <a:r>
+              <a:t>     - 구매 금액, 원가 비중, 사업 영향도, 부가가치, 품질 중요성</a:t>
             </a:r>
           </a:p>
         </p:txBody>
@@ -5706,6 +4933,14 @@
 <file path=ppt/slides/slide6.xml><?xml version="1.0" encoding="utf-8"?>
 <p:sld xmlns:a="http://schemas.openxmlformats.org/drawingml/2006/main" xmlns:p="http://schemas.openxmlformats.org/presentationml/2006/main" xmlns:r="http://schemas.openxmlformats.org/officeDocument/2006/relationships">
   <p:cSld>
+    <p:bg>
+      <p:bgPr>
+        <a:solidFill>
+          <a:srgbClr val="FFFFFF"/>
+        </a:solidFill>
+        <a:effectLst/>
+      </p:bgPr>
+    </p:bg>
     <p:spTree>
       <p:nvGrpSpPr>
         <p:cNvPr id="1" name=""/>
@@ -5715,23 +4950,56 @@
       <p:grpSpPr/>
       <p:sp>
         <p:nvSpPr>
-          <p:cNvPr id="2" name="Rectangle 1"/>
-          <p:cNvSpPr/>
+          <p:cNvPr id="2" name="TextBox 1"/>
+          <p:cNvSpPr txBox="1"/>
           <p:nvPr/>
         </p:nvSpPr>
         <p:spPr>
           <a:xfrm>
-            <a:off x="0" y="0"/>
-            <a:ext cx="12191695" cy="6858000"/>
+            <a:off x="274320" y="283464"/>
+            <a:ext cx="6912864" cy="393192"/>
           </a:xfrm>
           <a:prstGeom prst="rect">
             <a:avLst/>
           </a:prstGeom>
-          <a:solidFill>
-            <a:srgbClr val="002060"/>
-          </a:solidFill>
-          <a:ln>
-            <a:noFill/>
+          <a:noFill/>
+        </p:spPr>
+        <p:txBody>
+          <a:bodyPr wrap="none">
+            <a:spAutoFit/>
+          </a:bodyPr>
+          <a:lstStyle/>
+          <a:p>
+            <a:pPr>
+              <a:defRPr sz="2000" b="1">
+                <a:latin typeface="맑은 고딕"/>
+              </a:defRPr>
+            </a:pPr>
+            <a:r>
+              <a:t>Kraljic Matrix: 2×2 자재 분류</a:t>
+            </a:r>
+          </a:p>
+        </p:txBody>
+      </p:sp>
+      <p:sp>
+        <p:nvSpPr>
+          <p:cNvPr id="3" name="Rectangle 2"/>
+          <p:cNvSpPr/>
+          <p:nvPr/>
+        </p:nvSpPr>
+        <p:spPr>
+          <a:xfrm>
+            <a:off x="2651760" y="1371600"/>
+            <a:ext cx="2240280" cy="2240280"/>
+          </a:xfrm>
+          <a:prstGeom prst="rect">
+            <a:avLst/>
+          </a:prstGeom>
+          <a:noFill/>
+          <a:ln w="19050">
+            <a:solidFill>
+              <a:srgbClr val="000000"/>
+            </a:solidFill>
           </a:ln>
         </p:spPr>
         <p:style>
@@ -5749,32 +5017,61 @@
           </a:fontRef>
         </p:style>
         <p:txBody>
-          <a:bodyPr rtlCol="0" anchor="ctr"/>
-          <a:lstStyle/>
-          <a:p>
-            <a:pPr algn="ctr"/>
-          </a:p>
-        </p:txBody>
-      </p:sp>
-      <p:sp>
-        <p:nvSpPr>
-          <p:cNvPr id="3" name="Rectangle 2"/>
+          <a:bodyPr rtlCol="0" anchor="ctr" lIns="182880" tIns="274320"/>
+          <a:lstStyle/>
+          <a:p>
+            <a:pPr algn="ctr">
+              <a:defRPr sz="1600" b="1">
+                <a:latin typeface="맑은 고딕"/>
+              </a:defRPr>
+            </a:pPr>
+            <a:r>
+              <a:t>병목자재</a:t>
+            </a:r>
+            <a:br/>
+            <a:r>
+              <a:t>(Bottleneck)</a:t>
+            </a:r>
+          </a:p>
+          <a:p>
+            <a:br/>
+            <a:pPr algn="ctr">
+              <a:spcBef>
+                <a:spcPts val="1000"/>
+              </a:spcBef>
+              <a:defRPr sz="1200">
+                <a:latin typeface="맑은 고딕"/>
+              </a:defRPr>
+            </a:pPr>
+            <a:r>
+              <a:t>높은 공급 리스크</a:t>
+            </a:r>
+            <a:br/>
+            <a:r>
+              <a:t>낮은 구매 금액</a:t>
+            </a:r>
+          </a:p>
+        </p:txBody>
+      </p:sp>
+      <p:sp>
+        <p:nvSpPr>
+          <p:cNvPr id="4" name="Rectangle 3"/>
           <p:cNvSpPr/>
           <p:nvPr/>
         </p:nvSpPr>
         <p:spPr>
           <a:xfrm>
-            <a:off x="0" y="2743200"/>
-            <a:ext cx="274320" cy="1371600"/>
+            <a:off x="4937760" y="1371600"/>
+            <a:ext cx="2240280" cy="2240280"/>
           </a:xfrm>
           <a:prstGeom prst="rect">
             <a:avLst/>
           </a:prstGeom>
-          <a:solidFill>
-            <a:srgbClr val="00B0F0"/>
-          </a:solidFill>
-          <a:ln>
-            <a:noFill/>
+          <a:noFill/>
+          <a:ln w="19050">
+            <a:solidFill>
+              <a:srgbClr val="000000"/>
+            </a:solidFill>
           </a:ln>
         </p:spPr>
         <p:style>
@@ -5792,64 +5089,201 @@
           </a:fontRef>
         </p:style>
         <p:txBody>
-          <a:bodyPr rtlCol="0" anchor="ctr"/>
-          <a:lstStyle/>
-          <a:p>
-            <a:pPr algn="ctr"/>
-          </a:p>
-        </p:txBody>
-      </p:sp>
-      <p:sp>
-        <p:nvSpPr>
-          <p:cNvPr id="4" name="TextBox 3"/>
-          <p:cNvSpPr txBox="1"/>
+          <a:bodyPr rtlCol="0" anchor="ctr" lIns="182880" tIns="274320"/>
+          <a:lstStyle/>
+          <a:p>
+            <a:pPr algn="ctr">
+              <a:defRPr sz="1600" b="1">
+                <a:latin typeface="맑은 고딕"/>
+              </a:defRPr>
+            </a:pPr>
+            <a:r>
+              <a:t>전략자재</a:t>
+            </a:r>
+            <a:br/>
+            <a:r>
+              <a:t>(Strategic)</a:t>
+            </a:r>
+          </a:p>
+          <a:p>
+            <a:br/>
+            <a:pPr algn="ctr">
+              <a:spcBef>
+                <a:spcPts val="1000"/>
+              </a:spcBef>
+              <a:defRPr sz="1200">
+                <a:latin typeface="맑은 고딕"/>
+              </a:defRPr>
+            </a:pPr>
+            <a:r>
+              <a:t>높은 공급 리스크</a:t>
+            </a:r>
+            <a:br/>
+            <a:r>
+              <a:t>높은 구매 금액</a:t>
+            </a:r>
+          </a:p>
+        </p:txBody>
+      </p:sp>
+      <p:sp>
+        <p:nvSpPr>
+          <p:cNvPr id="5" name="Rectangle 4"/>
+          <p:cNvSpPr/>
           <p:nvPr/>
         </p:nvSpPr>
         <p:spPr>
           <a:xfrm>
-            <a:off x="1828800" y="2286000"/>
-            <a:ext cx="8229600" cy="914400"/>
+            <a:off x="2651760" y="3657600"/>
+            <a:ext cx="2240280" cy="2240280"/>
           </a:xfrm>
           <a:prstGeom prst="rect">
             <a:avLst/>
           </a:prstGeom>
           <a:noFill/>
-        </p:spPr>
-        <p:txBody>
-          <a:bodyPr wrap="none">
-            <a:spAutoFit/>
-          </a:bodyPr>
-          <a:lstStyle/>
-          <a:p>
-            <a:pPr>
-              <a:defRPr sz="5400" b="1">
-                <a:solidFill>
-                  <a:srgbClr val="FFFFFF"/>
-                </a:solidFill>
-                <a:latin typeface="맑은 고딕"/>
-              </a:defRPr>
-            </a:pPr>
-            <a:r>
-              <a:t>2. Kraljic Matrix</a:t>
-            </a:r>
-          </a:p>
-        </p:txBody>
-      </p:sp>
-      <p:sp>
-        <p:nvSpPr>
-          <p:cNvPr id="5" name="TextBox 4"/>
-          <p:cNvSpPr txBox="1"/>
+          <a:ln w="19050">
+            <a:solidFill>
+              <a:srgbClr val="000000"/>
+            </a:solidFill>
+          </a:ln>
+        </p:spPr>
+        <p:style>
+          <a:lnRef idx="1">
+            <a:schemeClr val="accent1"/>
+          </a:lnRef>
+          <a:fillRef idx="3">
+            <a:schemeClr val="accent1"/>
+          </a:fillRef>
+          <a:effectRef idx="2">
+            <a:schemeClr val="accent1"/>
+          </a:effectRef>
+          <a:fontRef idx="minor">
+            <a:schemeClr val="lt1"/>
+          </a:fontRef>
+        </p:style>
+        <p:txBody>
+          <a:bodyPr rtlCol="0" anchor="ctr" lIns="182880" tIns="274320"/>
+          <a:lstStyle/>
+          <a:p>
+            <a:pPr algn="ctr">
+              <a:defRPr sz="1600" b="1">
+                <a:latin typeface="맑은 고딕"/>
+              </a:defRPr>
+            </a:pPr>
+            <a:r>
+              <a:t>일상자재</a:t>
+            </a:r>
+            <a:br/>
+            <a:r>
+              <a:t>(Routine)</a:t>
+            </a:r>
+          </a:p>
+          <a:p>
+            <a:br/>
+            <a:pPr algn="ctr">
+              <a:spcBef>
+                <a:spcPts val="1000"/>
+              </a:spcBef>
+              <a:defRPr sz="1200">
+                <a:latin typeface="맑은 고딕"/>
+              </a:defRPr>
+            </a:pPr>
+            <a:r>
+              <a:t>낮은 공급 리스크</a:t>
+            </a:r>
+            <a:br/>
+            <a:r>
+              <a:t>낮은 구매 금액</a:t>
+            </a:r>
+          </a:p>
+        </p:txBody>
+      </p:sp>
+      <p:sp>
+        <p:nvSpPr>
+          <p:cNvPr id="6" name="Rectangle 5"/>
+          <p:cNvSpPr/>
           <p:nvPr/>
         </p:nvSpPr>
         <p:spPr>
           <a:xfrm>
-            <a:off x="1828800" y="3474720"/>
-            <a:ext cx="8229600" cy="914400"/>
+            <a:off x="4937760" y="3657600"/>
+            <a:ext cx="2240280" cy="2240280"/>
           </a:xfrm>
           <a:prstGeom prst="rect">
             <a:avLst/>
           </a:prstGeom>
           <a:noFill/>
+          <a:ln w="19050">
+            <a:solidFill>
+              <a:srgbClr val="000000"/>
+            </a:solidFill>
+          </a:ln>
+        </p:spPr>
+        <p:style>
+          <a:lnRef idx="1">
+            <a:schemeClr val="accent1"/>
+          </a:lnRef>
+          <a:fillRef idx="3">
+            <a:schemeClr val="accent1"/>
+          </a:fillRef>
+          <a:effectRef idx="2">
+            <a:schemeClr val="accent1"/>
+          </a:effectRef>
+          <a:fontRef idx="minor">
+            <a:schemeClr val="lt1"/>
+          </a:fontRef>
+        </p:style>
+        <p:txBody>
+          <a:bodyPr rtlCol="0" anchor="ctr" lIns="182880" tIns="274320"/>
+          <a:lstStyle/>
+          <a:p>
+            <a:pPr algn="ctr">
+              <a:defRPr sz="1600" b="1">
+                <a:latin typeface="맑은 고딕"/>
+              </a:defRPr>
+            </a:pPr>
+            <a:r>
+              <a:t>레버리지자재</a:t>
+            </a:r>
+            <a:br/>
+            <a:r>
+              <a:t>(Leverage)</a:t>
+            </a:r>
+          </a:p>
+          <a:p>
+            <a:br/>
+            <a:pPr algn="ctr">
+              <a:spcBef>
+                <a:spcPts val="1000"/>
+              </a:spcBef>
+              <a:defRPr sz="1200">
+                <a:latin typeface="맑은 고딕"/>
+              </a:defRPr>
+            </a:pPr>
+            <a:r>
+              <a:t>낮은 공급 리스크</a:t>
+            </a:r>
+            <a:br/>
+            <a:r>
+              <a:t>높은 구매 금액</a:t>
+            </a:r>
+          </a:p>
+        </p:txBody>
+      </p:sp>
+      <p:sp>
+        <p:nvSpPr>
+          <p:cNvPr id="7" name="TextBox 6"/>
+          <p:cNvSpPr txBox="1"/>
+          <p:nvPr/>
+        </p:nvSpPr>
+        <p:spPr>
+          <a:xfrm>
+            <a:off x="1371600" y="3200400"/>
+            <a:ext cx="1097280" cy="914400"/>
+          </a:xfrm>
+          <a:prstGeom prst="rect">
+            <a:avLst/>
+          </a:prstGeom>
+          <a:noFill/>
         </p:spPr>
         <p:txBody>
           <a:bodyPr wrap="none">
@@ -5857,16 +5291,50 @@
           </a:bodyPr>
           <a:lstStyle/>
           <a:p>
-            <a:pPr>
-              <a:defRPr sz="3200">
-                <a:solidFill>
-                  <a:srgbClr val="00B0F0"/>
-                </a:solidFill>
-                <a:latin typeface="맑은 고딕"/>
-              </a:defRPr>
-            </a:pPr>
-            <a:r>
-              <a:t>자재 포트폴리오 전략의 핵심</a:t>
+            <a:pPr algn="ctr">
+              <a:defRPr sz="1400" b="1">
+                <a:latin typeface="맑은 고딕"/>
+              </a:defRPr>
+            </a:pPr>
+            <a:r>
+              <a:t>구매 금액</a:t>
+            </a:r>
+            <a:br/>
+            <a:r>
+              <a:t>↑</a:t>
+            </a:r>
+          </a:p>
+        </p:txBody>
+      </p:sp>
+      <p:sp>
+        <p:nvSpPr>
+          <p:cNvPr id="8" name="TextBox 7"/>
+          <p:cNvSpPr txBox="1"/>
+          <p:nvPr/>
+        </p:nvSpPr>
+        <p:spPr>
+          <a:xfrm>
+            <a:off x="4572000" y="6126480"/>
+            <a:ext cx="1828800" cy="457200"/>
+          </a:xfrm>
+          <a:prstGeom prst="rect">
+            <a:avLst/>
+          </a:prstGeom>
+          <a:noFill/>
+        </p:spPr>
+        <p:txBody>
+          <a:bodyPr wrap="none">
+            <a:spAutoFit/>
+          </a:bodyPr>
+          <a:lstStyle/>
+          <a:p>
+            <a:pPr algn="ctr">
+              <a:defRPr sz="1400" b="1">
+                <a:latin typeface="맑은 고딕"/>
+              </a:defRPr>
+            </a:pPr>
+            <a:r>
+              <a:t>공급 리스크 →</a:t>
             </a:r>
           </a:p>
         </p:txBody>
@@ -5899,23 +5367,58 @@
       <p:grpSpPr/>
       <p:sp>
         <p:nvSpPr>
-          <p:cNvPr id="2" name="Rectangle 1"/>
+          <p:cNvPr id="2" name="TextBox 1"/>
+          <p:cNvSpPr txBox="1"/>
+          <p:nvPr/>
+        </p:nvSpPr>
+        <p:spPr>
+          <a:xfrm>
+            <a:off x="274320" y="283464"/>
+            <a:ext cx="6912864" cy="393192"/>
+          </a:xfrm>
+          <a:prstGeom prst="rect">
+            <a:avLst/>
+          </a:prstGeom>
+          <a:noFill/>
+        </p:spPr>
+        <p:txBody>
+          <a:bodyPr wrap="none">
+            <a:spAutoFit/>
+          </a:bodyPr>
+          <a:lstStyle/>
+          <a:p>
+            <a:pPr>
+              <a:defRPr sz="2000" b="1">
+                <a:latin typeface="맑은 고딕"/>
+              </a:defRPr>
+            </a:pPr>
+            <a:r>
+              <a:t>4대 자재군: 차별화된 관리 전략</a:t>
+            </a:r>
+          </a:p>
+        </p:txBody>
+      </p:sp>
+      <p:sp>
+        <p:nvSpPr>
+          <p:cNvPr id="3" name="Rectangle 2"/>
           <p:cNvSpPr/>
           <p:nvPr/>
         </p:nvSpPr>
         <p:spPr>
           <a:xfrm>
-            <a:off x="0" y="0"/>
-            <a:ext cx="12191695" cy="640080"/>
+            <a:off x="274320" y="1371600"/>
+            <a:ext cx="1645920" cy="685800"/>
           </a:xfrm>
           <a:prstGeom prst="rect">
             <a:avLst/>
           </a:prstGeom>
           <a:solidFill>
-            <a:srgbClr val="002060"/>
+            <a:srgbClr val="D9D9D9"/>
           </a:solidFill>
-          <a:ln>
-            <a:noFill/>
+          <a:ln w="6350">
+            <a:solidFill>
+              <a:srgbClr val="969696"/>
+            </a:solidFill>
           </a:ln>
         </p:spPr>
         <p:style>
@@ -5933,45 +5436,16 @@
           </a:fontRef>
         </p:style>
         <p:txBody>
-          <a:bodyPr rtlCol="0" anchor="ctr"/>
-          <a:lstStyle/>
-          <a:p>
-            <a:pPr algn="ctr"/>
-          </a:p>
-        </p:txBody>
-      </p:sp>
-      <p:sp>
-        <p:nvSpPr>
-          <p:cNvPr id="3" name="TextBox 2"/>
-          <p:cNvSpPr txBox="1"/>
-          <p:nvPr/>
-        </p:nvSpPr>
-        <p:spPr>
-          <a:xfrm>
-            <a:off x="457200" y="137160"/>
-            <a:ext cx="10972800" cy="365760"/>
-          </a:xfrm>
-          <a:prstGeom prst="rect">
-            <a:avLst/>
-          </a:prstGeom>
-          <a:noFill/>
-        </p:spPr>
-        <p:txBody>
-          <a:bodyPr wrap="none">
-            <a:spAutoFit/>
-          </a:bodyPr>
-          <a:lstStyle/>
-          <a:p>
-            <a:pPr algn="l">
-              <a:defRPr sz="2400" b="1">
-                <a:solidFill>
-                  <a:srgbClr val="FFFFFF"/>
-                </a:solidFill>
-                <a:latin typeface="맑은 고딕"/>
-              </a:defRPr>
-            </a:pPr>
-            <a:r>
-              <a:t>Kraljic Matrix: 2×2 자재 포트폴리오</a:t>
+          <a:bodyPr rtlCol="0" anchor="t" wrap="square"/>
+          <a:lstStyle/>
+          <a:p>
+            <a:pPr algn="ctr">
+              <a:defRPr sz="1200" b="1">
+                <a:latin typeface="맑은 고딕"/>
+              </a:defRPr>
+            </a:pPr>
+            <a:r>
+              <a:t>자재군</a:t>
             </a:r>
           </a:p>
         </p:txBody>
@@ -5984,17 +5458,19 @@
         </p:nvSpPr>
         <p:spPr>
           <a:xfrm>
-            <a:off x="0" y="6675120"/>
-            <a:ext cx="12191695" cy="182880"/>
+            <a:off x="1920240" y="1371600"/>
+            <a:ext cx="1371600" cy="685800"/>
           </a:xfrm>
           <a:prstGeom prst="rect">
             <a:avLst/>
           </a:prstGeom>
           <a:solidFill>
-            <a:srgbClr val="0070C0"/>
+            <a:srgbClr val="D9D9D9"/>
           </a:solidFill>
-          <a:ln>
-            <a:noFill/>
+          <a:ln w="6350">
+            <a:solidFill>
+              <a:srgbClr val="969696"/>
+            </a:solidFill>
           </a:ln>
         </p:spPr>
         <p:style>
@@ -6012,33 +5488,40 @@
           </a:fontRef>
         </p:style>
         <p:txBody>
-          <a:bodyPr rtlCol="0" anchor="ctr"/>
-          <a:lstStyle/>
-          <a:p>
-            <a:pPr algn="ctr"/>
-          </a:p>
-        </p:txBody>
-      </p:sp>
-      <p:sp>
-        <p:nvSpPr>
-          <p:cNvPr id="5" name="Rounded Rectangle 4"/>
+          <a:bodyPr rtlCol="0" anchor="t" wrap="square"/>
+          <a:lstStyle/>
+          <a:p>
+            <a:pPr algn="ctr">
+              <a:defRPr sz="1200" b="1">
+                <a:latin typeface="맑은 고딕"/>
+              </a:defRPr>
+            </a:pPr>
+            <a:r>
+              <a:t>목표</a:t>
+            </a:r>
+          </a:p>
+        </p:txBody>
+      </p:sp>
+      <p:sp>
+        <p:nvSpPr>
+          <p:cNvPr id="5" name="Rectangle 4"/>
           <p:cNvSpPr/>
           <p:nvPr/>
         </p:nvSpPr>
         <p:spPr>
           <a:xfrm>
-            <a:off x="3840480" y="1280160"/>
-            <a:ext cx="2468879" cy="2468879"/>
-          </a:xfrm>
-          <a:prstGeom prst="roundRect">
+            <a:off x="3291840" y="1371600"/>
+            <a:ext cx="1371600" cy="685800"/>
+          </a:xfrm>
+          <a:prstGeom prst="rect">
             <a:avLst/>
           </a:prstGeom>
           <a:solidFill>
-            <a:srgbClr val="FFC8C8"/>
+            <a:srgbClr val="D9D9D9"/>
           </a:solidFill>
-          <a:ln w="25400">
+          <a:ln w="6350">
             <a:solidFill>
-              <a:srgbClr val="646464"/>
+              <a:srgbClr val="969696"/>
             </a:solidFill>
           </a:ln>
         </p:spPr>
@@ -6057,78 +5540,40 @@
           </a:fontRef>
         </p:style>
         <p:txBody>
-          <a:bodyPr rtlCol="0" anchor="ctr" lIns="182880" rIns="182880"/>
+          <a:bodyPr rtlCol="0" anchor="t" wrap="square"/>
           <a:lstStyle/>
           <a:p>
             <a:pPr algn="ctr">
-              <a:defRPr sz="3200"/>
-            </a:pPr>
-            <a:r>
-              <a:t>🔴</a:t>
-            </a:r>
-          </a:p>
-          <a:p>
-            <a:pPr algn="ctr">
-              <a:spcBef>
-                <a:spcPts val="600"/>
-              </a:spcBef>
-              <a:defRPr sz="1800" b="1">
-                <a:solidFill>
-                  <a:srgbClr val="C00000"/>
-                </a:solidFill>
-                <a:latin typeface="맑은 고딕"/>
-              </a:defRPr>
-            </a:pPr>
-            <a:r>
-              <a:t>병목자재</a:t>
-            </a:r>
-            <a:br/>
-            <a:r>
-              <a:t>Bottleneck</a:t>
-            </a:r>
-          </a:p>
-          <a:p>
-            <a:pPr algn="ctr">
-              <a:spcBef>
-                <a:spcPts val="600"/>
-              </a:spcBef>
-              <a:defRPr sz="1200">
-                <a:solidFill>
-                  <a:srgbClr val="C00000"/>
-                </a:solidFill>
-                <a:latin typeface="맑은 고딕"/>
-              </a:defRPr>
-            </a:pPr>
-            <a:r>
-              <a:t>높은 공급 리스크</a:t>
-            </a:r>
-            <a:br/>
-            <a:r>
-              <a:t>낮은 구매 금액</a:t>
-            </a:r>
-          </a:p>
-        </p:txBody>
-      </p:sp>
-      <p:sp>
-        <p:nvSpPr>
-          <p:cNvPr id="6" name="Rounded Rectangle 5"/>
+              <a:defRPr sz="1200" b="1">
+                <a:latin typeface="맑은 고딕"/>
+              </a:defRPr>
+            </a:pPr>
+            <a:r>
+              <a:t>계획 방법</a:t>
+            </a:r>
+          </a:p>
+        </p:txBody>
+      </p:sp>
+      <p:sp>
+        <p:nvSpPr>
+          <p:cNvPr id="6" name="Rectangle 5"/>
           <p:cNvSpPr/>
           <p:nvPr/>
         </p:nvSpPr>
         <p:spPr>
           <a:xfrm>
-            <a:off x="6400800" y="1280160"/>
-            <a:ext cx="2468879" cy="2468879"/>
-          </a:xfrm>
-          <a:prstGeom prst="roundRect">
+            <a:off x="4663440" y="1371600"/>
+            <a:ext cx="1645920" cy="685800"/>
+          </a:xfrm>
+          <a:prstGeom prst="rect">
             <a:avLst/>
           </a:prstGeom>
           <a:solidFill>
-            <a:srgbClr val="E6C8FF"/>
+            <a:srgbClr val="D9D9D9"/>
           </a:solidFill>
-          <a:ln w="25400">
+          <a:ln w="6350">
             <a:solidFill>
-              <a:srgbClr val="646464"/>
+              <a:srgbClr val="969696"/>
             </a:solidFill>
           </a:ln>
         </p:spPr>
@@ -6147,78 +5592,40 @@
           </a:fontRef>
         </p:style>
         <p:txBody>
-          <a:bodyPr rtlCol="0" anchor="ctr" lIns="182880" rIns="182880"/>
+          <a:bodyPr rtlCol="0" anchor="t" wrap="square"/>
           <a:lstStyle/>
           <a:p>
             <a:pPr algn="ctr">
-              <a:defRPr sz="3200"/>
-            </a:pPr>
-            <a:r>
-              <a:t>🟣</a:t>
-            </a:r>
-          </a:p>
-          <a:p>
-            <a:pPr algn="ctr">
-              <a:spcBef>
-                <a:spcPts val="600"/>
-              </a:spcBef>
-              <a:defRPr sz="1800" b="1">
-                <a:solidFill>
-                  <a:srgbClr val="800080"/>
-                </a:solidFill>
-                <a:latin typeface="맑은 고딕"/>
-              </a:defRPr>
-            </a:pPr>
-            <a:r>
-              <a:t>전략자재</a:t>
-            </a:r>
-            <a:br/>
-            <a:r>
-              <a:t>Strategic</a:t>
-            </a:r>
-          </a:p>
-          <a:p>
-            <a:pPr algn="ctr">
-              <a:spcBef>
-                <a:spcPts val="600"/>
-              </a:spcBef>
-              <a:defRPr sz="1200">
-                <a:solidFill>
-                  <a:srgbClr val="800080"/>
-                </a:solidFill>
-                <a:latin typeface="맑은 고딕"/>
-              </a:defRPr>
-            </a:pPr>
-            <a:r>
-              <a:t>높은 공급 리스크</a:t>
-            </a:r>
-            <a:br/>
-            <a:r>
-              <a:t>높은 구매 금액</a:t>
-            </a:r>
-          </a:p>
-        </p:txBody>
-      </p:sp>
-      <p:sp>
-        <p:nvSpPr>
-          <p:cNvPr id="7" name="Rounded Rectangle 6"/>
+              <a:defRPr sz="1200" b="1">
+                <a:latin typeface="맑은 고딕"/>
+              </a:defRPr>
+            </a:pPr>
+            <a:r>
+              <a:t>안전재고</a:t>
+            </a:r>
+          </a:p>
+        </p:txBody>
+      </p:sp>
+      <p:sp>
+        <p:nvSpPr>
+          <p:cNvPr id="7" name="Rectangle 6"/>
           <p:cNvSpPr/>
           <p:nvPr/>
         </p:nvSpPr>
         <p:spPr>
           <a:xfrm>
-            <a:off x="3840480" y="3840480"/>
-            <a:ext cx="2468879" cy="2468879"/>
-          </a:xfrm>
-          <a:prstGeom prst="roundRect">
+            <a:off x="6309359" y="1371600"/>
+            <a:ext cx="3200400" cy="685800"/>
+          </a:xfrm>
+          <a:prstGeom prst="rect">
             <a:avLst/>
           </a:prstGeom>
           <a:solidFill>
-            <a:srgbClr val="F0F0F0"/>
+            <a:srgbClr val="D9D9D9"/>
           </a:solidFill>
-          <a:ln w="25400">
+          <a:ln w="6350">
             <a:solidFill>
-              <a:srgbClr val="646464"/>
+              <a:srgbClr val="969696"/>
             </a:solidFill>
           </a:ln>
         </p:spPr>
@@ -6237,78 +5644,38 @@
           </a:fontRef>
         </p:style>
         <p:txBody>
-          <a:bodyPr rtlCol="0" anchor="ctr" lIns="182880" rIns="182880"/>
+          <a:bodyPr rtlCol="0" anchor="t" wrap="square"/>
           <a:lstStyle/>
           <a:p>
             <a:pPr algn="ctr">
-              <a:defRPr sz="3200"/>
-            </a:pPr>
-            <a:r>
-              <a:t>⚪</a:t>
-            </a:r>
-          </a:p>
-          <a:p>
-            <a:pPr algn="ctr">
-              <a:spcBef>
-                <a:spcPts val="600"/>
-              </a:spcBef>
-              <a:defRPr sz="1800" b="1">
-                <a:solidFill>
-                  <a:srgbClr val="606060"/>
-                </a:solidFill>
-                <a:latin typeface="맑은 고딕"/>
-              </a:defRPr>
-            </a:pPr>
-            <a:r>
-              <a:t>일상자재</a:t>
-            </a:r>
-            <a:br/>
-            <a:r>
-              <a:t>Routine</a:t>
-            </a:r>
-          </a:p>
-          <a:p>
-            <a:pPr algn="ctr">
-              <a:spcBef>
-                <a:spcPts val="600"/>
-              </a:spcBef>
-              <a:defRPr sz="1200">
-                <a:solidFill>
-                  <a:srgbClr val="606060"/>
-                </a:solidFill>
-                <a:latin typeface="맑은 고딕"/>
-              </a:defRPr>
-            </a:pPr>
-            <a:r>
-              <a:t>낮은 공급 리스크</a:t>
-            </a:r>
-            <a:br/>
-            <a:r>
-              <a:t>낮은 구매 금액</a:t>
-            </a:r>
-          </a:p>
-        </p:txBody>
-      </p:sp>
-      <p:sp>
-        <p:nvSpPr>
-          <p:cNvPr id="8" name="Rounded Rectangle 7"/>
+              <a:defRPr sz="1200" b="1">
+                <a:latin typeface="맑은 고딕"/>
+              </a:defRPr>
+            </a:pPr>
+            <a:r>
+              <a:t>주요 전략</a:t>
+            </a:r>
+          </a:p>
+        </p:txBody>
+      </p:sp>
+      <p:sp>
+        <p:nvSpPr>
+          <p:cNvPr id="8" name="Rectangle 7"/>
           <p:cNvSpPr/>
           <p:nvPr/>
         </p:nvSpPr>
         <p:spPr>
           <a:xfrm>
-            <a:off x="6400800" y="3840480"/>
-            <a:ext cx="2468879" cy="2468879"/>
-          </a:xfrm>
-          <a:prstGeom prst="roundRect">
+            <a:off x="274320" y="2103120"/>
+            <a:ext cx="1645920" cy="685800"/>
+          </a:xfrm>
+          <a:prstGeom prst="rect">
             <a:avLst/>
           </a:prstGeom>
-          <a:solidFill>
-            <a:srgbClr val="C8FFC8"/>
-          </a:solidFill>
-          <a:ln w="25400">
+          <a:noFill/>
+          <a:ln w="6350">
             <a:solidFill>
-              <a:srgbClr val="646464"/>
+              <a:srgbClr val="969696"/>
             </a:solidFill>
           </a:ln>
         </p:spPr>
@@ -6327,77 +5694,39 @@
           </a:fontRef>
         </p:style>
         <p:txBody>
-          <a:bodyPr rtlCol="0" anchor="ctr" lIns="182880" rIns="182880"/>
-          <a:lstStyle/>
-          <a:p>
-            <a:pPr algn="ctr">
-              <a:defRPr sz="3200"/>
-            </a:pPr>
-            <a:r>
-              <a:t>🟢</a:t>
-            </a:r>
-          </a:p>
-          <a:p>
-            <a:pPr algn="ctr">
-              <a:spcBef>
-                <a:spcPts val="600"/>
-              </a:spcBef>
-              <a:defRPr sz="1800" b="1">
-                <a:solidFill>
-                  <a:srgbClr val="008000"/>
-                </a:solidFill>
-                <a:latin typeface="맑은 고딕"/>
-              </a:defRPr>
-            </a:pPr>
-            <a:r>
-              <a:t>레버리지자재</a:t>
-            </a:r>
-            <a:br/>
-            <a:r>
-              <a:t>Leverage</a:t>
-            </a:r>
-          </a:p>
-          <a:p>
-            <a:pPr algn="ctr">
-              <a:spcBef>
-                <a:spcPts val="600"/>
-              </a:spcBef>
-              <a:defRPr sz="1200">
-                <a:solidFill>
-                  <a:srgbClr val="008000"/>
-                </a:solidFill>
-                <a:latin typeface="맑은 고딕"/>
-              </a:defRPr>
-            </a:pPr>
-            <a:r>
-              <a:t>낮은 공급 리스크</a:t>
-            </a:r>
-            <a:br/>
-            <a:r>
-              <a:t>높은 구매 금액</a:t>
-            </a:r>
-          </a:p>
-        </p:txBody>
-      </p:sp>
-      <p:sp>
-        <p:nvSpPr>
-          <p:cNvPr id="9" name="Up Arrow 8"/>
+          <a:bodyPr rtlCol="0" anchor="t" wrap="square"/>
+          <a:lstStyle/>
+          <a:p>
+            <a:pPr algn="l">
+              <a:defRPr sz="1100" b="1">
+                <a:latin typeface="맑은 고딕"/>
+              </a:defRPr>
+            </a:pPr>
+            <a:r>
+              <a:t>병목자재</a:t>
+            </a:r>
+          </a:p>
+        </p:txBody>
+      </p:sp>
+      <p:sp>
+        <p:nvSpPr>
+          <p:cNvPr id="9" name="Rectangle 8"/>
           <p:cNvSpPr/>
           <p:nvPr/>
         </p:nvSpPr>
         <p:spPr>
           <a:xfrm>
-            <a:off x="1828800" y="2286000"/>
-            <a:ext cx="365760" cy="2743200"/>
-          </a:xfrm>
-          <a:prstGeom prst="upArrow">
+            <a:off x="1920240" y="2103120"/>
+            <a:ext cx="1371600" cy="685800"/>
+          </a:xfrm>
+          <a:prstGeom prst="rect">
             <a:avLst/>
           </a:prstGeom>
-          <a:solidFill>
-            <a:srgbClr val="0070C0"/>
-          </a:solidFill>
-          <a:ln>
-            <a:noFill/>
+          <a:noFill/>
+          <a:ln w="6350">
+            <a:solidFill>
+              <a:srgbClr val="969696"/>
+            </a:solidFill>
           </a:ln>
         </p:spPr>
         <p:style>
@@ -6415,76 +5744,39 @@
           </a:fontRef>
         </p:style>
         <p:txBody>
-          <a:bodyPr rtlCol="0" anchor="ctr"/>
-          <a:lstStyle/>
-          <a:p>
-            <a:pPr algn="ctr"/>
-          </a:p>
-        </p:txBody>
-      </p:sp>
-      <p:sp>
-        <p:nvSpPr>
-          <p:cNvPr id="10" name="TextBox 9"/>
-          <p:cNvSpPr txBox="1"/>
+          <a:bodyPr rtlCol="0" anchor="t" wrap="square"/>
+          <a:lstStyle/>
+          <a:p>
+            <a:pPr algn="l">
+              <a:defRPr sz="1100" b="0">
+                <a:latin typeface="맑은 고딕"/>
+              </a:defRPr>
+            </a:pPr>
+            <a:r>
+              <a:t>공급 확보</a:t>
+            </a:r>
+          </a:p>
+        </p:txBody>
+      </p:sp>
+      <p:sp>
+        <p:nvSpPr>
+          <p:cNvPr id="10" name="Rectangle 9"/>
+          <p:cNvSpPr/>
           <p:nvPr/>
         </p:nvSpPr>
         <p:spPr>
           <a:xfrm>
-            <a:off x="1097280" y="3200400"/>
-            <a:ext cx="1371600" cy="914400"/>
+            <a:off x="3291840" y="2103120"/>
+            <a:ext cx="1371600" cy="685800"/>
           </a:xfrm>
           <a:prstGeom prst="rect">
             <a:avLst/>
           </a:prstGeom>
           <a:noFill/>
-        </p:spPr>
-        <p:txBody>
-          <a:bodyPr wrap="none">
-            <a:spAutoFit/>
-          </a:bodyPr>
-          <a:lstStyle/>
-          <a:p>
-            <a:pPr algn="ctr">
-              <a:defRPr sz="1200" b="1">
-                <a:solidFill>
-                  <a:srgbClr val="0070C0"/>
-                </a:solidFill>
-                <a:latin typeface="맑은 고딕"/>
-              </a:defRPr>
-            </a:pPr>
-            <a:r>
-              <a:t>구매 금액</a:t>
-            </a:r>
-            <a:br/>
-            <a:r>
-              <a:t>(Purchase</a:t>
-            </a:r>
-            <a:br/>
-            <a:r>
-              <a:t>Impact)</a:t>
-            </a:r>
-          </a:p>
-        </p:txBody>
-      </p:sp>
-      <p:sp>
-        <p:nvSpPr>
-          <p:cNvPr id="11" name="Right Arrow 10"/>
-          <p:cNvSpPr/>
-          <p:nvPr/>
-        </p:nvSpPr>
-        <p:spPr>
-          <a:xfrm>
-            <a:off x="4114800" y="5943600"/>
-            <a:ext cx="2743200" cy="365760"/>
-          </a:xfrm>
-          <a:prstGeom prst="rightArrow">
-            <a:avLst/>
-          </a:prstGeom>
-          <a:solidFill>
-            <a:srgbClr val="0070C0"/>
-          </a:solidFill>
-          <a:ln>
-            <a:noFill/>
+          <a:ln w="6350">
+            <a:solidFill>
+              <a:srgbClr val="969696"/>
+            </a:solidFill>
           </a:ln>
         </p:spPr>
         <p:style>
@@ -6502,45 +5794,866 @@
           </a:fontRef>
         </p:style>
         <p:txBody>
-          <a:bodyPr rtlCol="0" anchor="ctr"/>
-          <a:lstStyle/>
-          <a:p>
-            <a:pPr algn="ctr"/>
-          </a:p>
-        </p:txBody>
-      </p:sp>
-      <p:sp>
-        <p:nvSpPr>
-          <p:cNvPr id="12" name="TextBox 11"/>
-          <p:cNvSpPr txBox="1"/>
+          <a:bodyPr rtlCol="0" anchor="t" wrap="square"/>
+          <a:lstStyle/>
+          <a:p>
+            <a:pPr algn="l">
+              <a:defRPr sz="1100" b="0">
+                <a:latin typeface="맑은 고딕"/>
+              </a:defRPr>
+            </a:pPr>
+            <a:r>
+              <a:t>ROP</a:t>
+            </a:r>
+          </a:p>
+        </p:txBody>
+      </p:sp>
+      <p:sp>
+        <p:nvSpPr>
+          <p:cNvPr id="11" name="Rectangle 10"/>
+          <p:cNvSpPr/>
           <p:nvPr/>
         </p:nvSpPr>
         <p:spPr>
           <a:xfrm>
-            <a:off x="5029200" y="6217920"/>
-            <a:ext cx="1828800" cy="457200"/>
+            <a:off x="4663440" y="2103120"/>
+            <a:ext cx="1645920" cy="685800"/>
           </a:xfrm>
           <a:prstGeom prst="rect">
             <a:avLst/>
           </a:prstGeom>
           <a:noFill/>
-        </p:spPr>
-        <p:txBody>
-          <a:bodyPr wrap="none">
-            <a:spAutoFit/>
-          </a:bodyPr>
-          <a:lstStyle/>
-          <a:p>
-            <a:pPr algn="ctr">
-              <a:defRPr sz="1200" b="1">
-                <a:solidFill>
-                  <a:srgbClr val="0070C0"/>
-                </a:solidFill>
-                <a:latin typeface="맑은 고딕"/>
-              </a:defRPr>
-            </a:pPr>
-            <a:r>
-              <a:t>공급 리스크 (Supply Risk)</a:t>
+          <a:ln w="6350">
+            <a:solidFill>
+              <a:srgbClr val="969696"/>
+            </a:solidFill>
+          </a:ln>
+        </p:spPr>
+        <p:style>
+          <a:lnRef idx="1">
+            <a:schemeClr val="accent1"/>
+          </a:lnRef>
+          <a:fillRef idx="3">
+            <a:schemeClr val="accent1"/>
+          </a:fillRef>
+          <a:effectRef idx="2">
+            <a:schemeClr val="accent1"/>
+          </a:effectRef>
+          <a:fontRef idx="minor">
+            <a:schemeClr val="lt1"/>
+          </a:fontRef>
+        </p:style>
+        <p:txBody>
+          <a:bodyPr rtlCol="0" anchor="t" wrap="square"/>
+          <a:lstStyle/>
+          <a:p>
+            <a:pPr algn="l">
+              <a:defRPr sz="1100" b="0">
+                <a:latin typeface="맑은 고딕"/>
+              </a:defRPr>
+            </a:pPr>
+            <a:r>
+              <a:t>4-8주 (높음)</a:t>
+            </a:r>
+          </a:p>
+        </p:txBody>
+      </p:sp>
+      <p:sp>
+        <p:nvSpPr>
+          <p:cNvPr id="12" name="Rectangle 11"/>
+          <p:cNvSpPr/>
+          <p:nvPr/>
+        </p:nvSpPr>
+        <p:spPr>
+          <a:xfrm>
+            <a:off x="6309359" y="2103120"/>
+            <a:ext cx="3200400" cy="685800"/>
+          </a:xfrm>
+          <a:prstGeom prst="rect">
+            <a:avLst/>
+          </a:prstGeom>
+          <a:noFill/>
+          <a:ln w="6350">
+            <a:solidFill>
+              <a:srgbClr val="969696"/>
+            </a:solidFill>
+          </a:ln>
+        </p:spPr>
+        <p:style>
+          <a:lnRef idx="1">
+            <a:schemeClr val="accent1"/>
+          </a:lnRef>
+          <a:fillRef idx="3">
+            <a:schemeClr val="accent1"/>
+          </a:fillRef>
+          <a:effectRef idx="2">
+            <a:schemeClr val="accent1"/>
+          </a:effectRef>
+          <a:fontRef idx="minor">
+            <a:schemeClr val="lt1"/>
+          </a:fontRef>
+        </p:style>
+        <p:txBody>
+          <a:bodyPr rtlCol="0" anchor="t" wrap="square"/>
+          <a:lstStyle/>
+          <a:p>
+            <a:pPr algn="l">
+              <a:defRPr sz="1100" b="0">
+                <a:latin typeface="맑은 고딕"/>
+              </a:defRPr>
+            </a:pPr>
+            <a:r>
+              <a:t>Dual Sourcing, 높은 서비스 수준</a:t>
+            </a:r>
+          </a:p>
+        </p:txBody>
+      </p:sp>
+      <p:sp>
+        <p:nvSpPr>
+          <p:cNvPr id="13" name="Rectangle 12"/>
+          <p:cNvSpPr/>
+          <p:nvPr/>
+        </p:nvSpPr>
+        <p:spPr>
+          <a:xfrm>
+            <a:off x="274320" y="2834640"/>
+            <a:ext cx="1645920" cy="685800"/>
+          </a:xfrm>
+          <a:prstGeom prst="rect">
+            <a:avLst/>
+          </a:prstGeom>
+          <a:noFill/>
+          <a:ln w="6350">
+            <a:solidFill>
+              <a:srgbClr val="969696"/>
+            </a:solidFill>
+          </a:ln>
+        </p:spPr>
+        <p:style>
+          <a:lnRef idx="1">
+            <a:schemeClr val="accent1"/>
+          </a:lnRef>
+          <a:fillRef idx="3">
+            <a:schemeClr val="accent1"/>
+          </a:fillRef>
+          <a:effectRef idx="2">
+            <a:schemeClr val="accent1"/>
+          </a:effectRef>
+          <a:fontRef idx="minor">
+            <a:schemeClr val="lt1"/>
+          </a:fontRef>
+        </p:style>
+        <p:txBody>
+          <a:bodyPr rtlCol="0" anchor="t" wrap="square"/>
+          <a:lstStyle/>
+          <a:p>
+            <a:pPr algn="l">
+              <a:defRPr sz="1100" b="1">
+                <a:latin typeface="맑은 고딕"/>
+              </a:defRPr>
+            </a:pPr>
+            <a:r>
+              <a:t>레버리지자재</a:t>
+            </a:r>
+          </a:p>
+        </p:txBody>
+      </p:sp>
+      <p:sp>
+        <p:nvSpPr>
+          <p:cNvPr id="14" name="Rectangle 13"/>
+          <p:cNvSpPr/>
+          <p:nvPr/>
+        </p:nvSpPr>
+        <p:spPr>
+          <a:xfrm>
+            <a:off x="1920240" y="2834640"/>
+            <a:ext cx="1371600" cy="685800"/>
+          </a:xfrm>
+          <a:prstGeom prst="rect">
+            <a:avLst/>
+          </a:prstGeom>
+          <a:noFill/>
+          <a:ln w="6350">
+            <a:solidFill>
+              <a:srgbClr val="969696"/>
+            </a:solidFill>
+          </a:ln>
+        </p:spPr>
+        <p:style>
+          <a:lnRef idx="1">
+            <a:schemeClr val="accent1"/>
+          </a:lnRef>
+          <a:fillRef idx="3">
+            <a:schemeClr val="accent1"/>
+          </a:fillRef>
+          <a:effectRef idx="2">
+            <a:schemeClr val="accent1"/>
+          </a:effectRef>
+          <a:fontRef idx="minor">
+            <a:schemeClr val="lt1"/>
+          </a:fontRef>
+        </p:style>
+        <p:txBody>
+          <a:bodyPr rtlCol="0" anchor="t" wrap="square"/>
+          <a:lstStyle/>
+          <a:p>
+            <a:pPr algn="l">
+              <a:defRPr sz="1100" b="0">
+                <a:latin typeface="맑은 고딕"/>
+              </a:defRPr>
+            </a:pPr>
+            <a:r>
+              <a:t>원가 절감</a:t>
+            </a:r>
+          </a:p>
+        </p:txBody>
+      </p:sp>
+      <p:sp>
+        <p:nvSpPr>
+          <p:cNvPr id="15" name="Rectangle 14"/>
+          <p:cNvSpPr/>
+          <p:nvPr/>
+        </p:nvSpPr>
+        <p:spPr>
+          <a:xfrm>
+            <a:off x="3291840" y="2834640"/>
+            <a:ext cx="1371600" cy="685800"/>
+          </a:xfrm>
+          <a:prstGeom prst="rect">
+            <a:avLst/>
+          </a:prstGeom>
+          <a:noFill/>
+          <a:ln w="6350">
+            <a:solidFill>
+              <a:srgbClr val="969696"/>
+            </a:solidFill>
+          </a:ln>
+        </p:spPr>
+        <p:style>
+          <a:lnRef idx="1">
+            <a:schemeClr val="accent1"/>
+          </a:lnRef>
+          <a:fillRef idx="3">
+            <a:schemeClr val="accent1"/>
+          </a:fillRef>
+          <a:effectRef idx="2">
+            <a:schemeClr val="accent1"/>
+          </a:effectRef>
+          <a:fontRef idx="minor">
+            <a:schemeClr val="lt1"/>
+          </a:fontRef>
+        </p:style>
+        <p:txBody>
+          <a:bodyPr rtlCol="0" anchor="t" wrap="square"/>
+          <a:lstStyle/>
+          <a:p>
+            <a:pPr algn="l">
+              <a:defRPr sz="1100" b="0">
+                <a:latin typeface="맑은 고딕"/>
+              </a:defRPr>
+            </a:pPr>
+            <a:r>
+              <a:t>MRP</a:t>
+            </a:r>
+          </a:p>
+        </p:txBody>
+      </p:sp>
+      <p:sp>
+        <p:nvSpPr>
+          <p:cNvPr id="16" name="Rectangle 15"/>
+          <p:cNvSpPr/>
+          <p:nvPr/>
+        </p:nvSpPr>
+        <p:spPr>
+          <a:xfrm>
+            <a:off x="4663440" y="2834640"/>
+            <a:ext cx="1645920" cy="685800"/>
+          </a:xfrm>
+          <a:prstGeom prst="rect">
+            <a:avLst/>
+          </a:prstGeom>
+          <a:noFill/>
+          <a:ln w="6350">
+            <a:solidFill>
+              <a:srgbClr val="969696"/>
+            </a:solidFill>
+          </a:ln>
+        </p:spPr>
+        <p:style>
+          <a:lnRef idx="1">
+            <a:schemeClr val="accent1"/>
+          </a:lnRef>
+          <a:fillRef idx="3">
+            <a:schemeClr val="accent1"/>
+          </a:fillRef>
+          <a:effectRef idx="2">
+            <a:schemeClr val="accent1"/>
+          </a:effectRef>
+          <a:fontRef idx="minor">
+            <a:schemeClr val="lt1"/>
+          </a:fontRef>
+        </p:style>
+        <p:txBody>
+          <a:bodyPr rtlCol="0" anchor="t" wrap="square"/>
+          <a:lstStyle/>
+          <a:p>
+            <a:pPr algn="l">
+              <a:defRPr sz="1100" b="0">
+                <a:latin typeface="맑은 고딕"/>
+              </a:defRPr>
+            </a:pPr>
+            <a:r>
+              <a:t>1-2주 (낮음)</a:t>
+            </a:r>
+          </a:p>
+        </p:txBody>
+      </p:sp>
+      <p:sp>
+        <p:nvSpPr>
+          <p:cNvPr id="17" name="Rectangle 16"/>
+          <p:cNvSpPr/>
+          <p:nvPr/>
+        </p:nvSpPr>
+        <p:spPr>
+          <a:xfrm>
+            <a:off x="6309359" y="2834640"/>
+            <a:ext cx="3200400" cy="685800"/>
+          </a:xfrm>
+          <a:prstGeom prst="rect">
+            <a:avLst/>
+          </a:prstGeom>
+          <a:noFill/>
+          <a:ln w="6350">
+            <a:solidFill>
+              <a:srgbClr val="969696"/>
+            </a:solidFill>
+          </a:ln>
+        </p:spPr>
+        <p:style>
+          <a:lnRef idx="1">
+            <a:schemeClr val="accent1"/>
+          </a:lnRef>
+          <a:fillRef idx="3">
+            <a:schemeClr val="accent1"/>
+          </a:fillRef>
+          <a:effectRef idx="2">
+            <a:schemeClr val="accent1"/>
+          </a:effectRef>
+          <a:fontRef idx="minor">
+            <a:schemeClr val="lt1"/>
+          </a:fontRef>
+        </p:style>
+        <p:txBody>
+          <a:bodyPr rtlCol="0" anchor="t" wrap="square"/>
+          <a:lstStyle/>
+          <a:p>
+            <a:pPr algn="l">
+              <a:defRPr sz="1100" b="0">
+                <a:latin typeface="맑은 고딕"/>
+              </a:defRPr>
+            </a:pPr>
+            <a:r>
+              <a:t>경쟁 입찰, 볼륨 레버리지</a:t>
+            </a:r>
+          </a:p>
+        </p:txBody>
+      </p:sp>
+      <p:sp>
+        <p:nvSpPr>
+          <p:cNvPr id="18" name="Rectangle 17"/>
+          <p:cNvSpPr/>
+          <p:nvPr/>
+        </p:nvSpPr>
+        <p:spPr>
+          <a:xfrm>
+            <a:off x="274320" y="3566160"/>
+            <a:ext cx="1645920" cy="685800"/>
+          </a:xfrm>
+          <a:prstGeom prst="rect">
+            <a:avLst/>
+          </a:prstGeom>
+          <a:noFill/>
+          <a:ln w="6350">
+            <a:solidFill>
+              <a:srgbClr val="969696"/>
+            </a:solidFill>
+          </a:ln>
+        </p:spPr>
+        <p:style>
+          <a:lnRef idx="1">
+            <a:schemeClr val="accent1"/>
+          </a:lnRef>
+          <a:fillRef idx="3">
+            <a:schemeClr val="accent1"/>
+          </a:fillRef>
+          <a:effectRef idx="2">
+            <a:schemeClr val="accent1"/>
+          </a:effectRef>
+          <a:fontRef idx="minor">
+            <a:schemeClr val="lt1"/>
+          </a:fontRef>
+        </p:style>
+        <p:txBody>
+          <a:bodyPr rtlCol="0" anchor="t" wrap="square"/>
+          <a:lstStyle/>
+          <a:p>
+            <a:pPr algn="l">
+              <a:defRPr sz="1100" b="1">
+                <a:latin typeface="맑은 고딕"/>
+              </a:defRPr>
+            </a:pPr>
+            <a:r>
+              <a:t>전략자재</a:t>
+            </a:r>
+          </a:p>
+        </p:txBody>
+      </p:sp>
+      <p:sp>
+        <p:nvSpPr>
+          <p:cNvPr id="19" name="Rectangle 18"/>
+          <p:cNvSpPr/>
+          <p:nvPr/>
+        </p:nvSpPr>
+        <p:spPr>
+          <a:xfrm>
+            <a:off x="1920240" y="3566160"/>
+            <a:ext cx="1371600" cy="685800"/>
+          </a:xfrm>
+          <a:prstGeom prst="rect">
+            <a:avLst/>
+          </a:prstGeom>
+          <a:noFill/>
+          <a:ln w="6350">
+            <a:solidFill>
+              <a:srgbClr val="969696"/>
+            </a:solidFill>
+          </a:ln>
+        </p:spPr>
+        <p:style>
+          <a:lnRef idx="1">
+            <a:schemeClr val="accent1"/>
+          </a:lnRef>
+          <a:fillRef idx="3">
+            <a:schemeClr val="accent1"/>
+          </a:fillRef>
+          <a:effectRef idx="2">
+            <a:schemeClr val="accent1"/>
+          </a:effectRef>
+          <a:fontRef idx="minor">
+            <a:schemeClr val="lt1"/>
+          </a:fontRef>
+        </p:style>
+        <p:txBody>
+          <a:bodyPr rtlCol="0" anchor="t" wrap="square"/>
+          <a:lstStyle/>
+          <a:p>
+            <a:pPr algn="l">
+              <a:defRPr sz="1100" b="0">
+                <a:latin typeface="맑은 고딕"/>
+              </a:defRPr>
+            </a:pPr>
+            <a:r>
+              <a:t>파트너십</a:t>
+            </a:r>
+          </a:p>
+        </p:txBody>
+      </p:sp>
+      <p:sp>
+        <p:nvSpPr>
+          <p:cNvPr id="20" name="Rectangle 19"/>
+          <p:cNvSpPr/>
+          <p:nvPr/>
+        </p:nvSpPr>
+        <p:spPr>
+          <a:xfrm>
+            <a:off x="3291840" y="3566160"/>
+            <a:ext cx="1371600" cy="685800"/>
+          </a:xfrm>
+          <a:prstGeom prst="rect">
+            <a:avLst/>
+          </a:prstGeom>
+          <a:noFill/>
+          <a:ln w="6350">
+            <a:solidFill>
+              <a:srgbClr val="969696"/>
+            </a:solidFill>
+          </a:ln>
+        </p:spPr>
+        <p:style>
+          <a:lnRef idx="1">
+            <a:schemeClr val="accent1"/>
+          </a:lnRef>
+          <a:fillRef idx="3">
+            <a:schemeClr val="accent1"/>
+          </a:fillRef>
+          <a:effectRef idx="2">
+            <a:schemeClr val="accent1"/>
+          </a:effectRef>
+          <a:fontRef idx="minor">
+            <a:schemeClr val="lt1"/>
+          </a:fontRef>
+        </p:style>
+        <p:txBody>
+          <a:bodyPr rtlCol="0" anchor="t" wrap="square"/>
+          <a:lstStyle/>
+          <a:p>
+            <a:pPr algn="l">
+              <a:defRPr sz="1100" b="0">
+                <a:latin typeface="맑은 고딕"/>
+              </a:defRPr>
+            </a:pPr>
+            <a:r>
+              <a:t>하이브리드</a:t>
+            </a:r>
+          </a:p>
+        </p:txBody>
+      </p:sp>
+      <p:sp>
+        <p:nvSpPr>
+          <p:cNvPr id="21" name="Rectangle 20"/>
+          <p:cNvSpPr/>
+          <p:nvPr/>
+        </p:nvSpPr>
+        <p:spPr>
+          <a:xfrm>
+            <a:off x="4663440" y="3566160"/>
+            <a:ext cx="1645920" cy="685800"/>
+          </a:xfrm>
+          <a:prstGeom prst="rect">
+            <a:avLst/>
+          </a:prstGeom>
+          <a:noFill/>
+          <a:ln w="6350">
+            <a:solidFill>
+              <a:srgbClr val="969696"/>
+            </a:solidFill>
+          </a:ln>
+        </p:spPr>
+        <p:style>
+          <a:lnRef idx="1">
+            <a:schemeClr val="accent1"/>
+          </a:lnRef>
+          <a:fillRef idx="3">
+            <a:schemeClr val="accent1"/>
+          </a:fillRef>
+          <a:effectRef idx="2">
+            <a:schemeClr val="accent1"/>
+          </a:effectRef>
+          <a:fontRef idx="minor">
+            <a:schemeClr val="lt1"/>
+          </a:fontRef>
+        </p:style>
+        <p:txBody>
+          <a:bodyPr rtlCol="0" anchor="t" wrap="square"/>
+          <a:lstStyle/>
+          <a:p>
+            <a:pPr algn="l">
+              <a:defRPr sz="1100" b="0">
+                <a:latin typeface="맑은 고딕"/>
+              </a:defRPr>
+            </a:pPr>
+            <a:r>
+              <a:t>3-6주 (중상)</a:t>
+            </a:r>
+          </a:p>
+        </p:txBody>
+      </p:sp>
+      <p:sp>
+        <p:nvSpPr>
+          <p:cNvPr id="22" name="Rectangle 21"/>
+          <p:cNvSpPr/>
+          <p:nvPr/>
+        </p:nvSpPr>
+        <p:spPr>
+          <a:xfrm>
+            <a:off x="6309359" y="3566160"/>
+            <a:ext cx="3200400" cy="685800"/>
+          </a:xfrm>
+          <a:prstGeom prst="rect">
+            <a:avLst/>
+          </a:prstGeom>
+          <a:noFill/>
+          <a:ln w="6350">
+            <a:solidFill>
+              <a:srgbClr val="969696"/>
+            </a:solidFill>
+          </a:ln>
+        </p:spPr>
+        <p:style>
+          <a:lnRef idx="1">
+            <a:schemeClr val="accent1"/>
+          </a:lnRef>
+          <a:fillRef idx="3">
+            <a:schemeClr val="accent1"/>
+          </a:fillRef>
+          <a:effectRef idx="2">
+            <a:schemeClr val="accent1"/>
+          </a:effectRef>
+          <a:fontRef idx="minor">
+            <a:schemeClr val="lt1"/>
+          </a:fontRef>
+        </p:style>
+        <p:txBody>
+          <a:bodyPr rtlCol="0" anchor="t" wrap="square"/>
+          <a:lstStyle/>
+          <a:p>
+            <a:pPr algn="l">
+              <a:defRPr sz="1100" b="0">
+                <a:latin typeface="맑은 고딕"/>
+              </a:defRPr>
+            </a:pPr>
+            <a:r>
+              <a:t>장기 계약, Win-Win 협력</a:t>
+            </a:r>
+          </a:p>
+        </p:txBody>
+      </p:sp>
+      <p:sp>
+        <p:nvSpPr>
+          <p:cNvPr id="23" name="Rectangle 22"/>
+          <p:cNvSpPr/>
+          <p:nvPr/>
+        </p:nvSpPr>
+        <p:spPr>
+          <a:xfrm>
+            <a:off x="274320" y="4297680"/>
+            <a:ext cx="1645920" cy="685800"/>
+          </a:xfrm>
+          <a:prstGeom prst="rect">
+            <a:avLst/>
+          </a:prstGeom>
+          <a:noFill/>
+          <a:ln w="6350">
+            <a:solidFill>
+              <a:srgbClr val="969696"/>
+            </a:solidFill>
+          </a:ln>
+        </p:spPr>
+        <p:style>
+          <a:lnRef idx="1">
+            <a:schemeClr val="accent1"/>
+          </a:lnRef>
+          <a:fillRef idx="3">
+            <a:schemeClr val="accent1"/>
+          </a:fillRef>
+          <a:effectRef idx="2">
+            <a:schemeClr val="accent1"/>
+          </a:effectRef>
+          <a:fontRef idx="minor">
+            <a:schemeClr val="lt1"/>
+          </a:fontRef>
+        </p:style>
+        <p:txBody>
+          <a:bodyPr rtlCol="0" anchor="t" wrap="square"/>
+          <a:lstStyle/>
+          <a:p>
+            <a:pPr algn="l">
+              <a:defRPr sz="1100" b="1">
+                <a:latin typeface="맑은 고딕"/>
+              </a:defRPr>
+            </a:pPr>
+            <a:r>
+              <a:t>일상자재</a:t>
+            </a:r>
+          </a:p>
+        </p:txBody>
+      </p:sp>
+      <p:sp>
+        <p:nvSpPr>
+          <p:cNvPr id="24" name="Rectangle 23"/>
+          <p:cNvSpPr/>
+          <p:nvPr/>
+        </p:nvSpPr>
+        <p:spPr>
+          <a:xfrm>
+            <a:off x="1920240" y="4297680"/>
+            <a:ext cx="1371600" cy="685800"/>
+          </a:xfrm>
+          <a:prstGeom prst="rect">
+            <a:avLst/>
+          </a:prstGeom>
+          <a:noFill/>
+          <a:ln w="6350">
+            <a:solidFill>
+              <a:srgbClr val="969696"/>
+            </a:solidFill>
+          </a:ln>
+        </p:spPr>
+        <p:style>
+          <a:lnRef idx="1">
+            <a:schemeClr val="accent1"/>
+          </a:lnRef>
+          <a:fillRef idx="3">
+            <a:schemeClr val="accent1"/>
+          </a:fillRef>
+          <a:effectRef idx="2">
+            <a:schemeClr val="accent1"/>
+          </a:effectRef>
+          <a:fontRef idx="minor">
+            <a:schemeClr val="lt1"/>
+          </a:fontRef>
+        </p:style>
+        <p:txBody>
+          <a:bodyPr rtlCol="0" anchor="t" wrap="square"/>
+          <a:lstStyle/>
+          <a:p>
+            <a:pPr algn="l">
+              <a:defRPr sz="1100" b="0">
+                <a:latin typeface="맑은 고딕"/>
+              </a:defRPr>
+            </a:pPr>
+            <a:r>
+              <a:t>효율화</a:t>
+            </a:r>
+          </a:p>
+        </p:txBody>
+      </p:sp>
+      <p:sp>
+        <p:nvSpPr>
+          <p:cNvPr id="25" name="Rectangle 24"/>
+          <p:cNvSpPr/>
+          <p:nvPr/>
+        </p:nvSpPr>
+        <p:spPr>
+          <a:xfrm>
+            <a:off x="3291840" y="4297680"/>
+            <a:ext cx="1371600" cy="685800"/>
+          </a:xfrm>
+          <a:prstGeom prst="rect">
+            <a:avLst/>
+          </a:prstGeom>
+          <a:noFill/>
+          <a:ln w="6350">
+            <a:solidFill>
+              <a:srgbClr val="969696"/>
+            </a:solidFill>
+          </a:ln>
+        </p:spPr>
+        <p:style>
+          <a:lnRef idx="1">
+            <a:schemeClr val="accent1"/>
+          </a:lnRef>
+          <a:fillRef idx="3">
+            <a:schemeClr val="accent1"/>
+          </a:fillRef>
+          <a:effectRef idx="2">
+            <a:schemeClr val="accent1"/>
+          </a:effectRef>
+          <a:fontRef idx="minor">
+            <a:schemeClr val="lt1"/>
+          </a:fontRef>
+        </p:style>
+        <p:txBody>
+          <a:bodyPr rtlCol="0" anchor="t" wrap="square"/>
+          <a:lstStyle/>
+          <a:p>
+            <a:pPr algn="l">
+              <a:defRPr sz="1100" b="0">
+                <a:latin typeface="맑은 고딕"/>
+              </a:defRPr>
+            </a:pPr>
+            <a:r>
+              <a:t>자동화/VMI</a:t>
+            </a:r>
+          </a:p>
+        </p:txBody>
+      </p:sp>
+      <p:sp>
+        <p:nvSpPr>
+          <p:cNvPr id="26" name="Rectangle 25"/>
+          <p:cNvSpPr/>
+          <p:nvPr/>
+        </p:nvSpPr>
+        <p:spPr>
+          <a:xfrm>
+            <a:off x="4663440" y="4297680"/>
+            <a:ext cx="1645920" cy="685800"/>
+          </a:xfrm>
+          <a:prstGeom prst="rect">
+            <a:avLst/>
+          </a:prstGeom>
+          <a:noFill/>
+          <a:ln w="6350">
+            <a:solidFill>
+              <a:srgbClr val="969696"/>
+            </a:solidFill>
+          </a:ln>
+        </p:spPr>
+        <p:style>
+          <a:lnRef idx="1">
+            <a:schemeClr val="accent1"/>
+          </a:lnRef>
+          <a:fillRef idx="3">
+            <a:schemeClr val="accent1"/>
+          </a:fillRef>
+          <a:effectRef idx="2">
+            <a:schemeClr val="accent1"/>
+          </a:effectRef>
+          <a:fontRef idx="minor">
+            <a:schemeClr val="lt1"/>
+          </a:fontRef>
+        </p:style>
+        <p:txBody>
+          <a:bodyPr rtlCol="0" anchor="t" wrap="square"/>
+          <a:lstStyle/>
+          <a:p>
+            <a:pPr algn="l">
+              <a:defRPr sz="1100" b="0">
+                <a:latin typeface="맑은 고딕"/>
+              </a:defRPr>
+            </a:pPr>
+            <a:r>
+              <a:t>1주 (최소)</a:t>
+            </a:r>
+          </a:p>
+        </p:txBody>
+      </p:sp>
+      <p:sp>
+        <p:nvSpPr>
+          <p:cNvPr id="27" name="Rectangle 26"/>
+          <p:cNvSpPr/>
+          <p:nvPr/>
+        </p:nvSpPr>
+        <p:spPr>
+          <a:xfrm>
+            <a:off x="6309359" y="4297680"/>
+            <a:ext cx="3200400" cy="685800"/>
+          </a:xfrm>
+          <a:prstGeom prst="rect">
+            <a:avLst/>
+          </a:prstGeom>
+          <a:noFill/>
+          <a:ln w="6350">
+            <a:solidFill>
+              <a:srgbClr val="969696"/>
+            </a:solidFill>
+          </a:ln>
+        </p:spPr>
+        <p:style>
+          <a:lnRef idx="1">
+            <a:schemeClr val="accent1"/>
+          </a:lnRef>
+          <a:fillRef idx="3">
+            <a:schemeClr val="accent1"/>
+          </a:fillRef>
+          <a:effectRef idx="2">
+            <a:schemeClr val="accent1"/>
+          </a:effectRef>
+          <a:fontRef idx="minor">
+            <a:schemeClr val="lt1"/>
+          </a:fontRef>
+        </p:style>
+        <p:txBody>
+          <a:bodyPr rtlCol="0" anchor="t" wrap="square"/>
+          <a:lstStyle/>
+          <a:p>
+            <a:pPr algn="l">
+              <a:defRPr sz="1100" b="0">
+                <a:latin typeface="맑은 고딕"/>
+              </a:defRPr>
+            </a:pPr>
+            <a:r>
+              <a:t>프로세스 간소화, 통합 관리</a:t>
             </a:r>
           </a:p>
         </p:txBody>
@@ -6573,57 +6686,14 @@
       <p:grpSpPr/>
       <p:sp>
         <p:nvSpPr>
-          <p:cNvPr id="2" name="Rectangle 1"/>
-          <p:cNvSpPr/>
-          <p:nvPr/>
-        </p:nvSpPr>
-        <p:spPr>
-          <a:xfrm>
-            <a:off x="0" y="0"/>
-            <a:ext cx="12191695" cy="640080"/>
-          </a:xfrm>
-          <a:prstGeom prst="rect">
-            <a:avLst/>
-          </a:prstGeom>
-          <a:solidFill>
-            <a:srgbClr val="002060"/>
-          </a:solidFill>
-          <a:ln>
-            <a:noFill/>
-          </a:ln>
-        </p:spPr>
-        <p:style>
-          <a:lnRef idx="1">
-            <a:schemeClr val="accent1"/>
-          </a:lnRef>
-          <a:fillRef idx="3">
-            <a:schemeClr val="accent1"/>
-          </a:fillRef>
-          <a:effectRef idx="2">
-            <a:schemeClr val="accent1"/>
-          </a:effectRef>
-          <a:fontRef idx="minor">
-            <a:schemeClr val="lt1"/>
-          </a:fontRef>
-        </p:style>
-        <p:txBody>
-          <a:bodyPr rtlCol="0" anchor="ctr"/>
-          <a:lstStyle/>
-          <a:p>
-            <a:pPr algn="ctr"/>
-          </a:p>
-        </p:txBody>
-      </p:sp>
-      <p:sp>
-        <p:nvSpPr>
-          <p:cNvPr id="3" name="TextBox 2"/>
+          <p:cNvPr id="2" name="TextBox 1"/>
           <p:cNvSpPr txBox="1"/>
           <p:nvPr/>
         </p:nvSpPr>
         <p:spPr>
           <a:xfrm>
-            <a:off x="457200" y="137160"/>
-            <a:ext cx="10972800" cy="365760"/>
+            <a:off x="274320" y="283464"/>
+            <a:ext cx="6912864" cy="393192"/>
           </a:xfrm>
           <a:prstGeom prst="rect">
             <a:avLst/>
@@ -6636,439 +6706,235 @@
           </a:bodyPr>
           <a:lstStyle/>
           <a:p>
-            <a:pPr algn="l">
-              <a:defRPr sz="2400" b="1">
-                <a:solidFill>
-                  <a:srgbClr val="FFFFFF"/>
-                </a:solidFill>
-                <a:latin typeface="맑은 고딕"/>
-              </a:defRPr>
-            </a:pPr>
-            <a:r>
-              <a:t>4대 자재군: 차별화된 관리 전략</a:t>
-            </a:r>
-          </a:p>
-        </p:txBody>
-      </p:sp>
-      <p:sp>
-        <p:nvSpPr>
-          <p:cNvPr id="4" name="Rectangle 3"/>
-          <p:cNvSpPr/>
+            <a:pPr>
+              <a:defRPr sz="2000" b="1">
+                <a:latin typeface="맑은 고딕"/>
+              </a:defRPr>
+            </a:pPr>
+            <a:r>
+              <a:t>자재계획 방법론 맵</a:t>
+            </a:r>
+          </a:p>
+        </p:txBody>
+      </p:sp>
+      <p:sp>
+        <p:nvSpPr>
+          <p:cNvPr id="3" name="TextBox 2"/>
+          <p:cNvSpPr txBox="1"/>
           <p:nvPr/>
         </p:nvSpPr>
         <p:spPr>
           <a:xfrm>
-            <a:off x="0" y="6675120"/>
-            <a:ext cx="12191695" cy="182880"/>
+            <a:off x="649224" y="1188720"/>
+            <a:ext cx="8686800" cy="5029200"/>
           </a:xfrm>
           <a:prstGeom prst="rect">
             <a:avLst/>
           </a:prstGeom>
-          <a:solidFill>
-            <a:srgbClr val="0070C0"/>
-          </a:solidFill>
-          <a:ln>
-            <a:noFill/>
-          </a:ln>
-        </p:spPr>
-        <p:style>
-          <a:lnRef idx="1">
-            <a:schemeClr val="accent1"/>
-          </a:lnRef>
-          <a:fillRef idx="3">
-            <a:schemeClr val="accent1"/>
-          </a:fillRef>
-          <a:effectRef idx="2">
-            <a:schemeClr val="accent1"/>
-          </a:effectRef>
-          <a:fontRef idx="minor">
-            <a:schemeClr val="lt1"/>
-          </a:fontRef>
-        </p:style>
-        <p:txBody>
-          <a:bodyPr rtlCol="0" anchor="ctr"/>
-          <a:lstStyle/>
-          <a:p>
-            <a:pPr algn="ctr"/>
-          </a:p>
-        </p:txBody>
-      </p:sp>
-      <p:sp>
-        <p:nvSpPr>
-          <p:cNvPr id="5" name="Rounded Rectangle 4"/>
-          <p:cNvSpPr/>
-          <p:nvPr/>
-        </p:nvSpPr>
-        <p:spPr>
-          <a:xfrm>
-            <a:off x="731520" y="1371600"/>
-            <a:ext cx="5303520" cy="2194560"/>
-          </a:xfrm>
-          <a:prstGeom prst="roundRect">
-            <a:avLst/>
-          </a:prstGeom>
-          <a:solidFill>
-            <a:srgbClr val="FFC8C8"/>
-          </a:solidFill>
-          <a:ln w="38100">
-            <a:solidFill>
-              <a:srgbClr val="C00000"/>
-            </a:solidFill>
-          </a:ln>
-        </p:spPr>
-        <p:style>
-          <a:lnRef idx="1">
-            <a:schemeClr val="accent1"/>
-          </a:lnRef>
-          <a:fillRef idx="3">
-            <a:schemeClr val="accent1"/>
-          </a:fillRef>
-          <a:effectRef idx="2">
-            <a:schemeClr val="accent1"/>
-          </a:effectRef>
-          <a:fontRef idx="minor">
-            <a:schemeClr val="lt1"/>
-          </a:fontRef>
-        </p:style>
-        <p:txBody>
-          <a:bodyPr rtlCol="0" anchor="ctr" lIns="274320" tIns="182880"/>
-          <a:lstStyle/>
-          <a:p>
-            <a:pPr algn="ctr">
-              <a:defRPr sz="2200" b="1">
-                <a:solidFill>
-                  <a:srgbClr val="C00000"/>
-                </a:solidFill>
-                <a:latin typeface="맑은 고딕"/>
-              </a:defRPr>
-            </a:pPr>
-            <a:r>
-              <a:t>🔴 병목자재</a:t>
-            </a:r>
-          </a:p>
-          <a:p>
-            <a:br/>
+          <a:noFill/>
+        </p:spPr>
+        <p:txBody>
+          <a:bodyPr wrap="none">
+            <a:spAutoFit/>
+          </a:bodyPr>
+          <a:lstStyle/>
+          <a:p>
+            <a:pPr>
+              <a:spcBef>
+                <a:spcPts val="0"/>
+              </a:spcBef>
+              <a:defRPr sz="1600" b="1">
+                <a:latin typeface="맑은 고딕"/>
+              </a:defRPr>
+            </a:pPr>
+            <a:r>
+              <a:t>1. ROP (Re-Order Point) - 병목자재</a:t>
+            </a:r>
+          </a:p>
+          <a:p>
             <a:pPr>
               <a:spcBef>
                 <a:spcPts val="800"/>
               </a:spcBef>
-              <a:defRPr sz="1500" b="1">
-                <a:latin typeface="맑은 고딕"/>
-              </a:defRPr>
-            </a:pPr>
-            <a:r>
-              <a:t>목표: 공급 확보</a:t>
-            </a:r>
-          </a:p>
-          <a:p>
-            <a:pPr>
-              <a:spcBef>
-                <a:spcPts val="600"/>
-              </a:spcBef>
-              <a:defRPr sz="1300">
-                <a:latin typeface="맑은 고딕"/>
-              </a:defRPr>
-            </a:pPr>
-            <a:r>
-              <a:t>계획 방법: ROP (Re-Order Point)</a:t>
-            </a:r>
-          </a:p>
-          <a:p>
-            <a:pPr>
-              <a:spcBef>
-                <a:spcPts val="400"/>
-              </a:spcBef>
-              <a:defRPr sz="1300">
-                <a:latin typeface="맑은 고딕"/>
-              </a:defRPr>
-            </a:pPr>
-            <a:r>
-              <a:t>전략: 높은 안전재고 (4-8주)</a:t>
-            </a:r>
-          </a:p>
-        </p:txBody>
-      </p:sp>
-      <p:sp>
-        <p:nvSpPr>
-          <p:cNvPr id="6" name="Rounded Rectangle 5"/>
-          <p:cNvSpPr/>
-          <p:nvPr/>
-        </p:nvSpPr>
-        <p:spPr>
-          <a:xfrm>
-            <a:off x="6400800" y="1371600"/>
-            <a:ext cx="5303520" cy="2194560"/>
-          </a:xfrm>
-          <a:prstGeom prst="roundRect">
-            <a:avLst/>
-          </a:prstGeom>
-          <a:solidFill>
-            <a:srgbClr val="C8FFC8"/>
-          </a:solidFill>
-          <a:ln w="38100">
-            <a:solidFill>
-              <a:srgbClr val="008000"/>
-            </a:solidFill>
-          </a:ln>
-        </p:spPr>
-        <p:style>
-          <a:lnRef idx="1">
-            <a:schemeClr val="accent1"/>
-          </a:lnRef>
-          <a:fillRef idx="3">
-            <a:schemeClr val="accent1"/>
-          </a:fillRef>
-          <a:effectRef idx="2">
-            <a:schemeClr val="accent1"/>
-          </a:effectRef>
-          <a:fontRef idx="minor">
-            <a:schemeClr val="lt1"/>
-          </a:fontRef>
-        </p:style>
-        <p:txBody>
-          <a:bodyPr rtlCol="0" anchor="ctr" lIns="274320" tIns="182880"/>
-          <a:lstStyle/>
-          <a:p>
-            <a:pPr algn="ctr">
-              <a:defRPr sz="2200" b="1">
-                <a:solidFill>
-                  <a:srgbClr val="008000"/>
-                </a:solidFill>
-                <a:latin typeface="맑은 고딕"/>
-              </a:defRPr>
-            </a:pPr>
-            <a:r>
-              <a:t>🟢 레버리지자재</a:t>
-            </a:r>
-          </a:p>
-          <a:p>
-            <a:br/>
+              <a:defRPr sz="1400" b="0">
+                <a:latin typeface="맑은 고딕"/>
+              </a:defRPr>
+            </a:pPr>
+            <a:r>
+              <a:t>   • 재고 수준이 기준점 도달 시 자동 발주</a:t>
+            </a:r>
+          </a:p>
+          <a:p>
             <a:pPr>
               <a:spcBef>
                 <a:spcPts val="800"/>
               </a:spcBef>
-              <a:defRPr sz="1500" b="1">
-                <a:latin typeface="맑은 고딕"/>
-              </a:defRPr>
-            </a:pPr>
-            <a:r>
-              <a:t>목표: 원가 절감</a:t>
-            </a:r>
-          </a:p>
-          <a:p>
-            <a:pPr>
-              <a:spcBef>
-                <a:spcPts val="600"/>
-              </a:spcBef>
-              <a:defRPr sz="1300">
-                <a:latin typeface="맑은 고딕"/>
-              </a:defRPr>
-            </a:pPr>
-            <a:r>
-              <a:t>계획 방법: MRP (계획 기반)</a:t>
-            </a:r>
-          </a:p>
-          <a:p>
-            <a:pPr>
-              <a:spcBef>
-                <a:spcPts val="400"/>
-              </a:spcBef>
-              <a:defRPr sz="1300">
-                <a:latin typeface="맑은 고딕"/>
-              </a:defRPr>
-            </a:pPr>
-            <a:r>
-              <a:t>전략: 경쟁 입찰, 낮은 재고</a:t>
-            </a:r>
-          </a:p>
-        </p:txBody>
-      </p:sp>
-      <p:sp>
-        <p:nvSpPr>
-          <p:cNvPr id="7" name="Rounded Rectangle 6"/>
-          <p:cNvSpPr/>
-          <p:nvPr/>
-        </p:nvSpPr>
-        <p:spPr>
-          <a:xfrm>
-            <a:off x="731520" y="3931920"/>
-            <a:ext cx="5303520" cy="2194560"/>
-          </a:xfrm>
-          <a:prstGeom prst="roundRect">
-            <a:avLst/>
-          </a:prstGeom>
-          <a:solidFill>
-            <a:srgbClr val="E6C8FF"/>
-          </a:solidFill>
-          <a:ln w="38100">
-            <a:solidFill>
-              <a:srgbClr val="800080"/>
-            </a:solidFill>
-          </a:ln>
-        </p:spPr>
-        <p:style>
-          <a:lnRef idx="1">
-            <a:schemeClr val="accent1"/>
-          </a:lnRef>
-          <a:fillRef idx="3">
-            <a:schemeClr val="accent1"/>
-          </a:fillRef>
-          <a:effectRef idx="2">
-            <a:schemeClr val="accent1"/>
-          </a:effectRef>
-          <a:fontRef idx="minor">
-            <a:schemeClr val="lt1"/>
-          </a:fontRef>
-        </p:style>
-        <p:txBody>
-          <a:bodyPr rtlCol="0" anchor="ctr" lIns="274320" tIns="182880"/>
-          <a:lstStyle/>
-          <a:p>
-            <a:pPr algn="ctr">
-              <a:defRPr sz="2200" b="1">
-                <a:solidFill>
-                  <a:srgbClr val="800080"/>
-                </a:solidFill>
-                <a:latin typeface="맑은 고딕"/>
-              </a:defRPr>
-            </a:pPr>
-            <a:r>
-              <a:t>🟣 전략자재</a:t>
-            </a:r>
-          </a:p>
-          <a:p>
-            <a:br/>
+              <a:defRPr sz="1400" b="0">
+                <a:latin typeface="맑은 고딕"/>
+              </a:defRPr>
+            </a:pPr>
+            <a:r>
+              <a:t>   • 지속 모니터링, 높은 서비스 수준 (95-99%)</a:t>
+            </a:r>
+          </a:p>
+          <a:p>
             <a:pPr>
               <a:spcBef>
                 <a:spcPts val="800"/>
               </a:spcBef>
-              <a:defRPr sz="1500" b="1">
-                <a:latin typeface="맑은 고딕"/>
-              </a:defRPr>
-            </a:pPr>
-            <a:r>
-              <a:t>목표: 파트너십</a:t>
-            </a:r>
-          </a:p>
-          <a:p>
-            <a:pPr>
-              <a:spcBef>
-                <a:spcPts val="600"/>
-              </a:spcBef>
-              <a:defRPr sz="1300">
-                <a:latin typeface="맑은 고딕"/>
-              </a:defRPr>
-            </a:pPr>
-            <a:r>
-              <a:t>계획 방법: 하이브리드 계획</a:t>
-            </a:r>
-          </a:p>
-          <a:p>
-            <a:pPr>
-              <a:spcBef>
-                <a:spcPts val="400"/>
-              </a:spcBef>
-              <a:defRPr sz="1300">
-                <a:latin typeface="맑은 고딕"/>
-              </a:defRPr>
-            </a:pPr>
-            <a:r>
-              <a:t>전략: 장기 계약, 협력</a:t>
-            </a:r>
-          </a:p>
-        </p:txBody>
-      </p:sp>
-      <p:sp>
-        <p:nvSpPr>
-          <p:cNvPr id="8" name="Rounded Rectangle 7"/>
-          <p:cNvSpPr/>
-          <p:nvPr/>
-        </p:nvSpPr>
-        <p:spPr>
-          <a:xfrm>
-            <a:off x="6400800" y="3931920"/>
-            <a:ext cx="5303520" cy="2194560"/>
-          </a:xfrm>
-          <a:prstGeom prst="roundRect">
-            <a:avLst/>
-          </a:prstGeom>
-          <a:solidFill>
-            <a:srgbClr val="F0F0F0"/>
-          </a:solidFill>
-          <a:ln w="38100">
-            <a:solidFill>
-              <a:srgbClr val="606060"/>
-            </a:solidFill>
-          </a:ln>
-        </p:spPr>
-        <p:style>
-          <a:lnRef idx="1">
-            <a:schemeClr val="accent1"/>
-          </a:lnRef>
-          <a:fillRef idx="3">
-            <a:schemeClr val="accent1"/>
-          </a:fillRef>
-          <a:effectRef idx="2">
-            <a:schemeClr val="accent1"/>
-          </a:effectRef>
-          <a:fontRef idx="minor">
-            <a:schemeClr val="lt1"/>
-          </a:fontRef>
-        </p:style>
-        <p:txBody>
-          <a:bodyPr rtlCol="0" anchor="ctr" lIns="274320" tIns="182880"/>
-          <a:lstStyle/>
-          <a:p>
-            <a:pPr algn="ctr">
-              <a:defRPr sz="2200" b="1">
-                <a:solidFill>
-                  <a:srgbClr val="606060"/>
-                </a:solidFill>
-                <a:latin typeface="맑은 고딕"/>
-              </a:defRPr>
-            </a:pPr>
-            <a:r>
-              <a:t>⚪ 일상자재</a:t>
-            </a:r>
-          </a:p>
-          <a:p>
-            <a:br/>
+              <a:defRPr sz="1400" b="0">
+                <a:latin typeface="맑은 고딕"/>
+              </a:defRPr>
+            </a:pPr>
+          </a:p>
+          <a:p>
             <a:pPr>
               <a:spcBef>
                 <a:spcPts val="800"/>
               </a:spcBef>
-              <a:defRPr sz="1500" b="1">
-                <a:latin typeface="맑은 고딕"/>
-              </a:defRPr>
-            </a:pPr>
-            <a:r>
-              <a:t>목표: 효율화</a:t>
+              <a:defRPr sz="1600" b="1">
+                <a:latin typeface="맑은 고딕"/>
+              </a:defRPr>
+            </a:pPr>
+            <a:r>
+              <a:t>2. MRP (Material Requirements Planning) - 레버리지자재</a:t>
             </a:r>
           </a:p>
           <a:p>
             <a:pPr>
               <a:spcBef>
-                <a:spcPts val="600"/>
+                <a:spcPts val="800"/>
               </a:spcBef>
-              <a:defRPr sz="1300">
-                <a:latin typeface="맑은 고딕"/>
-              </a:defRPr>
-            </a:pPr>
-            <a:r>
-              <a:t>계획 방법: 자동화 (VMI)</a:t>
+              <a:defRPr sz="1400" b="0">
+                <a:latin typeface="맑은 고딕"/>
+              </a:defRPr>
+            </a:pPr>
+            <a:r>
+              <a:t>   • MPS + BOM 기반 소요량 계산</a:t>
             </a:r>
           </a:p>
           <a:p>
             <a:pPr>
               <a:spcBef>
-                <a:spcPts val="400"/>
+                <a:spcPts val="800"/>
               </a:spcBef>
-              <a:defRPr sz="1300">
-                <a:latin typeface="맑은 고딕"/>
-              </a:defRPr>
-            </a:pPr>
-            <a:r>
-              <a:t>전략: 프로세스 간소화</a:t>
+              <a:defRPr sz="1400" b="0">
+                <a:latin typeface="맑은 고딕"/>
+              </a:defRPr>
+            </a:pPr>
+            <a:r>
+              <a:t>   • 계획적 발주, 재고 최적화, Lot Sizing</a:t>
+            </a:r>
+          </a:p>
+          <a:p>
+            <a:pPr>
+              <a:spcBef>
+                <a:spcPts val="800"/>
+              </a:spcBef>
+              <a:defRPr sz="1400" b="0">
+                <a:latin typeface="맑은 고딕"/>
+              </a:defRPr>
+            </a:pPr>
+          </a:p>
+          <a:p>
+            <a:pPr>
+              <a:spcBef>
+                <a:spcPts val="800"/>
+              </a:spcBef>
+              <a:defRPr sz="1600" b="1">
+                <a:latin typeface="맑은 고딕"/>
+              </a:defRPr>
+            </a:pPr>
+            <a:r>
+              <a:t>3. 하이브리드 계획 (LTP + MRP + ROP) - 전략자재</a:t>
+            </a:r>
+          </a:p>
+          <a:p>
+            <a:pPr>
+              <a:spcBef>
+                <a:spcPts val="800"/>
+              </a:spcBef>
+              <a:defRPr sz="1400" b="0">
+                <a:latin typeface="맑은 고딕"/>
+              </a:defRPr>
+            </a:pPr>
+            <a:r>
+              <a:t>   • 장기 계획 (18-24개월) + 중기 계획 (3-6개월) + 실시간 모니터링</a:t>
+            </a:r>
+          </a:p>
+          <a:p>
+            <a:pPr>
+              <a:spcBef>
+                <a:spcPts val="800"/>
+              </a:spcBef>
+              <a:defRPr sz="1400" b="0">
+                <a:latin typeface="맑은 고딕"/>
+              </a:defRPr>
+            </a:pPr>
+            <a:r>
+              <a:t>   • Framework Agreement, Capacity 확보, 분기별 총량 계획</a:t>
+            </a:r>
+          </a:p>
+          <a:p>
+            <a:pPr>
+              <a:spcBef>
+                <a:spcPts val="800"/>
+              </a:spcBef>
+              <a:defRPr sz="1400" b="0">
+                <a:latin typeface="맑은 고딕"/>
+              </a:defRPr>
+            </a:pPr>
+          </a:p>
+          <a:p>
+            <a:pPr>
+              <a:spcBef>
+                <a:spcPts val="800"/>
+              </a:spcBef>
+              <a:defRPr sz="1600" b="1">
+                <a:latin typeface="맑은 고딕"/>
+              </a:defRPr>
+            </a:pPr>
+            <a:r>
+              <a:t>4. 자동화 (Min-Max / VMI) - 일상자재</a:t>
+            </a:r>
+          </a:p>
+          <a:p>
+            <a:pPr>
+              <a:spcBef>
+                <a:spcPts val="800"/>
+              </a:spcBef>
+              <a:defRPr sz="1400" b="0">
+                <a:latin typeface="맑은 고딕"/>
+              </a:defRPr>
+            </a:pPr>
+            <a:r>
+              <a:t>   • 최소/최대값 기준 자동 보충</a:t>
+            </a:r>
+          </a:p>
+          <a:p>
+            <a:pPr>
+              <a:spcBef>
+                <a:spcPts val="800"/>
+              </a:spcBef>
+              <a:defRPr sz="1400" b="0">
+                <a:latin typeface="맑은 고딕"/>
+              </a:defRPr>
+            </a:pPr>
+            <a:r>
+              <a:t>   • 공급업체 주도 재고 관리 (VMI)</a:t>
+            </a:r>
+          </a:p>
+          <a:p>
+            <a:pPr>
+              <a:spcBef>
+                <a:spcPts val="800"/>
+              </a:spcBef>
+              <a:defRPr sz="1400" b="0">
+                <a:latin typeface="맑은 고딕"/>
+              </a:defRPr>
+            </a:pPr>
+            <a:r>
+              <a:t>   • 단순 자동화, 관리 최소화, Zero Touch</a:t>
             </a:r>
           </a:p>
         </p:txBody>
@@ -7101,57 +6967,14 @@
       <p:grpSpPr/>
       <p:sp>
         <p:nvSpPr>
-          <p:cNvPr id="2" name="Rectangle 1"/>
-          <p:cNvSpPr/>
-          <p:nvPr/>
-        </p:nvSpPr>
-        <p:spPr>
-          <a:xfrm>
-            <a:off x="0" y="0"/>
-            <a:ext cx="12191695" cy="640080"/>
-          </a:xfrm>
-          <a:prstGeom prst="rect">
-            <a:avLst/>
-          </a:prstGeom>
-          <a:solidFill>
-            <a:srgbClr val="002060"/>
-          </a:solidFill>
-          <a:ln>
-            <a:noFill/>
-          </a:ln>
-        </p:spPr>
-        <p:style>
-          <a:lnRef idx="1">
-            <a:schemeClr val="accent1"/>
-          </a:lnRef>
-          <a:fillRef idx="3">
-            <a:schemeClr val="accent1"/>
-          </a:fillRef>
-          <a:effectRef idx="2">
-            <a:schemeClr val="accent1"/>
-          </a:effectRef>
-          <a:fontRef idx="minor">
-            <a:schemeClr val="lt1"/>
-          </a:fontRef>
-        </p:style>
-        <p:txBody>
-          <a:bodyPr rtlCol="0" anchor="ctr"/>
-          <a:lstStyle/>
-          <a:p>
-            <a:pPr algn="ctr"/>
-          </a:p>
-        </p:txBody>
-      </p:sp>
-      <p:sp>
-        <p:nvSpPr>
-          <p:cNvPr id="3" name="TextBox 2"/>
+          <p:cNvPr id="2" name="TextBox 1"/>
           <p:cNvSpPr txBox="1"/>
           <p:nvPr/>
         </p:nvSpPr>
         <p:spPr>
           <a:xfrm>
-            <a:off x="457200" y="137160"/>
-            <a:ext cx="10972800" cy="365760"/>
+            <a:off x="274320" y="283464"/>
+            <a:ext cx="6912864" cy="393192"/>
           </a:xfrm>
           <a:prstGeom prst="rect">
             <a:avLst/>
@@ -7164,11 +6987,8 @@
           </a:bodyPr>
           <a:lstStyle/>
           <a:p>
-            <a:pPr algn="l">
-              <a:defRPr sz="2400" b="1">
-                <a:solidFill>
-                  <a:srgbClr val="FFFFFF"/>
-                </a:solidFill>
+            <a:pPr>
+              <a:defRPr sz="2000" b="1">
                 <a:latin typeface="맑은 고딕"/>
               </a:defRPr>
             </a:pPr>
@@ -7180,57 +7000,14 @@
       </p:sp>
       <p:sp>
         <p:nvSpPr>
-          <p:cNvPr id="4" name="Rectangle 3"/>
-          <p:cNvSpPr/>
-          <p:nvPr/>
-        </p:nvSpPr>
-        <p:spPr>
-          <a:xfrm>
-            <a:off x="0" y="6675120"/>
-            <a:ext cx="12191695" cy="182880"/>
-          </a:xfrm>
-          <a:prstGeom prst="rect">
-            <a:avLst/>
-          </a:prstGeom>
-          <a:solidFill>
-            <a:srgbClr val="0070C0"/>
-          </a:solidFill>
-          <a:ln>
-            <a:noFill/>
-          </a:ln>
-        </p:spPr>
-        <p:style>
-          <a:lnRef idx="1">
-            <a:schemeClr val="accent1"/>
-          </a:lnRef>
-          <a:fillRef idx="3">
-            <a:schemeClr val="accent1"/>
-          </a:fillRef>
-          <a:effectRef idx="2">
-            <a:schemeClr val="accent1"/>
-          </a:effectRef>
-          <a:fontRef idx="minor">
-            <a:schemeClr val="lt1"/>
-          </a:fontRef>
-        </p:style>
-        <p:txBody>
-          <a:bodyPr rtlCol="0" anchor="ctr"/>
-          <a:lstStyle/>
-          <a:p>
-            <a:pPr algn="ctr"/>
-          </a:p>
-        </p:txBody>
-      </p:sp>
-      <p:sp>
-        <p:nvSpPr>
-          <p:cNvPr id="5" name="TextBox 4"/>
+          <p:cNvPr id="3" name="TextBox 2"/>
           <p:cNvSpPr txBox="1"/>
           <p:nvPr/>
         </p:nvSpPr>
         <p:spPr>
           <a:xfrm>
-            <a:off x="914400" y="1097280"/>
-            <a:ext cx="10362895" cy="548640"/>
+            <a:off x="649224" y="1188720"/>
+            <a:ext cx="8686800" cy="5029200"/>
           </a:xfrm>
           <a:prstGeom prst="rect">
             <a:avLst/>
@@ -7243,71 +7020,16 @@
           </a:bodyPr>
           <a:lstStyle/>
           <a:p>
-            <a:pPr algn="ctr">
-              <a:defRPr sz="2800" b="1">
-                <a:solidFill>
-                  <a:srgbClr val="002060"/>
-                </a:solidFill>
-                <a:latin typeface="맑은 고딕"/>
-              </a:defRPr>
-            </a:pPr>
-            <a:r>
-              <a:t>💎 오늘 배운 핵심 내용</a:t>
-            </a:r>
-          </a:p>
-        </p:txBody>
-      </p:sp>
-      <p:sp>
-        <p:nvSpPr>
-          <p:cNvPr id="6" name="Rounded Rectangle 5"/>
-          <p:cNvSpPr/>
-          <p:nvPr/>
-        </p:nvSpPr>
-        <p:spPr>
-          <a:xfrm>
-            <a:off x="731520" y="2286000"/>
-            <a:ext cx="3474720" cy="3474720"/>
-          </a:xfrm>
-          <a:prstGeom prst="roundRect">
-            <a:avLst/>
-          </a:prstGeom>
-          <a:solidFill>
-            <a:srgbClr val="E6F0FF"/>
-          </a:solidFill>
-          <a:ln w="38100">
-            <a:solidFill>
-              <a:srgbClr val="0070C0"/>
-            </a:solidFill>
-          </a:ln>
-        </p:spPr>
-        <p:style>
-          <a:lnRef idx="1">
-            <a:schemeClr val="accent1"/>
-          </a:lnRef>
-          <a:fillRef idx="3">
-            <a:schemeClr val="accent1"/>
-          </a:fillRef>
-          <a:effectRef idx="2">
-            <a:schemeClr val="accent1"/>
-          </a:effectRef>
-          <a:fontRef idx="minor">
-            <a:schemeClr val="lt1"/>
-          </a:fontRef>
-        </p:style>
-        <p:txBody>
-          <a:bodyPr rtlCol="0" anchor="ctr" lIns="274320" tIns="274320"/>
-          <a:lstStyle/>
-          <a:p>
-            <a:pPr algn="ctr">
+            <a:pPr>
+              <a:spcBef>
+                <a:spcPts val="0"/>
+              </a:spcBef>
               <a:defRPr sz="1800" b="1">
-                <a:solidFill>
-                  <a:srgbClr val="002060"/>
-                </a:solidFill>
-                <a:latin typeface="맑은 고딕"/>
-              </a:defRPr>
-            </a:pPr>
-            <a:r>
-              <a:t>1. 패러다임 전환</a:t>
+                <a:latin typeface="맑은 고딕"/>
+              </a:defRPr>
+            </a:pPr>
+            <a:r>
+              <a:t>1. 패러다임의 전환</a:t>
             </a:r>
           </a:p>
           <a:p>
@@ -7315,12 +7037,12 @@
               <a:spcBef>
                 <a:spcPts val="1000"/>
               </a:spcBef>
-              <a:defRPr sz="1300">
-                <a:latin typeface="맑은 고딕"/>
-              </a:defRPr>
-            </a:pPr>
-            <a:r>
-              <a:t>• JIT → JIC</a:t>
+              <a:defRPr sz="1400" b="0">
+                <a:latin typeface="맑은 고딕"/>
+              </a:defRPr>
+            </a:pPr>
+            <a:r>
+              <a:t>   • JIT (재고 = 낭비) → JIC (재고 = 전략적 자산)</a:t>
             </a:r>
           </a:p>
           <a:p>
@@ -7328,12 +7050,12 @@
               <a:spcBef>
                 <a:spcPts val="1000"/>
               </a:spcBef>
-              <a:defRPr sz="1300">
-                <a:latin typeface="맑은 고딕"/>
-              </a:defRPr>
-            </a:pPr>
-            <a:r>
-              <a:t>• 효율성 → 회복력</a:t>
+              <a:defRPr sz="1400" b="0">
+                <a:latin typeface="맑은 고딕"/>
+              </a:defRPr>
+            </a:pPr>
+            <a:r>
+              <a:t>   • 효율성 추구 → 회복력 확보</a:t>
             </a:r>
           </a:p>
           <a:p>
@@ -7341,67 +7063,12 @@
               <a:spcBef>
                 <a:spcPts val="1000"/>
               </a:spcBef>
-              <a:defRPr sz="1300">
-                <a:latin typeface="맑은 고딕"/>
-              </a:defRPr>
-            </a:pPr>
-            <a:r>
-              <a:t>• 획일적 관리 → 차별화 전략</a:t>
-            </a:r>
-          </a:p>
-        </p:txBody>
-      </p:sp>
-      <p:sp>
-        <p:nvSpPr>
-          <p:cNvPr id="7" name="Rounded Rectangle 6"/>
-          <p:cNvSpPr/>
-          <p:nvPr/>
-        </p:nvSpPr>
-        <p:spPr>
-          <a:xfrm>
-            <a:off x="4572000" y="2286000"/>
-            <a:ext cx="3474720" cy="3474720"/>
-          </a:xfrm>
-          <a:prstGeom prst="roundRect">
-            <a:avLst/>
-          </a:prstGeom>
-          <a:solidFill>
-            <a:srgbClr val="FFFAF0"/>
-          </a:solidFill>
-          <a:ln w="38100">
-            <a:solidFill>
-              <a:srgbClr val="0070C0"/>
-            </a:solidFill>
-          </a:ln>
-        </p:spPr>
-        <p:style>
-          <a:lnRef idx="1">
-            <a:schemeClr val="accent1"/>
-          </a:lnRef>
-          <a:fillRef idx="3">
-            <a:schemeClr val="accent1"/>
-          </a:fillRef>
-          <a:effectRef idx="2">
-            <a:schemeClr val="accent1"/>
-          </a:effectRef>
-          <a:fontRef idx="minor">
-            <a:schemeClr val="lt1"/>
-          </a:fontRef>
-        </p:style>
-        <p:txBody>
-          <a:bodyPr rtlCol="0" anchor="ctr" lIns="274320" tIns="274320"/>
-          <a:lstStyle/>
-          <a:p>
-            <a:pPr algn="ctr">
-              <a:defRPr sz="1800" b="1">
-                <a:solidFill>
-                  <a:srgbClr val="002060"/>
-                </a:solidFill>
-                <a:latin typeface="맑은 고딕"/>
-              </a:defRPr>
-            </a:pPr>
-            <a:r>
-              <a:t>2. Kraljic Matrix</a:t>
+              <a:defRPr sz="1400" b="0">
+                <a:latin typeface="맑은 고딕"/>
+              </a:defRPr>
+            </a:pPr>
+            <a:r>
+              <a:t>   • 획일적 관리 → 차별화된 전략</a:t>
             </a:r>
           </a:p>
           <a:p>
@@ -7409,25 +7076,22 @@
               <a:spcBef>
                 <a:spcPts val="1000"/>
               </a:spcBef>
-              <a:defRPr sz="1300">
-                <a:latin typeface="맑은 고딕"/>
-              </a:defRPr>
-            </a:pPr>
-            <a:r>
-              <a:t>• 2개 축: 공급 리스크 × 구매 금액</a:t>
-            </a:r>
+              <a:defRPr sz="1400">
+                <a:latin typeface="맑은 고딕"/>
+              </a:defRPr>
+            </a:pPr>
           </a:p>
           <a:p>
             <a:pPr>
               <a:spcBef>
                 <a:spcPts val="1000"/>
               </a:spcBef>
-              <a:defRPr sz="1300">
-                <a:latin typeface="맑은 고딕"/>
-              </a:defRPr>
-            </a:pPr>
-            <a:r>
-              <a:t>• 4개 자재군 분류</a:t>
+              <a:defRPr sz="1800" b="1">
+                <a:latin typeface="맑은 고딕"/>
+              </a:defRPr>
+            </a:pPr>
+            <a:r>
+              <a:t>2. Kraljic Matrix</a:t>
             </a:r>
           </a:p>
           <a:p>
@@ -7435,67 +7099,12 @@
               <a:spcBef>
                 <a:spcPts val="1000"/>
               </a:spcBef>
-              <a:defRPr sz="1300">
-                <a:latin typeface="맑은 고딕"/>
-              </a:defRPr>
-            </a:pPr>
-            <a:r>
-              <a:t>• 차별화된 관리 전략</a:t>
-            </a:r>
-          </a:p>
-        </p:txBody>
-      </p:sp>
-      <p:sp>
-        <p:nvSpPr>
-          <p:cNvPr id="8" name="Rounded Rectangle 7"/>
-          <p:cNvSpPr/>
-          <p:nvPr/>
-        </p:nvSpPr>
-        <p:spPr>
-          <a:xfrm>
-            <a:off x="8412480" y="2286000"/>
-            <a:ext cx="3474720" cy="3474720"/>
-          </a:xfrm>
-          <a:prstGeom prst="roundRect">
-            <a:avLst/>
-          </a:prstGeom>
-          <a:solidFill>
-            <a:srgbClr val="F0FFF0"/>
-          </a:solidFill>
-          <a:ln w="38100">
-            <a:solidFill>
-              <a:srgbClr val="0070C0"/>
-            </a:solidFill>
-          </a:ln>
-        </p:spPr>
-        <p:style>
-          <a:lnRef idx="1">
-            <a:schemeClr val="accent1"/>
-          </a:lnRef>
-          <a:fillRef idx="3">
-            <a:schemeClr val="accent1"/>
-          </a:fillRef>
-          <a:effectRef idx="2">
-            <a:schemeClr val="accent1"/>
-          </a:effectRef>
-          <a:fontRef idx="minor">
-            <a:schemeClr val="lt1"/>
-          </a:fontRef>
-        </p:style>
-        <p:txBody>
-          <a:bodyPr rtlCol="0" anchor="ctr" lIns="274320" tIns="274320"/>
-          <a:lstStyle/>
-          <a:p>
-            <a:pPr algn="ctr">
-              <a:defRPr sz="1800" b="1">
-                <a:solidFill>
-                  <a:srgbClr val="002060"/>
-                </a:solidFill>
-                <a:latin typeface="맑은 고딕"/>
-              </a:defRPr>
-            </a:pPr>
-            <a:r>
-              <a:t>3. 실행 방향</a:t>
+              <a:defRPr sz="1400" b="0">
+                <a:latin typeface="맑은 고딕"/>
+              </a:defRPr>
+            </a:pPr>
+            <a:r>
+              <a:t>   • 2개 축: 공급 리스크 × 구매 임팩트</a:t>
             </a:r>
           </a:p>
           <a:p>
@@ -7503,12 +7112,12 @@
               <a:spcBef>
                 <a:spcPts val="1000"/>
               </a:spcBef>
-              <a:defRPr sz="1300">
-                <a:latin typeface="맑은 고딕"/>
-              </a:defRPr>
-            </a:pPr>
-            <a:r>
-              <a:t>• 자재 특성 분석</a:t>
+              <a:defRPr sz="1400" b="0">
+                <a:latin typeface="맑은 고딕"/>
+              </a:defRPr>
+            </a:pPr>
+            <a:r>
+              <a:t>   • 4개 자재군: 병목 / 레버리지 / 전략 / 일상</a:t>
             </a:r>
           </a:p>
           <a:p>
@@ -7516,12 +7125,12 @@
               <a:spcBef>
                 <a:spcPts val="1000"/>
               </a:spcBef>
-              <a:defRPr sz="1300">
-                <a:latin typeface="맑은 고딕"/>
-              </a:defRPr>
-            </a:pPr>
-            <a:r>
-              <a:t>• 포트폴리오 분류</a:t>
+              <a:defRPr sz="1400" b="0">
+                <a:latin typeface="맑은 고딕"/>
+              </a:defRPr>
+            </a:pPr>
+            <a:r>
+              <a:t>   • 각 자재군별 차별화된 관리 전략 필요</a:t>
             </a:r>
           </a:p>
           <a:p>
@@ -7529,48 +7138,97 @@
               <a:spcBef>
                 <a:spcPts val="1000"/>
               </a:spcBef>
-              <a:defRPr sz="1300">
-                <a:latin typeface="맑은 고딕"/>
-              </a:defRPr>
-            </a:pPr>
-            <a:r>
-              <a:t>• 자재군별 맞춤 전략 수립</a:t>
-            </a:r>
-          </a:p>
-        </p:txBody>
-      </p:sp>
-      <p:sp>
-        <p:nvSpPr>
-          <p:cNvPr id="9" name="TextBox 8"/>
-          <p:cNvSpPr txBox="1"/>
-          <p:nvPr/>
-        </p:nvSpPr>
-        <p:spPr>
-          <a:xfrm>
-            <a:off x="914400" y="5943600"/>
-            <a:ext cx="10362895" cy="548640"/>
-          </a:xfrm>
-          <a:prstGeom prst="rect">
-            <a:avLst/>
-          </a:prstGeom>
-          <a:noFill/>
-        </p:spPr>
-        <p:txBody>
-          <a:bodyPr wrap="none">
-            <a:spAutoFit/>
-          </a:bodyPr>
-          <a:lstStyle/>
-          <a:p>
-            <a:pPr algn="ctr">
-              <a:defRPr sz="1600">
-                <a:solidFill>
-                  <a:srgbClr val="0070C0"/>
-                </a:solidFill>
-                <a:latin typeface="맑은 고딕"/>
-              </a:defRPr>
-            </a:pPr>
-            <a:r>
-              <a:t>다음 회차: [2회차] 자재군별 소싱 전략 및 공급업체 관계 관리</a:t>
+              <a:defRPr sz="1400">
+                <a:latin typeface="맑은 고딕"/>
+              </a:defRPr>
+            </a:pPr>
+          </a:p>
+          <a:p>
+            <a:pPr>
+              <a:spcBef>
+                <a:spcPts val="1000"/>
+              </a:spcBef>
+              <a:defRPr sz="1800" b="1">
+                <a:latin typeface="맑은 고딕"/>
+              </a:defRPr>
+            </a:pPr>
+            <a:r>
+              <a:t>3. 자재계획 방법론</a:t>
+            </a:r>
+          </a:p>
+          <a:p>
+            <a:pPr>
+              <a:spcBef>
+                <a:spcPts val="1000"/>
+              </a:spcBef>
+              <a:defRPr sz="1400" b="0">
+                <a:latin typeface="맑은 고딕"/>
+              </a:defRPr>
+            </a:pPr>
+            <a:r>
+              <a:t>   • 병목자재 → ROP (재주문점 발주, 높은 안전재고)</a:t>
+            </a:r>
+          </a:p>
+          <a:p>
+            <a:pPr>
+              <a:spcBef>
+                <a:spcPts val="1000"/>
+              </a:spcBef>
+              <a:defRPr sz="1400" b="0">
+                <a:latin typeface="맑은 고딕"/>
+              </a:defRPr>
+            </a:pPr>
+            <a:r>
+              <a:t>   • 레버리지자재 → MRP (계획 기반, 낮은 재고)</a:t>
+            </a:r>
+          </a:p>
+          <a:p>
+            <a:pPr>
+              <a:spcBef>
+                <a:spcPts val="1000"/>
+              </a:spcBef>
+              <a:defRPr sz="1400" b="0">
+                <a:latin typeface="맑은 고딕"/>
+              </a:defRPr>
+            </a:pPr>
+            <a:r>
+              <a:t>   • 전략자재 → 하이브리드 (장기 + 중기 + 단기 통합)</a:t>
+            </a:r>
+          </a:p>
+          <a:p>
+            <a:pPr>
+              <a:spcBef>
+                <a:spcPts val="1000"/>
+              </a:spcBef>
+              <a:defRPr sz="1400" b="0">
+                <a:latin typeface="맑은 고딕"/>
+              </a:defRPr>
+            </a:pPr>
+            <a:r>
+              <a:t>   • 일상자재 → 자동화 (Min-Max, VMI)</a:t>
+            </a:r>
+          </a:p>
+          <a:p>
+            <a:pPr>
+              <a:spcBef>
+                <a:spcPts val="1000"/>
+              </a:spcBef>
+              <a:defRPr sz="1400">
+                <a:latin typeface="맑은 고딕"/>
+              </a:defRPr>
+            </a:pPr>
+          </a:p>
+          <a:p>
+            <a:pPr>
+              <a:spcBef>
+                <a:spcPts val="1000"/>
+              </a:spcBef>
+              <a:defRPr sz="1800" b="1">
+                <a:latin typeface="맑은 고딕"/>
+              </a:defRPr>
+            </a:pPr>
+            <a:r>
+              <a:t>다음 회차 예고: [2회차] 자재군별 소싱 전략 및 공급업체 관계 관리</a:t>
             </a:r>
           </a:p>
         </p:txBody>
